--- a/Presentacion_team_challenge.pptx
+++ b/Presentacion_team_challenge.pptx
@@ -5,15 +5,14 @@
     <p:sldMasterId id="2147483648" r:id="rId1"/>
   </p:sldMasterIdLst>
   <p:sldIdLst>
-    <p:sldId id="257" r:id="rId2"/>
-    <p:sldId id="256" r:id="rId3"/>
-    <p:sldId id="258" r:id="rId4"/>
-    <p:sldId id="259" r:id="rId5"/>
-    <p:sldId id="260" r:id="rId6"/>
-    <p:sldId id="261" r:id="rId7"/>
-    <p:sldId id="262" r:id="rId8"/>
-    <p:sldId id="263" r:id="rId9"/>
-    <p:sldId id="264" r:id="rId10"/>
+    <p:sldId id="256" r:id="rId2"/>
+    <p:sldId id="258" r:id="rId3"/>
+    <p:sldId id="259" r:id="rId4"/>
+    <p:sldId id="260" r:id="rId5"/>
+    <p:sldId id="261" r:id="rId6"/>
+    <p:sldId id="262" r:id="rId7"/>
+    <p:sldId id="263" r:id="rId8"/>
+    <p:sldId id="264" r:id="rId9"/>
   </p:sldIdLst>
   <p:sldSz cx="9144000" cy="6858000" type="screen4x3"/>
   <p:notesSz cx="6858000" cy="9144000"/>
@@ -3043,54 +3042,6 @@
           <a:chExt cx="0" cy="0"/>
         </a:xfrm>
       </p:grpSpPr>
-      <p:sp>
-        <p:nvSpPr>
-          <p:cNvPr id="2" name="1 Título"/>
-          <p:cNvSpPr>
-            <a:spLocks noGrp="1"/>
-          </p:cNvSpPr>
-          <p:nvPr>
-            <p:ph type="title"/>
-          </p:nvPr>
-        </p:nvSpPr>
-        <p:spPr/>
-        <p:txBody>
-          <a:bodyPr/>
-          <a:lstStyle/>
-          <a:p>
-            <a:r>
-              <a:rPr lang="en-US" dirty="0" err="1" smtClean="0"/>
-              <a:t>Portada</a:t>
-            </a:r>
-            <a:endParaRPr lang="es-ES" dirty="0"/>
-          </a:p>
-        </p:txBody>
-      </p:sp>
-    </p:spTree>
-  </p:cSld>
-  <p:clrMapOvr>
-    <a:masterClrMapping/>
-  </p:clrMapOvr>
-</p:sld>
-</file>
-
-<file path=ppt/slides/slide2.xml><?xml version="1.0" encoding="utf-8"?>
-<p:sld xmlns:a="http://schemas.openxmlformats.org/drawingml/2006/main" xmlns:r="http://schemas.openxmlformats.org/officeDocument/2006/relationships" xmlns:p="http://schemas.openxmlformats.org/presentationml/2006/main">
-  <p:cSld>
-    <p:spTree>
-      <p:nvGrpSpPr>
-        <p:cNvPr id="1" name=""/>
-        <p:cNvGrpSpPr/>
-        <p:nvPr/>
-      </p:nvGrpSpPr>
-      <p:grpSpPr>
-        <a:xfrm>
-          <a:off x="0" y="0"/>
-          <a:ext cx="0" cy="0"/>
-          <a:chOff x="0" y="0"/>
-          <a:chExt cx="0" cy="0"/>
-        </a:xfrm>
-      </p:grpSpPr>
       <p:pic>
         <p:nvPicPr>
           <p:cNvPr id="1026" name="Picture 2"/>
@@ -3203,7 +3154,7 @@
 </p:sld>
 </file>
 
-<file path=ppt/slides/slide3.xml><?xml version="1.0" encoding="utf-8"?>
+<file path=ppt/slides/slide2.xml><?xml version="1.0" encoding="utf-8"?>
 <p:sld xmlns:a="http://schemas.openxmlformats.org/drawingml/2006/main" xmlns:r="http://schemas.openxmlformats.org/officeDocument/2006/relationships" xmlns:p="http://schemas.openxmlformats.org/presentationml/2006/main">
   <p:cSld>
     <p:spTree>
@@ -3328,7 +3279,7 @@
 </p:sld>
 </file>
 
-<file path=ppt/slides/slide4.xml><?xml version="1.0" encoding="utf-8"?>
+<file path=ppt/slides/slide3.xml><?xml version="1.0" encoding="utf-8"?>
 <p:sld xmlns:a="http://schemas.openxmlformats.org/drawingml/2006/main" xmlns:r="http://schemas.openxmlformats.org/officeDocument/2006/relationships" xmlns:p="http://schemas.openxmlformats.org/presentationml/2006/main">
   <p:cSld>
     <p:spTree>
@@ -3448,7 +3399,7 @@
 </p:sld>
 </file>
 
-<file path=ppt/slides/slide5.xml><?xml version="1.0" encoding="utf-8"?>
+<file path=ppt/slides/slide4.xml><?xml version="1.0" encoding="utf-8"?>
 <p:sld xmlns:a="http://schemas.openxmlformats.org/drawingml/2006/main" xmlns:r="http://schemas.openxmlformats.org/officeDocument/2006/relationships" xmlns:p="http://schemas.openxmlformats.org/presentationml/2006/main">
   <p:cSld>
     <p:spTree>
@@ -3584,7 +3535,7 @@
 </p:sld>
 </file>
 
-<file path=ppt/slides/slide6.xml><?xml version="1.0" encoding="utf-8"?>
+<file path=ppt/slides/slide5.xml><?xml version="1.0" encoding="utf-8"?>
 <p:sld xmlns:a="http://schemas.openxmlformats.org/drawingml/2006/main" xmlns:r="http://schemas.openxmlformats.org/officeDocument/2006/relationships" xmlns:p="http://schemas.openxmlformats.org/presentationml/2006/main">
   <p:cSld>
     <p:spTree>
@@ -3642,7 +3593,7 @@
 </p:sld>
 </file>
 
-<file path=ppt/slides/slide7.xml><?xml version="1.0" encoding="utf-8"?>
+<file path=ppt/slides/slide6.xml><?xml version="1.0" encoding="utf-8"?>
 <p:sld xmlns:a="http://schemas.openxmlformats.org/drawingml/2006/main" xmlns:r="http://schemas.openxmlformats.org/officeDocument/2006/relationships" xmlns:p="http://schemas.openxmlformats.org/presentationml/2006/main">
   <p:cSld>
     <p:spTree>
@@ -3811,7 +3762,7 @@
 </p:sld>
 </file>
 
-<file path=ppt/slides/slide8.xml><?xml version="1.0" encoding="utf-8"?>
+<file path=ppt/slides/slide7.xml><?xml version="1.0" encoding="utf-8"?>
 <p:sld xmlns:a="http://schemas.openxmlformats.org/drawingml/2006/main" xmlns:r="http://schemas.openxmlformats.org/officeDocument/2006/relationships" xmlns:p="http://schemas.openxmlformats.org/presentationml/2006/main">
   <p:cSld>
     <p:spTree>
@@ -3947,7 +3898,7 @@
 </p:sld>
 </file>
 
-<file path=ppt/slides/slide9.xml><?xml version="1.0" encoding="utf-8"?>
+<file path=ppt/slides/slide8.xml><?xml version="1.0" encoding="utf-8"?>
 <p:sld xmlns:a="http://schemas.openxmlformats.org/drawingml/2006/main" xmlns:r="http://schemas.openxmlformats.org/officeDocument/2006/relationships" xmlns:p="http://schemas.openxmlformats.org/presentationml/2006/main">
   <p:cSld>
     <p:spTree>

--- a/Presentacion_team_challenge.pptx
+++ b/Presentacion_team_challenge.pptx
@@ -112,6 +112,22 @@
       </a:defRPr>
     </a:lvl9pPr>
   </p:defaultTextStyle>
+  <p:extLst>
+    <p:ext uri="{EFAFB233-063F-42B5-8137-9DF3F51BA10A}">
+      <p15:sldGuideLst xmlns:p15="http://schemas.microsoft.com/office/powerpoint/2012/main">
+        <p15:guide id="1" orient="horz" pos="2160">
+          <p15:clr>
+            <a:srgbClr val="A4A3A4"/>
+          </p15:clr>
+        </p15:guide>
+        <p15:guide id="2" pos="2880">
+          <p15:clr>
+            <a:srgbClr val="A4A3A4"/>
+          </p15:clr>
+        </p15:guide>
+      </p15:sldGuideLst>
+    </p:ext>
+  </p:extLst>
 </p:presentation>
 </file>
 
@@ -153,10 +169,9 @@
           <a:lstStyle/>
           <a:p>
             <a:r>
-              <a:rPr lang="es-ES" smtClean="0"/>
+              <a:rPr lang="es-ES"/>
               <a:t>Haga clic para modificar el estilo de título del patrón</a:t>
             </a:r>
-            <a:endParaRPr lang="es-ES"/>
           </a:p>
         </p:txBody>
       </p:sp>
@@ -272,10 +287,9 @@
           </a:lstStyle>
           <a:p>
             <a:r>
-              <a:rPr lang="es-ES" smtClean="0"/>
+              <a:rPr lang="es-ES"/>
               <a:t>Haga clic para modificar el estilo de subtítulo del patrón</a:t>
             </a:r>
-            <a:endParaRPr lang="es-ES"/>
           </a:p>
         </p:txBody>
       </p:sp>
@@ -296,7 +310,7 @@
           <a:p>
             <a:fld id="{65BA0D81-69BF-454E-8955-4E199060296A}" type="datetimeFigureOut">
               <a:rPr lang="es-ES" smtClean="0"/>
-              <a:t>27.01.26</a:t>
+              <a:t>27/01/2026</a:t>
             </a:fld>
             <a:endParaRPr lang="es-ES"/>
           </a:p>
@@ -385,10 +399,9 @@
           <a:lstStyle/>
           <a:p>
             <a:r>
-              <a:rPr lang="es-ES" smtClean="0"/>
+              <a:rPr lang="es-ES"/>
               <a:t>Haga clic para modificar el estilo de título del patrón</a:t>
             </a:r>
-            <a:endParaRPr lang="es-ES"/>
           </a:p>
         </p:txBody>
       </p:sp>
@@ -409,38 +422,37 @@
           <a:p>
             <a:pPr lvl="0"/>
             <a:r>
-              <a:rPr lang="es-ES" smtClean="0"/>
+              <a:rPr lang="es-ES"/>
               <a:t>Haga clic para modificar el estilo de texto del patrón</a:t>
             </a:r>
           </a:p>
           <a:p>
             <a:pPr lvl="1"/>
             <a:r>
-              <a:rPr lang="es-ES" smtClean="0"/>
+              <a:rPr lang="es-ES"/>
               <a:t>Segundo nivel</a:t>
             </a:r>
           </a:p>
           <a:p>
             <a:pPr lvl="2"/>
             <a:r>
-              <a:rPr lang="es-ES" smtClean="0"/>
+              <a:rPr lang="es-ES"/>
               <a:t>Tercer nivel</a:t>
             </a:r>
           </a:p>
           <a:p>
             <a:pPr lvl="3"/>
             <a:r>
-              <a:rPr lang="es-ES" smtClean="0"/>
+              <a:rPr lang="es-ES"/>
               <a:t>Cuarto nivel</a:t>
             </a:r>
           </a:p>
           <a:p>
             <a:pPr lvl="4"/>
             <a:r>
-              <a:rPr lang="es-ES" smtClean="0"/>
+              <a:rPr lang="es-ES"/>
               <a:t>Quinto nivel</a:t>
             </a:r>
-            <a:endParaRPr lang="es-ES"/>
           </a:p>
         </p:txBody>
       </p:sp>
@@ -461,7 +473,7 @@
           <a:p>
             <a:fld id="{65BA0D81-69BF-454E-8955-4E199060296A}" type="datetimeFigureOut">
               <a:rPr lang="es-ES" smtClean="0"/>
-              <a:t>27.01.26</a:t>
+              <a:t>27/01/2026</a:t>
             </a:fld>
             <a:endParaRPr lang="es-ES"/>
           </a:p>
@@ -555,10 +567,9 @@
           <a:lstStyle/>
           <a:p>
             <a:r>
-              <a:rPr lang="es-ES" smtClean="0"/>
+              <a:rPr lang="es-ES"/>
               <a:t>Haga clic para modificar el estilo de título del patrón</a:t>
             </a:r>
-            <a:endParaRPr lang="es-ES"/>
           </a:p>
         </p:txBody>
       </p:sp>
@@ -584,38 +595,37 @@
           <a:p>
             <a:pPr lvl="0"/>
             <a:r>
-              <a:rPr lang="es-ES" smtClean="0"/>
+              <a:rPr lang="es-ES"/>
               <a:t>Haga clic para modificar el estilo de texto del patrón</a:t>
             </a:r>
           </a:p>
           <a:p>
             <a:pPr lvl="1"/>
             <a:r>
-              <a:rPr lang="es-ES" smtClean="0"/>
+              <a:rPr lang="es-ES"/>
               <a:t>Segundo nivel</a:t>
             </a:r>
           </a:p>
           <a:p>
             <a:pPr lvl="2"/>
             <a:r>
-              <a:rPr lang="es-ES" smtClean="0"/>
+              <a:rPr lang="es-ES"/>
               <a:t>Tercer nivel</a:t>
             </a:r>
           </a:p>
           <a:p>
             <a:pPr lvl="3"/>
             <a:r>
-              <a:rPr lang="es-ES" smtClean="0"/>
+              <a:rPr lang="es-ES"/>
               <a:t>Cuarto nivel</a:t>
             </a:r>
           </a:p>
           <a:p>
             <a:pPr lvl="4"/>
             <a:r>
-              <a:rPr lang="es-ES" smtClean="0"/>
+              <a:rPr lang="es-ES"/>
               <a:t>Quinto nivel</a:t>
             </a:r>
-            <a:endParaRPr lang="es-ES"/>
           </a:p>
         </p:txBody>
       </p:sp>
@@ -636,7 +646,7 @@
           <a:p>
             <a:fld id="{65BA0D81-69BF-454E-8955-4E199060296A}" type="datetimeFigureOut">
               <a:rPr lang="es-ES" smtClean="0"/>
-              <a:t>27.01.26</a:t>
+              <a:t>27/01/2026</a:t>
             </a:fld>
             <a:endParaRPr lang="es-ES"/>
           </a:p>
@@ -725,10 +735,9 @@
           <a:lstStyle/>
           <a:p>
             <a:r>
-              <a:rPr lang="es-ES" smtClean="0"/>
+              <a:rPr lang="es-ES"/>
               <a:t>Haga clic para modificar el estilo de título del patrón</a:t>
             </a:r>
-            <a:endParaRPr lang="es-ES"/>
           </a:p>
         </p:txBody>
       </p:sp>
@@ -749,38 +758,37 @@
           <a:p>
             <a:pPr lvl="0"/>
             <a:r>
-              <a:rPr lang="es-ES" smtClean="0"/>
+              <a:rPr lang="es-ES"/>
               <a:t>Haga clic para modificar el estilo de texto del patrón</a:t>
             </a:r>
           </a:p>
           <a:p>
             <a:pPr lvl="1"/>
             <a:r>
-              <a:rPr lang="es-ES" smtClean="0"/>
+              <a:rPr lang="es-ES"/>
               <a:t>Segundo nivel</a:t>
             </a:r>
           </a:p>
           <a:p>
             <a:pPr lvl="2"/>
             <a:r>
-              <a:rPr lang="es-ES" smtClean="0"/>
+              <a:rPr lang="es-ES"/>
               <a:t>Tercer nivel</a:t>
             </a:r>
           </a:p>
           <a:p>
             <a:pPr lvl="3"/>
             <a:r>
-              <a:rPr lang="es-ES" smtClean="0"/>
+              <a:rPr lang="es-ES"/>
               <a:t>Cuarto nivel</a:t>
             </a:r>
           </a:p>
           <a:p>
             <a:pPr lvl="4"/>
             <a:r>
-              <a:rPr lang="es-ES" smtClean="0"/>
+              <a:rPr lang="es-ES"/>
               <a:t>Quinto nivel</a:t>
             </a:r>
-            <a:endParaRPr lang="es-ES"/>
           </a:p>
         </p:txBody>
       </p:sp>
@@ -801,7 +809,7 @@
           <a:p>
             <a:fld id="{65BA0D81-69BF-454E-8955-4E199060296A}" type="datetimeFigureOut">
               <a:rPr lang="es-ES" smtClean="0"/>
-              <a:t>27.01.26</a:t>
+              <a:t>27/01/2026</a:t>
             </a:fld>
             <a:endParaRPr lang="es-ES"/>
           </a:p>
@@ -899,10 +907,9 @@
           </a:lstStyle>
           <a:p>
             <a:r>
-              <a:rPr lang="es-ES" smtClean="0"/>
+              <a:rPr lang="es-ES"/>
               <a:t>Haga clic para modificar el estilo de título del patrón</a:t>
             </a:r>
-            <a:endParaRPr lang="es-ES"/>
           </a:p>
         </p:txBody>
       </p:sp>
@@ -1019,7 +1026,7 @@
           <a:p>
             <a:pPr lvl="0"/>
             <a:r>
-              <a:rPr lang="es-ES" smtClean="0"/>
+              <a:rPr lang="es-ES"/>
               <a:t>Haga clic para modificar el estilo de texto del patrón</a:t>
             </a:r>
           </a:p>
@@ -1042,7 +1049,7 @@
           <a:p>
             <a:fld id="{65BA0D81-69BF-454E-8955-4E199060296A}" type="datetimeFigureOut">
               <a:rPr lang="es-ES" smtClean="0"/>
-              <a:t>27.01.26</a:t>
+              <a:t>27/01/2026</a:t>
             </a:fld>
             <a:endParaRPr lang="es-ES"/>
           </a:p>
@@ -1131,10 +1138,9 @@
           <a:lstStyle/>
           <a:p>
             <a:r>
-              <a:rPr lang="es-ES" smtClean="0"/>
+              <a:rPr lang="es-ES"/>
               <a:t>Haga clic para modificar el estilo de título del patrón</a:t>
             </a:r>
-            <a:endParaRPr lang="es-ES"/>
           </a:p>
         </p:txBody>
       </p:sp>
@@ -1188,38 +1194,37 @@
           <a:p>
             <a:pPr lvl="0"/>
             <a:r>
-              <a:rPr lang="es-ES" smtClean="0"/>
+              <a:rPr lang="es-ES"/>
               <a:t>Haga clic para modificar el estilo de texto del patrón</a:t>
             </a:r>
           </a:p>
           <a:p>
             <a:pPr lvl="1"/>
             <a:r>
-              <a:rPr lang="es-ES" smtClean="0"/>
+              <a:rPr lang="es-ES"/>
               <a:t>Segundo nivel</a:t>
             </a:r>
           </a:p>
           <a:p>
             <a:pPr lvl="2"/>
             <a:r>
-              <a:rPr lang="es-ES" smtClean="0"/>
+              <a:rPr lang="es-ES"/>
               <a:t>Tercer nivel</a:t>
             </a:r>
           </a:p>
           <a:p>
             <a:pPr lvl="3"/>
             <a:r>
-              <a:rPr lang="es-ES" smtClean="0"/>
+              <a:rPr lang="es-ES"/>
               <a:t>Cuarto nivel</a:t>
             </a:r>
           </a:p>
           <a:p>
             <a:pPr lvl="4"/>
             <a:r>
-              <a:rPr lang="es-ES" smtClean="0"/>
+              <a:rPr lang="es-ES"/>
               <a:t>Quinto nivel</a:t>
             </a:r>
-            <a:endParaRPr lang="es-ES"/>
           </a:p>
         </p:txBody>
       </p:sp>
@@ -1273,38 +1278,37 @@
           <a:p>
             <a:pPr lvl="0"/>
             <a:r>
-              <a:rPr lang="es-ES" smtClean="0"/>
+              <a:rPr lang="es-ES"/>
               <a:t>Haga clic para modificar el estilo de texto del patrón</a:t>
             </a:r>
           </a:p>
           <a:p>
             <a:pPr lvl="1"/>
             <a:r>
-              <a:rPr lang="es-ES" smtClean="0"/>
+              <a:rPr lang="es-ES"/>
               <a:t>Segundo nivel</a:t>
             </a:r>
           </a:p>
           <a:p>
             <a:pPr lvl="2"/>
             <a:r>
-              <a:rPr lang="es-ES" smtClean="0"/>
+              <a:rPr lang="es-ES"/>
               <a:t>Tercer nivel</a:t>
             </a:r>
           </a:p>
           <a:p>
             <a:pPr lvl="3"/>
             <a:r>
-              <a:rPr lang="es-ES" smtClean="0"/>
+              <a:rPr lang="es-ES"/>
               <a:t>Cuarto nivel</a:t>
             </a:r>
           </a:p>
           <a:p>
             <a:pPr lvl="4"/>
             <a:r>
-              <a:rPr lang="es-ES" smtClean="0"/>
+              <a:rPr lang="es-ES"/>
               <a:t>Quinto nivel</a:t>
             </a:r>
-            <a:endParaRPr lang="es-ES"/>
           </a:p>
         </p:txBody>
       </p:sp>
@@ -1325,7 +1329,7 @@
           <a:p>
             <a:fld id="{65BA0D81-69BF-454E-8955-4E199060296A}" type="datetimeFigureOut">
               <a:rPr lang="es-ES" smtClean="0"/>
-              <a:t>27.01.26</a:t>
+              <a:t>27/01/2026</a:t>
             </a:fld>
             <a:endParaRPr lang="es-ES"/>
           </a:p>
@@ -1418,10 +1422,9 @@
           </a:lstStyle>
           <a:p>
             <a:r>
-              <a:rPr lang="es-ES" smtClean="0"/>
+              <a:rPr lang="es-ES"/>
               <a:t>Haga clic para modificar el estilo de título del patrón</a:t>
             </a:r>
-            <a:endParaRPr lang="es-ES"/>
           </a:p>
         </p:txBody>
       </p:sp>
@@ -1484,7 +1487,7 @@
           <a:p>
             <a:pPr lvl="0"/>
             <a:r>
-              <a:rPr lang="es-ES" smtClean="0"/>
+              <a:rPr lang="es-ES"/>
               <a:t>Haga clic para modificar el estilo de texto del patrón</a:t>
             </a:r>
           </a:p>
@@ -1540,38 +1543,37 @@
           <a:p>
             <a:pPr lvl="0"/>
             <a:r>
-              <a:rPr lang="es-ES" smtClean="0"/>
+              <a:rPr lang="es-ES"/>
               <a:t>Haga clic para modificar el estilo de texto del patrón</a:t>
             </a:r>
           </a:p>
           <a:p>
             <a:pPr lvl="1"/>
             <a:r>
-              <a:rPr lang="es-ES" smtClean="0"/>
+              <a:rPr lang="es-ES"/>
               <a:t>Segundo nivel</a:t>
             </a:r>
           </a:p>
           <a:p>
             <a:pPr lvl="2"/>
             <a:r>
-              <a:rPr lang="es-ES" smtClean="0"/>
+              <a:rPr lang="es-ES"/>
               <a:t>Tercer nivel</a:t>
             </a:r>
           </a:p>
           <a:p>
             <a:pPr lvl="3"/>
             <a:r>
-              <a:rPr lang="es-ES" smtClean="0"/>
+              <a:rPr lang="es-ES"/>
               <a:t>Cuarto nivel</a:t>
             </a:r>
           </a:p>
           <a:p>
             <a:pPr lvl="4"/>
             <a:r>
-              <a:rPr lang="es-ES" smtClean="0"/>
+              <a:rPr lang="es-ES"/>
               <a:t>Quinto nivel</a:t>
             </a:r>
-            <a:endParaRPr lang="es-ES"/>
           </a:p>
         </p:txBody>
       </p:sp>
@@ -1634,7 +1636,7 @@
           <a:p>
             <a:pPr lvl="0"/>
             <a:r>
-              <a:rPr lang="es-ES" smtClean="0"/>
+              <a:rPr lang="es-ES"/>
               <a:t>Haga clic para modificar el estilo de texto del patrón</a:t>
             </a:r>
           </a:p>
@@ -1690,38 +1692,37 @@
           <a:p>
             <a:pPr lvl="0"/>
             <a:r>
-              <a:rPr lang="es-ES" smtClean="0"/>
+              <a:rPr lang="es-ES"/>
               <a:t>Haga clic para modificar el estilo de texto del patrón</a:t>
             </a:r>
           </a:p>
           <a:p>
             <a:pPr lvl="1"/>
             <a:r>
-              <a:rPr lang="es-ES" smtClean="0"/>
+              <a:rPr lang="es-ES"/>
               <a:t>Segundo nivel</a:t>
             </a:r>
           </a:p>
           <a:p>
             <a:pPr lvl="2"/>
             <a:r>
-              <a:rPr lang="es-ES" smtClean="0"/>
+              <a:rPr lang="es-ES"/>
               <a:t>Tercer nivel</a:t>
             </a:r>
           </a:p>
           <a:p>
             <a:pPr lvl="3"/>
             <a:r>
-              <a:rPr lang="es-ES" smtClean="0"/>
+              <a:rPr lang="es-ES"/>
               <a:t>Cuarto nivel</a:t>
             </a:r>
           </a:p>
           <a:p>
             <a:pPr lvl="4"/>
             <a:r>
-              <a:rPr lang="es-ES" smtClean="0"/>
+              <a:rPr lang="es-ES"/>
               <a:t>Quinto nivel</a:t>
             </a:r>
-            <a:endParaRPr lang="es-ES"/>
           </a:p>
         </p:txBody>
       </p:sp>
@@ -1742,7 +1743,7 @@
           <a:p>
             <a:fld id="{65BA0D81-69BF-454E-8955-4E199060296A}" type="datetimeFigureOut">
               <a:rPr lang="es-ES" smtClean="0"/>
-              <a:t>27.01.26</a:t>
+              <a:t>27/01/2026</a:t>
             </a:fld>
             <a:endParaRPr lang="es-ES"/>
           </a:p>
@@ -1831,10 +1832,9 @@
           <a:lstStyle/>
           <a:p>
             <a:r>
-              <a:rPr lang="es-ES" smtClean="0"/>
+              <a:rPr lang="es-ES"/>
               <a:t>Haga clic para modificar el estilo de título del patrón</a:t>
             </a:r>
-            <a:endParaRPr lang="es-ES"/>
           </a:p>
         </p:txBody>
       </p:sp>
@@ -1855,7 +1855,7 @@
           <a:p>
             <a:fld id="{65BA0D81-69BF-454E-8955-4E199060296A}" type="datetimeFigureOut">
               <a:rPr lang="es-ES" smtClean="0"/>
-              <a:t>27.01.26</a:t>
+              <a:t>27/01/2026</a:t>
             </a:fld>
             <a:endParaRPr lang="es-ES"/>
           </a:p>
@@ -1945,7 +1945,7 @@
           <a:p>
             <a:fld id="{65BA0D81-69BF-454E-8955-4E199060296A}" type="datetimeFigureOut">
               <a:rPr lang="es-ES" smtClean="0"/>
-              <a:t>27.01.26</a:t>
+              <a:t>27/01/2026</a:t>
             </a:fld>
             <a:endParaRPr lang="es-ES"/>
           </a:p>
@@ -2043,10 +2043,9 @@
           </a:lstStyle>
           <a:p>
             <a:r>
-              <a:rPr lang="es-ES" smtClean="0"/>
+              <a:rPr lang="es-ES"/>
               <a:t>Haga clic para modificar el estilo de título del patrón</a:t>
             </a:r>
-            <a:endParaRPr lang="es-ES"/>
           </a:p>
         </p:txBody>
       </p:sp>
@@ -2100,38 +2099,37 @@
           <a:p>
             <a:pPr lvl="0"/>
             <a:r>
-              <a:rPr lang="es-ES" smtClean="0"/>
+              <a:rPr lang="es-ES"/>
               <a:t>Haga clic para modificar el estilo de texto del patrón</a:t>
             </a:r>
           </a:p>
           <a:p>
             <a:pPr lvl="1"/>
             <a:r>
-              <a:rPr lang="es-ES" smtClean="0"/>
+              <a:rPr lang="es-ES"/>
               <a:t>Segundo nivel</a:t>
             </a:r>
           </a:p>
           <a:p>
             <a:pPr lvl="2"/>
             <a:r>
-              <a:rPr lang="es-ES" smtClean="0"/>
+              <a:rPr lang="es-ES"/>
               <a:t>Tercer nivel</a:t>
             </a:r>
           </a:p>
           <a:p>
             <a:pPr lvl="3"/>
             <a:r>
-              <a:rPr lang="es-ES" smtClean="0"/>
+              <a:rPr lang="es-ES"/>
               <a:t>Cuarto nivel</a:t>
             </a:r>
           </a:p>
           <a:p>
             <a:pPr lvl="4"/>
             <a:r>
-              <a:rPr lang="es-ES" smtClean="0"/>
+              <a:rPr lang="es-ES"/>
               <a:t>Quinto nivel</a:t>
             </a:r>
-            <a:endParaRPr lang="es-ES"/>
           </a:p>
         </p:txBody>
       </p:sp>
@@ -2194,7 +2192,7 @@
           <a:p>
             <a:pPr lvl="0"/>
             <a:r>
-              <a:rPr lang="es-ES" smtClean="0"/>
+              <a:rPr lang="es-ES"/>
               <a:t>Haga clic para modificar el estilo de texto del patrón</a:t>
             </a:r>
           </a:p>
@@ -2217,7 +2215,7 @@
           <a:p>
             <a:fld id="{65BA0D81-69BF-454E-8955-4E199060296A}" type="datetimeFigureOut">
               <a:rPr lang="es-ES" smtClean="0"/>
-              <a:t>27.01.26</a:t>
+              <a:t>27/01/2026</a:t>
             </a:fld>
             <a:endParaRPr lang="es-ES"/>
           </a:p>
@@ -2315,10 +2313,9 @@
           </a:lstStyle>
           <a:p>
             <a:r>
-              <a:rPr lang="es-ES" smtClean="0"/>
+              <a:rPr lang="es-ES"/>
               <a:t>Haga clic para modificar el estilo de título del patrón</a:t>
             </a:r>
-            <a:endParaRPr lang="es-ES"/>
           </a:p>
         </p:txBody>
       </p:sp>
@@ -2442,7 +2439,7 @@
           <a:p>
             <a:pPr lvl="0"/>
             <a:r>
-              <a:rPr lang="es-ES" smtClean="0"/>
+              <a:rPr lang="es-ES"/>
               <a:t>Haga clic para modificar el estilo de texto del patrón</a:t>
             </a:r>
           </a:p>
@@ -2465,7 +2462,7 @@
           <a:p>
             <a:fld id="{65BA0D81-69BF-454E-8955-4E199060296A}" type="datetimeFigureOut">
               <a:rPr lang="es-ES" smtClean="0"/>
-              <a:t>27.01.26</a:t>
+              <a:t>27/01/2026</a:t>
             </a:fld>
             <a:endParaRPr lang="es-ES"/>
           </a:p>
@@ -2569,10 +2566,9 @@
           <a:lstStyle/>
           <a:p>
             <a:r>
-              <a:rPr lang="es-ES" smtClean="0"/>
+              <a:rPr lang="es-ES"/>
               <a:t>Haga clic para modificar el estilo de título del patrón</a:t>
             </a:r>
-            <a:endParaRPr lang="es-ES"/>
           </a:p>
         </p:txBody>
       </p:sp>
@@ -2603,38 +2599,37 @@
           <a:p>
             <a:pPr lvl="0"/>
             <a:r>
-              <a:rPr lang="es-ES" smtClean="0"/>
+              <a:rPr lang="es-ES"/>
               <a:t>Haga clic para modificar el estilo de texto del patrón</a:t>
             </a:r>
           </a:p>
           <a:p>
             <a:pPr lvl="1"/>
             <a:r>
-              <a:rPr lang="es-ES" smtClean="0"/>
+              <a:rPr lang="es-ES"/>
               <a:t>Segundo nivel</a:t>
             </a:r>
           </a:p>
           <a:p>
             <a:pPr lvl="2"/>
             <a:r>
-              <a:rPr lang="es-ES" smtClean="0"/>
+              <a:rPr lang="es-ES"/>
               <a:t>Tercer nivel</a:t>
             </a:r>
           </a:p>
           <a:p>
             <a:pPr lvl="3"/>
             <a:r>
-              <a:rPr lang="es-ES" smtClean="0"/>
+              <a:rPr lang="es-ES"/>
               <a:t>Cuarto nivel</a:t>
             </a:r>
           </a:p>
           <a:p>
             <a:pPr lvl="4"/>
             <a:r>
-              <a:rPr lang="es-ES" smtClean="0"/>
+              <a:rPr lang="es-ES"/>
               <a:t>Quinto nivel</a:t>
             </a:r>
-            <a:endParaRPr lang="es-ES"/>
           </a:p>
         </p:txBody>
       </p:sp>
@@ -2673,7 +2668,7 @@
           <a:p>
             <a:fld id="{65BA0D81-69BF-454E-8955-4E199060296A}" type="datetimeFigureOut">
               <a:rPr lang="es-ES" smtClean="0"/>
-              <a:t>27.01.26</a:t>
+              <a:t>27/01/2026</a:t>
             </a:fld>
             <a:endParaRPr lang="es-ES"/>
           </a:p>
@@ -3059,7 +3054,7 @@
           <a:lstStyle/>
           <a:p>
             <a:r>
-              <a:rPr lang="en-US" dirty="0" err="1" smtClean="0"/>
+              <a:rPr lang="en-US" dirty="0" err="1"/>
               <a:t>Portada</a:t>
             </a:r>
             <a:endParaRPr lang="es-ES" dirty="0"/>
@@ -3180,15 +3175,15 @@
           <a:lstStyle/>
           <a:p>
             <a:r>
-              <a:rPr lang="es-ES" sz="6000" b="1" dirty="0" smtClean="0"/>
+              <a:rPr lang="es-ES" sz="6000" b="1" dirty="0"/>
               <a:t>Función describe</a:t>
             </a:r>
             <a:r>
-              <a:rPr lang="en-US" sz="6000" b="1" dirty="0" smtClean="0"/>
+              <a:rPr lang="en-US" sz="6000" b="1" dirty="0"/>
               <a:t>_</a:t>
             </a:r>
             <a:r>
-              <a:rPr lang="en-US" sz="6000" b="1" dirty="0" err="1" smtClean="0"/>
+              <a:rPr lang="en-US" sz="6000" b="1" dirty="0" err="1"/>
               <a:t>df</a:t>
             </a:r>
             <a:endParaRPr lang="es-ES" sz="6000" b="1" dirty="0"/>
@@ -3309,11 +3304,11 @@
           <a:lstStyle/>
           <a:p>
             <a:r>
-              <a:rPr lang="es-ES" sz="5400" dirty="0" smtClean="0"/>
+              <a:rPr lang="es-ES" sz="5400" dirty="0"/>
               <a:t>Función tipifica</a:t>
             </a:r>
             <a:r>
-              <a:rPr lang="en-US" sz="5400" dirty="0" smtClean="0"/>
+              <a:rPr lang="en-US" sz="5400" dirty="0"/>
               <a:t>_variables</a:t>
             </a:r>
             <a:endParaRPr lang="es-ES" sz="5400" dirty="0"/>
@@ -3363,11 +3358,11 @@
           <a:lstStyle/>
           <a:p>
             <a:r>
-              <a:rPr lang="es-ES" dirty="0" smtClean="0"/>
+              <a:rPr lang="es-ES" dirty="0"/>
               <a:t>Función </a:t>
             </a:r>
             <a:r>
-              <a:rPr lang="es-ES" dirty="0" err="1" smtClean="0"/>
+              <a:rPr lang="es-ES" dirty="0" err="1"/>
               <a:t>get_features_num_regression</a:t>
             </a:r>
             <a:endParaRPr lang="es-ES" dirty="0"/>
@@ -3391,7 +3386,7 @@
         </p:blipFill>
         <p:spPr bwMode="auto">
           <a:xfrm>
-            <a:off x="0" y="1500173"/>
+            <a:off x="179512" y="1417638"/>
             <a:ext cx="4594425" cy="5357827"/>
           </a:xfrm>
           <a:prstGeom prst="rect">
@@ -3424,8 +3419,8 @@
         </p:blipFill>
         <p:spPr bwMode="auto">
           <a:xfrm>
-            <a:off x="4643438" y="1857364"/>
-            <a:ext cx="4500562" cy="3464878"/>
+            <a:off x="5001276" y="2132856"/>
+            <a:ext cx="4142723" cy="3189386"/>
           </a:xfrm>
           <a:prstGeom prst="rect">
             <a:avLst/>
@@ -3483,27 +3478,27 @@
           <a:lstStyle/>
           <a:p>
             <a:r>
-              <a:rPr lang="en-US" dirty="0" err="1" smtClean="0"/>
+              <a:rPr lang="en-US" dirty="0" err="1"/>
               <a:t>Funci</a:t>
             </a:r>
             <a:r>
-              <a:rPr lang="es-ES" dirty="0" err="1" smtClean="0"/>
+              <a:rPr lang="es-ES" dirty="0" err="1"/>
               <a:t>ón</a:t>
             </a:r>
             <a:r>
-              <a:rPr lang="es-ES" dirty="0" smtClean="0"/>
+              <a:rPr lang="es-ES" dirty="0"/>
               <a:t> </a:t>
             </a:r>
             <a:r>
-              <a:rPr lang="es-ES" dirty="0" err="1" smtClean="0"/>
+              <a:rPr lang="es-ES" dirty="0" err="1"/>
               <a:t>plot</a:t>
             </a:r>
             <a:r>
-              <a:rPr lang="en-US" dirty="0" smtClean="0"/>
+              <a:rPr lang="en-US" dirty="0"/>
               <a:t>_</a:t>
             </a:r>
             <a:r>
-              <a:rPr lang="en-US" dirty="0" err="1" smtClean="0"/>
+              <a:rPr lang="en-US" dirty="0" err="1"/>
               <a:t>features_num_regression</a:t>
             </a:r>
             <a:endParaRPr lang="es-ES" dirty="0"/>
@@ -3527,7 +3522,7 @@
         </p:blipFill>
         <p:spPr bwMode="auto">
           <a:xfrm>
-            <a:off x="0" y="1993921"/>
+            <a:off x="323528" y="1993921"/>
             <a:ext cx="3467809" cy="4864079"/>
           </a:xfrm>
           <a:prstGeom prst="rect">
@@ -3618,8 +3613,8 @@
         </p:blipFill>
         <p:spPr bwMode="auto">
           <a:xfrm>
-            <a:off x="-1" y="0"/>
-            <a:ext cx="9144001" cy="6858000"/>
+            <a:off x="1115616" y="1268760"/>
+            <a:ext cx="7236296" cy="5427221"/>
           </a:xfrm>
           <a:prstGeom prst="rect">
             <a:avLst/>
@@ -3634,6 +3629,41 @@
           <a:effectLst/>
         </p:spPr>
       </p:pic>
+      <p:sp>
+        <p:nvSpPr>
+          <p:cNvPr id="2" name="CuadroTexto 1">
+            <a:extLst>
+              <a:ext uri="{FF2B5EF4-FFF2-40B4-BE49-F238E27FC236}">
+                <a16:creationId xmlns:a16="http://schemas.microsoft.com/office/drawing/2014/main" id="{C88C3D14-64FD-31EE-B407-45F40E9BC2F2}"/>
+              </a:ext>
+            </a:extLst>
+          </p:cNvPr>
+          <p:cNvSpPr txBox="1"/>
+          <p:nvPr/>
+        </p:nvSpPr>
+        <p:spPr>
+          <a:xfrm>
+            <a:off x="3761656" y="162019"/>
+            <a:ext cx="1944216" cy="707886"/>
+          </a:xfrm>
+          <a:prstGeom prst="rect">
+            <a:avLst/>
+          </a:prstGeom>
+          <a:noFill/>
+        </p:spPr>
+        <p:txBody>
+          <a:bodyPr wrap="square" rtlCol="0">
+            <a:spAutoFit/>
+          </a:bodyPr>
+          <a:lstStyle/>
+          <a:p>
+            <a:r>
+              <a:rPr lang="es-ES" sz="4000" dirty="0"/>
+              <a:t>Output</a:t>
+            </a:r>
+          </a:p>
+        </p:txBody>
+      </p:sp>
     </p:spTree>
   </p:cSld>
   <p:clrMapOvr>
@@ -3677,11 +3707,11 @@
           <a:lstStyle/>
           <a:p>
             <a:r>
-              <a:rPr lang="en-US" dirty="0" err="1" smtClean="0"/>
+              <a:rPr lang="en-US" dirty="0" err="1"/>
               <a:t>Funci</a:t>
             </a:r>
             <a:r>
-              <a:rPr lang="es-ES" dirty="0" err="1" smtClean="0"/>
+              <a:rPr lang="es-ES" dirty="0" err="1"/>
               <a:t>ón</a:t>
             </a:r>
             <a:r>
@@ -3689,15 +3719,15 @@
               <a:t> </a:t>
             </a:r>
             <a:r>
-              <a:rPr lang="es-ES" dirty="0" err="1" smtClean="0"/>
+              <a:rPr lang="es-ES" dirty="0" err="1"/>
               <a:t>get</a:t>
             </a:r>
             <a:r>
-              <a:rPr lang="en-US" dirty="0" smtClean="0"/>
+              <a:rPr lang="en-US" dirty="0"/>
               <a:t>_</a:t>
             </a:r>
             <a:r>
-              <a:rPr lang="en-US" dirty="0" err="1" smtClean="0"/>
+              <a:rPr lang="en-US" dirty="0" err="1"/>
               <a:t>features_cat_regression</a:t>
             </a:r>
             <a:endParaRPr lang="es-ES" dirty="0"/>
@@ -3846,27 +3876,27 @@
           <a:lstStyle/>
           <a:p>
             <a:r>
-              <a:rPr lang="en-US" dirty="0" err="1" smtClean="0"/>
+              <a:rPr lang="en-US" dirty="0" err="1"/>
               <a:t>Funci</a:t>
             </a:r>
             <a:r>
-              <a:rPr lang="es-ES" dirty="0" err="1" smtClean="0"/>
+              <a:rPr lang="es-ES" dirty="0" err="1"/>
               <a:t>ón</a:t>
             </a:r>
             <a:r>
-              <a:rPr lang="es-ES" dirty="0" smtClean="0"/>
+              <a:rPr lang="es-ES" dirty="0"/>
               <a:t> </a:t>
             </a:r>
             <a:r>
-              <a:rPr lang="es-ES" dirty="0" err="1" smtClean="0"/>
+              <a:rPr lang="es-ES" dirty="0" err="1"/>
               <a:t>plot</a:t>
             </a:r>
             <a:r>
-              <a:rPr lang="en-US" dirty="0" smtClean="0"/>
+              <a:rPr lang="en-US" dirty="0"/>
               <a:t>_</a:t>
             </a:r>
             <a:r>
-              <a:rPr lang="en-US" dirty="0" err="1" smtClean="0"/>
+              <a:rPr lang="en-US" dirty="0" err="1"/>
               <a:t>features_cat_regression</a:t>
             </a:r>
             <a:endParaRPr lang="es-ES" dirty="0"/>
@@ -3974,15 +4004,15 @@
         </p:nvPicPr>
         <p:blipFill>
           <a:blip r:embed="rId2" cstate="print"/>
-          <a:srcRect/>
+          <a:srcRect l="2368" r="6698" b="4858"/>
           <a:stretch>
             <a:fillRect/>
           </a:stretch>
         </p:blipFill>
         <p:spPr bwMode="auto">
           <a:xfrm>
-            <a:off x="0" y="1714488"/>
-            <a:ext cx="4540666" cy="3467098"/>
+            <a:off x="182924" y="1817222"/>
+            <a:ext cx="4344864" cy="3471140"/>
           </a:xfrm>
           <a:prstGeom prst="rect">
             <a:avLst/>
@@ -4007,15 +4037,15 @@
         </p:nvPicPr>
         <p:blipFill>
           <a:blip r:embed="rId3" cstate="print"/>
-          <a:srcRect/>
+          <a:srcRect t="1623"/>
           <a:stretch>
             <a:fillRect/>
           </a:stretch>
         </p:blipFill>
         <p:spPr bwMode="auto">
           <a:xfrm>
-            <a:off x="4619625" y="1785926"/>
-            <a:ext cx="4524375" cy="3629025"/>
+            <a:off x="4619625" y="1844824"/>
+            <a:ext cx="4524375" cy="3570127"/>
           </a:xfrm>
           <a:prstGeom prst="rect">
             <a:avLst/>
@@ -4030,6 +4060,41 @@
           <a:effectLst/>
         </p:spPr>
       </p:pic>
+      <p:sp>
+        <p:nvSpPr>
+          <p:cNvPr id="2" name="CuadroTexto 1">
+            <a:extLst>
+              <a:ext uri="{FF2B5EF4-FFF2-40B4-BE49-F238E27FC236}">
+                <a16:creationId xmlns:a16="http://schemas.microsoft.com/office/drawing/2014/main" id="{DDBF56E2-0975-4F21-F7D4-C87B44784B56}"/>
+              </a:ext>
+            </a:extLst>
+          </p:cNvPr>
+          <p:cNvSpPr txBox="1"/>
+          <p:nvPr/>
+        </p:nvSpPr>
+        <p:spPr>
+          <a:xfrm>
+            <a:off x="3683521" y="332656"/>
+            <a:ext cx="1872208" cy="707886"/>
+          </a:xfrm>
+          <a:prstGeom prst="rect">
+            <a:avLst/>
+          </a:prstGeom>
+          <a:noFill/>
+        </p:spPr>
+        <p:txBody>
+          <a:bodyPr wrap="square" rtlCol="0">
+            <a:spAutoFit/>
+          </a:bodyPr>
+          <a:lstStyle/>
+          <a:p>
+            <a:r>
+              <a:rPr lang="es-ES" sz="4000" dirty="0"/>
+              <a:t>Output</a:t>
+            </a:r>
+          </a:p>
+        </p:txBody>
+      </p:sp>
     </p:spTree>
   </p:cSld>
   <p:clrMapOvr>

--- a/Presentacion_team_challenge.pptx
+++ b/Presentacion_team_challenge.pptx
@@ -2,7 +2,7 @@
 <file path=ppt/presentation.xml><?xml version="1.0" encoding="utf-8"?>
 <p:presentation xmlns:a="http://schemas.openxmlformats.org/drawingml/2006/main" xmlns:r="http://schemas.openxmlformats.org/officeDocument/2006/relationships" xmlns:p="http://schemas.openxmlformats.org/presentationml/2006/main" saveSubsetFonts="1">
   <p:sldMasterIdLst>
-    <p:sldMasterId id="2147483648" r:id="rId1"/>
+    <p:sldMasterId id="2147483732" r:id="rId1"/>
   </p:sldMasterIdLst>
   <p:sldIdLst>
     <p:sldId id="257" r:id="rId2"/>
@@ -114,7 +114,7 @@
   </p:defaultTextStyle>
   <p:extLst>
     <p:ext uri="{EFAFB233-063F-42B5-8137-9DF3F51BA10A}">
-      <p15:sldGuideLst xmlns:p15="http://schemas.microsoft.com/office/powerpoint/2012/main">
+      <p15:sldGuideLst xmlns:p15="http://schemas.microsoft.com/office/powerpoint/2012/main" xmlns="">
         <p15:guide id="1" orient="horz" pos="2160">
           <p15:clr>
             <a:srgbClr val="A4A3A4"/>
@@ -132,8 +132,13 @@
 </file>
 
 <file path=ppt/slideLayouts/slideLayout1.xml><?xml version="1.0" encoding="utf-8"?>
-<p:sldLayout xmlns:a="http://schemas.openxmlformats.org/drawingml/2006/main" xmlns:r="http://schemas.openxmlformats.org/officeDocument/2006/relationships" xmlns:p="http://schemas.openxmlformats.org/presentationml/2006/main" type="title" preserve="1">
+<p:sldLayout xmlns:a="http://schemas.openxmlformats.org/drawingml/2006/main" xmlns:r="http://schemas.openxmlformats.org/officeDocument/2006/relationships" xmlns:p="http://schemas.openxmlformats.org/presentationml/2006/main" showMasterSp="0" type="title" preserve="1">
   <p:cSld name="Diapositiva de título">
+    <p:bg>
+      <p:bgRef idx="1002">
+        <a:schemeClr val="bg2"/>
+      </p:bgRef>
+    </p:bg>
     <p:spTree>
       <p:nvGrpSpPr>
         <p:cNvPr id="1" name=""/>
@@ -150,7 +155,203 @@
       </p:grpSpPr>
       <p:sp>
         <p:nvSpPr>
-          <p:cNvPr id="2" name="1 Título"/>
+          <p:cNvPr id="7" name="6 Forma libre"/>
+          <p:cNvSpPr>
+            <a:spLocks/>
+          </p:cNvSpPr>
+          <p:nvPr/>
+        </p:nvSpPr>
+        <p:spPr bwMode="auto">
+          <a:xfrm>
+            <a:off x="0" y="4752126"/>
+            <a:ext cx="9144000" cy="2112962"/>
+          </a:xfrm>
+          <a:custGeom>
+            <a:avLst>
+              <a:gd name="A1" fmla="val 0"/>
+              <a:gd name="A2" fmla="val 0"/>
+              <a:gd name="A3" fmla="val 0"/>
+              <a:gd name="A4" fmla="val 0"/>
+              <a:gd name="A5" fmla="val 0"/>
+              <a:gd name="A6" fmla="val 0"/>
+              <a:gd name="A7" fmla="val 0"/>
+              <a:gd name="A8" fmla="val 0"/>
+            </a:avLst>
+            <a:gdLst/>
+            <a:ahLst/>
+            <a:cxnLst>
+              <a:cxn ang="0">
+                <a:pos x="0" y="1066"/>
+              </a:cxn>
+              <a:cxn ang="0">
+                <a:pos x="0" y="1331"/>
+              </a:cxn>
+              <a:cxn ang="0">
+                <a:pos x="5760" y="1331"/>
+              </a:cxn>
+              <a:cxn ang="0">
+                <a:pos x="5760" y="0"/>
+              </a:cxn>
+              <a:cxn ang="0">
+                <a:pos x="0" y="1066"/>
+              </a:cxn>
+            </a:cxnLst>
+            <a:rect l="0" t="0" r="0" b="0"/>
+            <a:pathLst>
+              <a:path w="5760" h="1331">
+                <a:moveTo>
+                  <a:pt x="0" y="1066"/>
+                </a:moveTo>
+                <a:lnTo>
+                  <a:pt x="0" y="1331"/>
+                </a:lnTo>
+                <a:lnTo>
+                  <a:pt x="5760" y="1331"/>
+                </a:lnTo>
+                <a:lnTo>
+                  <a:pt x="5760" y="0"/>
+                </a:lnTo>
+                <a:cubicBezTo>
+                  <a:pt x="3220" y="1206"/>
+                  <a:pt x="2250" y="1146"/>
+                  <a:pt x="0" y="1066"/>
+                </a:cubicBezTo>
+                <a:close/>
+              </a:path>
+            </a:pathLst>
+          </a:custGeom>
+          <a:solidFill>
+            <a:schemeClr val="bg1">
+              <a:tint val="80000"/>
+              <a:satMod val="200000"/>
+              <a:alpha val="45000"/>
+            </a:schemeClr>
+          </a:solidFill>
+          <a:ln w="9525" cap="flat" cmpd="sng" algn="ctr">
+            <a:noFill/>
+            <a:prstDash val="solid"/>
+            <a:round/>
+            <a:headEnd type="none" w="med" len="med"/>
+            <a:tailEnd type="none" w="med" len="med"/>
+          </a:ln>
+          <a:effectLst>
+            <a:outerShdw blurRad="50800" dist="44450" dir="16200000" algn="ctr" rotWithShape="0">
+              <a:prstClr val="black">
+                <a:alpha val="35000"/>
+              </a:prstClr>
+            </a:outerShdw>
+          </a:effectLst>
+        </p:spPr>
+        <p:txBody>
+          <a:bodyPr vert="horz" wrap="square" lIns="91440" tIns="45720" rIns="91440" bIns="45720" anchor="t" compatLnSpc="1"/>
+          <a:lstStyle/>
+          <a:p>
+            <a:endParaRPr kumimoji="0" lang="en-US" dirty="0"/>
+          </a:p>
+        </p:txBody>
+      </p:sp>
+      <p:sp>
+        <p:nvSpPr>
+          <p:cNvPr id="8" name="7 Forma libre"/>
+          <p:cNvSpPr>
+            <a:spLocks/>
+          </p:cNvSpPr>
+          <p:nvPr/>
+        </p:nvSpPr>
+        <p:spPr bwMode="auto">
+          <a:xfrm>
+            <a:off x="6105525" y="0"/>
+            <a:ext cx="3038475" cy="6858000"/>
+          </a:xfrm>
+          <a:custGeom>
+            <a:avLst/>
+            <a:gdLst>
+              <a:gd name="connsiteX0" fmla="*/ 1914 w 1914"/>
+              <a:gd name="connsiteY0" fmla="*/ 9 h 4329"/>
+              <a:gd name="connsiteX1" fmla="*/ 1914 w 1914"/>
+              <a:gd name="connsiteY1" fmla="*/ 4329 h 4329"/>
+              <a:gd name="connsiteX2" fmla="*/ 204 w 1914"/>
+              <a:gd name="connsiteY2" fmla="*/ 4327 h 4329"/>
+              <a:gd name="connsiteX3" fmla="*/ 0 w 1914"/>
+              <a:gd name="connsiteY3" fmla="*/ 0 h 4329"/>
+              <a:gd name="connsiteX4" fmla="*/ 1914 w 1914"/>
+              <a:gd name="connsiteY4" fmla="*/ 9 h 4329"/>
+            </a:gdLst>
+            <a:ahLst/>
+            <a:cxnLst>
+              <a:cxn ang="0">
+                <a:pos x="connsiteX0" y="connsiteY0"/>
+              </a:cxn>
+              <a:cxn ang="0">
+                <a:pos x="connsiteX1" y="connsiteY1"/>
+              </a:cxn>
+              <a:cxn ang="0">
+                <a:pos x="connsiteX2" y="connsiteY2"/>
+              </a:cxn>
+              <a:cxn ang="0">
+                <a:pos x="connsiteX3" y="connsiteY3"/>
+              </a:cxn>
+              <a:cxn ang="0">
+                <a:pos x="connsiteX4" y="connsiteY4"/>
+              </a:cxn>
+            </a:cxnLst>
+            <a:rect l="l" t="t" r="r" b="b"/>
+            <a:pathLst>
+              <a:path w="1914" h="4329">
+                <a:moveTo>
+                  <a:pt x="1914" y="9"/>
+                </a:moveTo>
+                <a:lnTo>
+                  <a:pt x="1914" y="4329"/>
+                </a:lnTo>
+                <a:lnTo>
+                  <a:pt x="204" y="4327"/>
+                </a:lnTo>
+                <a:cubicBezTo>
+                  <a:pt x="1288" y="3574"/>
+                  <a:pt x="1608" y="1590"/>
+                  <a:pt x="0" y="0"/>
+                </a:cubicBezTo>
+                <a:lnTo>
+                  <a:pt x="1914" y="9"/>
+                </a:lnTo>
+                <a:close/>
+              </a:path>
+            </a:pathLst>
+          </a:custGeom>
+          <a:solidFill>
+            <a:schemeClr val="bg1">
+              <a:tint val="90000"/>
+              <a:satMod val="350000"/>
+              <a:alpha val="40000"/>
+            </a:schemeClr>
+          </a:solidFill>
+          <a:ln w="9525" cap="flat" cmpd="sng" algn="ctr">
+            <a:noFill/>
+            <a:prstDash val="solid"/>
+            <a:round/>
+            <a:headEnd type="none" w="med" len="med"/>
+            <a:tailEnd type="none" w="med" len="med"/>
+          </a:ln>
+          <a:effectLst>
+            <a:outerShdw blurRad="50800" dist="50800" dir="10800000" algn="ctr" rotWithShape="0">
+              <a:prstClr val="black">
+                <a:alpha val="45000"/>
+              </a:prstClr>
+            </a:outerShdw>
+          </a:effectLst>
+        </p:spPr>
+        <p:txBody>
+          <a:bodyPr vert="horz" wrap="square" lIns="91440" tIns="45720" rIns="91440" bIns="45720" anchor="t" compatLnSpc="1"/>
+          <a:lstStyle/>
+          <a:p>
+            <a:endParaRPr kumimoji="0" lang="en-US" dirty="0"/>
+          </a:p>
+        </p:txBody>
+      </p:sp>
+      <p:sp>
+        <p:nvSpPr>
+          <p:cNvPr id="9" name="8 Título"/>
           <p:cNvSpPr>
             <a:spLocks noGrp="1"/>
           </p:cNvSpPr>
@@ -160,24 +361,82 @@
         </p:nvSpPr>
         <p:spPr>
           <a:xfrm>
-            <a:off x="685800" y="2130425"/>
-            <a:ext cx="7772400" cy="1470025"/>
-          </a:xfrm>
-        </p:spPr>
-        <p:txBody>
-          <a:bodyPr/>
-          <a:lstStyle/>
-          <a:p>
-            <a:r>
-              <a:rPr lang="es-ES"/>
+            <a:off x="429064" y="3337560"/>
+            <a:ext cx="6480048" cy="2301240"/>
+          </a:xfrm>
+        </p:spPr>
+        <p:txBody>
+          <a:bodyPr rIns="45720" anchor="t"/>
+          <a:lstStyle>
+            <a:lvl1pPr algn="r">
+              <a:defRPr lang="en-US" b="1" cap="all" baseline="0" dirty="0">
+                <a:ln w="5000" cmpd="sng">
+                  <a:solidFill>
+                    <a:schemeClr val="accent1">
+                      <a:tint val="80000"/>
+                      <a:shade val="99000"/>
+                      <a:satMod val="500000"/>
+                    </a:schemeClr>
+                  </a:solidFill>
+                  <a:prstDash val="solid"/>
+                </a:ln>
+                <a:gradFill>
+                  <a:gsLst>
+                    <a:gs pos="0">
+                      <a:schemeClr val="accent1">
+                        <a:tint val="63000"/>
+                        <a:satMod val="255000"/>
+                      </a:schemeClr>
+                    </a:gs>
+                    <a:gs pos="9000">
+                      <a:schemeClr val="accent1">
+                        <a:tint val="63000"/>
+                        <a:satMod val="255000"/>
+                      </a:schemeClr>
+                    </a:gs>
+                    <a:gs pos="53000">
+                      <a:schemeClr val="accent1">
+                        <a:shade val="60000"/>
+                        <a:satMod val="100000"/>
+                      </a:schemeClr>
+                    </a:gs>
+                    <a:gs pos="90000">
+                      <a:schemeClr val="accent1">
+                        <a:tint val="63000"/>
+                        <a:satMod val="255000"/>
+                      </a:schemeClr>
+                    </a:gs>
+                    <a:gs pos="100000">
+                      <a:schemeClr val="accent1">
+                        <a:tint val="63000"/>
+                        <a:satMod val="255000"/>
+                      </a:schemeClr>
+                    </a:gs>
+                  </a:gsLst>
+                  <a:lin ang="5400000"/>
+                </a:gradFill>
+                <a:effectLst>
+                  <a:outerShdw blurRad="50800" dist="38100" dir="5400000" algn="t" rotWithShape="0">
+                    <a:prstClr val="black">
+                      <a:alpha val="50000"/>
+                    </a:prstClr>
+                  </a:outerShdw>
+                </a:effectLst>
+              </a:defRPr>
+            </a:lvl1pPr>
+          </a:lstStyle>
+          <a:p>
+            <a:r>
+              <a:rPr kumimoji="0" lang="es-ES" smtClean="0"/>
               <a:t>Haga clic para modificar el estilo de título del patrón</a:t>
             </a:r>
-          </a:p>
-        </p:txBody>
-      </p:sp>
-      <p:sp>
-        <p:nvSpPr>
-          <p:cNvPr id="3" name="2 Subtítulo"/>
+            <a:endParaRPr kumimoji="0" lang="en-US"/>
+          </a:p>
+        </p:txBody>
+      </p:sp>
+      <p:sp>
+        <p:nvSpPr>
+          <p:cNvPr id="17" name="16 Subtítulo"/>
           <p:cNvSpPr>
             <a:spLocks noGrp="1"/>
           </p:cNvSpPr>
@@ -187,115 +446,61 @@
         </p:nvSpPr>
         <p:spPr>
           <a:xfrm>
-            <a:off x="1371600" y="3886200"/>
-            <a:ext cx="6400800" cy="1752600"/>
-          </a:xfrm>
-        </p:spPr>
-        <p:txBody>
-          <a:bodyPr/>
+            <a:off x="433050" y="1544812"/>
+            <a:ext cx="6480048" cy="1752600"/>
+          </a:xfrm>
+        </p:spPr>
+        <p:txBody>
+          <a:bodyPr tIns="0" rIns="45720" bIns="0" anchor="b">
+            <a:normAutofit/>
+          </a:bodyPr>
           <a:lstStyle>
-            <a:lvl1pPr marL="0" indent="0" algn="ctr">
+            <a:lvl1pPr marL="0" indent="0" algn="r">
               <a:buNone/>
-              <a:defRPr>
+              <a:defRPr sz="2000">
                 <a:solidFill>
-                  <a:schemeClr val="tx1">
-                    <a:tint val="75000"/>
-                  </a:schemeClr>
+                  <a:schemeClr val="tx1"/>
                 </a:solidFill>
+                <a:effectLst/>
               </a:defRPr>
             </a:lvl1pPr>
             <a:lvl2pPr marL="457200" indent="0" algn="ctr">
               <a:buNone/>
-              <a:defRPr>
-                <a:solidFill>
-                  <a:schemeClr val="tx1">
-                    <a:tint val="75000"/>
-                  </a:schemeClr>
-                </a:solidFill>
-              </a:defRPr>
             </a:lvl2pPr>
             <a:lvl3pPr marL="914400" indent="0" algn="ctr">
               <a:buNone/>
-              <a:defRPr>
-                <a:solidFill>
-                  <a:schemeClr val="tx1">
-                    <a:tint val="75000"/>
-                  </a:schemeClr>
-                </a:solidFill>
-              </a:defRPr>
             </a:lvl3pPr>
             <a:lvl4pPr marL="1371600" indent="0" algn="ctr">
               <a:buNone/>
-              <a:defRPr>
-                <a:solidFill>
-                  <a:schemeClr val="tx1">
-                    <a:tint val="75000"/>
-                  </a:schemeClr>
-                </a:solidFill>
-              </a:defRPr>
             </a:lvl4pPr>
             <a:lvl5pPr marL="1828800" indent="0" algn="ctr">
               <a:buNone/>
-              <a:defRPr>
-                <a:solidFill>
-                  <a:schemeClr val="tx1">
-                    <a:tint val="75000"/>
-                  </a:schemeClr>
-                </a:solidFill>
-              </a:defRPr>
             </a:lvl5pPr>
             <a:lvl6pPr marL="2286000" indent="0" algn="ctr">
               <a:buNone/>
-              <a:defRPr>
-                <a:solidFill>
-                  <a:schemeClr val="tx1">
-                    <a:tint val="75000"/>
-                  </a:schemeClr>
-                </a:solidFill>
-              </a:defRPr>
             </a:lvl6pPr>
             <a:lvl7pPr marL="2743200" indent="0" algn="ctr">
               <a:buNone/>
-              <a:defRPr>
-                <a:solidFill>
-                  <a:schemeClr val="tx1">
-                    <a:tint val="75000"/>
-                  </a:schemeClr>
-                </a:solidFill>
-              </a:defRPr>
             </a:lvl7pPr>
             <a:lvl8pPr marL="3200400" indent="0" algn="ctr">
               <a:buNone/>
-              <a:defRPr>
-                <a:solidFill>
-                  <a:schemeClr val="tx1">
-                    <a:tint val="75000"/>
-                  </a:schemeClr>
-                </a:solidFill>
-              </a:defRPr>
             </a:lvl8pPr>
             <a:lvl9pPr marL="3657600" indent="0" algn="ctr">
               <a:buNone/>
-              <a:defRPr>
-                <a:solidFill>
-                  <a:schemeClr val="tx1">
-                    <a:tint val="75000"/>
-                  </a:schemeClr>
-                </a:solidFill>
-              </a:defRPr>
             </a:lvl9pPr>
           </a:lstStyle>
           <a:p>
             <a:r>
-              <a:rPr lang="es-ES"/>
+              <a:rPr kumimoji="0" lang="es-ES" smtClean="0"/>
               <a:t>Haga clic para modificar el estilo de subtítulo del patrón</a:t>
             </a:r>
-          </a:p>
-        </p:txBody>
-      </p:sp>
-      <p:sp>
-        <p:nvSpPr>
-          <p:cNvPr id="4" name="3 Marcador de fecha"/>
+            <a:endParaRPr kumimoji="0" lang="en-US"/>
+          </a:p>
+        </p:txBody>
+      </p:sp>
+      <p:sp>
+        <p:nvSpPr>
+          <p:cNvPr id="30" name="29 Marcador de fecha"/>
           <p:cNvSpPr>
             <a:spLocks noGrp="1"/>
           </p:cNvSpPr>
@@ -310,15 +515,16 @@
           <a:p>
             <a:fld id="{65BA0D81-69BF-454E-8955-4E199060296A}" type="datetimeFigureOut">
               <a:rPr lang="es-ES" smtClean="0"/>
-              <a:t>27/01/2026</a:t>
+              <a:pPr/>
+              <a:t>27.01.26</a:t>
             </a:fld>
-            <a:endParaRPr lang="es-ES"/>
-          </a:p>
-        </p:txBody>
-      </p:sp>
-      <p:sp>
-        <p:nvSpPr>
-          <p:cNvPr id="5" name="4 Marcador de pie de página"/>
+            <a:endParaRPr lang="es-ES" dirty="0"/>
+          </a:p>
+        </p:txBody>
+      </p:sp>
+      <p:sp>
+        <p:nvSpPr>
+          <p:cNvPr id="19" name="18 Marcador de pie de página"/>
           <p:cNvSpPr>
             <a:spLocks noGrp="1"/>
           </p:cNvSpPr>
@@ -331,13 +537,13 @@
           <a:bodyPr/>
           <a:lstStyle/>
           <a:p>
-            <a:endParaRPr lang="es-ES"/>
-          </a:p>
-        </p:txBody>
-      </p:sp>
-      <p:sp>
-        <p:nvSpPr>
-          <p:cNvPr id="6" name="5 Marcador de número de diapositiva"/>
+            <a:endParaRPr lang="es-ES" dirty="0"/>
+          </a:p>
+        </p:txBody>
+      </p:sp>
+      <p:sp>
+        <p:nvSpPr>
+          <p:cNvPr id="27" name="26 Marcador de número de diapositiva"/>
           <p:cNvSpPr>
             <a:spLocks noGrp="1"/>
           </p:cNvSpPr>
@@ -352,16 +558,17 @@
           <a:p>
             <a:fld id="{C092B6FF-F6CF-491A-824C-28BADD94F553}" type="slidenum">
               <a:rPr lang="es-ES" smtClean="0"/>
+              <a:pPr/>
               <a:t>‹Nº›</a:t>
             </a:fld>
-            <a:endParaRPr lang="es-ES"/>
+            <a:endParaRPr lang="es-ES" dirty="0"/>
           </a:p>
         </p:txBody>
       </p:sp>
     </p:spTree>
   </p:cSld>
   <p:clrMapOvr>
-    <a:masterClrMapping/>
+    <a:overrideClrMapping bg1="dk1" tx1="lt1" bg2="dk2" tx2="lt2" accent1="accent1" accent2="accent2" accent3="accent3" accent4="accent4" accent5="accent5" accent6="accent6" hlink="hlink" folHlink="folHlink"/>
   </p:clrMapOvr>
 </p:sldLayout>
 </file>
@@ -399,9 +606,10 @@
           <a:lstStyle/>
           <a:p>
             <a:r>
-              <a:rPr lang="es-ES"/>
+              <a:rPr kumimoji="0" lang="es-ES" smtClean="0"/>
               <a:t>Haga clic para modificar el estilo de título del patrón</a:t>
             </a:r>
+            <a:endParaRPr kumimoji="0" lang="en-US"/>
           </a:p>
         </p:txBody>
       </p:sp>
@@ -420,39 +628,40 @@
           <a:bodyPr vert="eaVert"/>
           <a:lstStyle/>
           <a:p>
-            <a:pPr lvl="0"/>
-            <a:r>
-              <a:rPr lang="es-ES"/>
+            <a:pPr lvl="0" eaLnBrk="1" latinLnBrk="0" hangingPunct="1"/>
+            <a:r>
+              <a:rPr lang="es-ES" smtClean="0"/>
               <a:t>Haga clic para modificar el estilo de texto del patrón</a:t>
             </a:r>
           </a:p>
           <a:p>
-            <a:pPr lvl="1"/>
-            <a:r>
-              <a:rPr lang="es-ES"/>
+            <a:pPr lvl="1" eaLnBrk="1" latinLnBrk="0" hangingPunct="1"/>
+            <a:r>
+              <a:rPr lang="es-ES" smtClean="0"/>
               <a:t>Segundo nivel</a:t>
             </a:r>
           </a:p>
           <a:p>
-            <a:pPr lvl="2"/>
-            <a:r>
-              <a:rPr lang="es-ES"/>
+            <a:pPr lvl="2" eaLnBrk="1" latinLnBrk="0" hangingPunct="1"/>
+            <a:r>
+              <a:rPr lang="es-ES" smtClean="0"/>
               <a:t>Tercer nivel</a:t>
             </a:r>
           </a:p>
           <a:p>
-            <a:pPr lvl="3"/>
-            <a:r>
-              <a:rPr lang="es-ES"/>
+            <a:pPr lvl="3" eaLnBrk="1" latinLnBrk="0" hangingPunct="1"/>
+            <a:r>
+              <a:rPr lang="es-ES" smtClean="0"/>
               <a:t>Cuarto nivel</a:t>
             </a:r>
           </a:p>
           <a:p>
-            <a:pPr lvl="4"/>
-            <a:r>
-              <a:rPr lang="es-ES"/>
+            <a:pPr lvl="4" eaLnBrk="1" latinLnBrk="0" hangingPunct="1"/>
+            <a:r>
+              <a:rPr lang="es-ES" smtClean="0"/>
               <a:t>Quinto nivel</a:t>
             </a:r>
+            <a:endParaRPr kumimoji="0" lang="en-US"/>
           </a:p>
         </p:txBody>
       </p:sp>
@@ -473,9 +682,10 @@
           <a:p>
             <a:fld id="{65BA0D81-69BF-454E-8955-4E199060296A}" type="datetimeFigureOut">
               <a:rPr lang="es-ES" smtClean="0"/>
-              <a:t>27/01/2026</a:t>
+              <a:pPr/>
+              <a:t>27.01.26</a:t>
             </a:fld>
-            <a:endParaRPr lang="es-ES"/>
+            <a:endParaRPr lang="es-ES" dirty="0"/>
           </a:p>
         </p:txBody>
       </p:sp>
@@ -494,7 +704,7 @@
           <a:bodyPr/>
           <a:lstStyle/>
           <a:p>
-            <a:endParaRPr lang="es-ES"/>
+            <a:endParaRPr lang="es-ES" dirty="0"/>
           </a:p>
         </p:txBody>
       </p:sp>
@@ -515,9 +725,10 @@
           <a:p>
             <a:fld id="{C092B6FF-F6CF-491A-824C-28BADD94F553}" type="slidenum">
               <a:rPr lang="es-ES" smtClean="0"/>
+              <a:pPr/>
               <a:t>‹Nº›</a:t>
             </a:fld>
-            <a:endParaRPr lang="es-ES"/>
+            <a:endParaRPr lang="es-ES" dirty="0"/>
           </a:p>
         </p:txBody>
       </p:sp>
@@ -567,9 +778,10 @@
           <a:lstStyle/>
           <a:p>
             <a:r>
-              <a:rPr lang="es-ES"/>
+              <a:rPr kumimoji="0" lang="es-ES" smtClean="0"/>
               <a:t>Haga clic para modificar el estilo de título del patrón</a:t>
             </a:r>
+            <a:endParaRPr kumimoji="0" lang="en-US"/>
           </a:p>
         </p:txBody>
       </p:sp>
@@ -593,39 +805,40 @@
           <a:bodyPr vert="eaVert"/>
           <a:lstStyle/>
           <a:p>
-            <a:pPr lvl="0"/>
-            <a:r>
-              <a:rPr lang="es-ES"/>
+            <a:pPr lvl="0" eaLnBrk="1" latinLnBrk="0" hangingPunct="1"/>
+            <a:r>
+              <a:rPr lang="es-ES" smtClean="0"/>
               <a:t>Haga clic para modificar el estilo de texto del patrón</a:t>
             </a:r>
           </a:p>
           <a:p>
-            <a:pPr lvl="1"/>
-            <a:r>
-              <a:rPr lang="es-ES"/>
+            <a:pPr lvl="1" eaLnBrk="1" latinLnBrk="0" hangingPunct="1"/>
+            <a:r>
+              <a:rPr lang="es-ES" smtClean="0"/>
               <a:t>Segundo nivel</a:t>
             </a:r>
           </a:p>
           <a:p>
-            <a:pPr lvl="2"/>
-            <a:r>
-              <a:rPr lang="es-ES"/>
+            <a:pPr lvl="2" eaLnBrk="1" latinLnBrk="0" hangingPunct="1"/>
+            <a:r>
+              <a:rPr lang="es-ES" smtClean="0"/>
               <a:t>Tercer nivel</a:t>
             </a:r>
           </a:p>
           <a:p>
-            <a:pPr lvl="3"/>
-            <a:r>
-              <a:rPr lang="es-ES"/>
+            <a:pPr lvl="3" eaLnBrk="1" latinLnBrk="0" hangingPunct="1"/>
+            <a:r>
+              <a:rPr lang="es-ES" smtClean="0"/>
               <a:t>Cuarto nivel</a:t>
             </a:r>
           </a:p>
           <a:p>
-            <a:pPr lvl="4"/>
-            <a:r>
-              <a:rPr lang="es-ES"/>
+            <a:pPr lvl="4" eaLnBrk="1" latinLnBrk="0" hangingPunct="1"/>
+            <a:r>
+              <a:rPr lang="es-ES" smtClean="0"/>
               <a:t>Quinto nivel</a:t>
             </a:r>
+            <a:endParaRPr kumimoji="0" lang="en-US"/>
           </a:p>
         </p:txBody>
       </p:sp>
@@ -646,9 +859,10 @@
           <a:p>
             <a:fld id="{65BA0D81-69BF-454E-8955-4E199060296A}" type="datetimeFigureOut">
               <a:rPr lang="es-ES" smtClean="0"/>
-              <a:t>27/01/2026</a:t>
+              <a:pPr/>
+              <a:t>27.01.26</a:t>
             </a:fld>
-            <a:endParaRPr lang="es-ES"/>
+            <a:endParaRPr lang="es-ES" dirty="0"/>
           </a:p>
         </p:txBody>
       </p:sp>
@@ -667,7 +881,7 @@
           <a:bodyPr/>
           <a:lstStyle/>
           <a:p>
-            <a:endParaRPr lang="es-ES"/>
+            <a:endParaRPr lang="es-ES" dirty="0"/>
           </a:p>
         </p:txBody>
       </p:sp>
@@ -688,9 +902,10 @@
           <a:p>
             <a:fld id="{C092B6FF-F6CF-491A-824C-28BADD94F553}" type="slidenum">
               <a:rPr lang="es-ES" smtClean="0"/>
+              <a:pPr/>
               <a:t>‹Nº›</a:t>
             </a:fld>
-            <a:endParaRPr lang="es-ES"/>
+            <a:endParaRPr lang="es-ES" dirty="0"/>
           </a:p>
         </p:txBody>
       </p:sp>
@@ -732,12 +947,17 @@
         <p:spPr/>
         <p:txBody>
           <a:bodyPr/>
-          <a:lstStyle/>
-          <a:p>
-            <a:r>
-              <a:rPr lang="es-ES"/>
+          <a:lstStyle>
+            <a:lvl1pPr algn="l">
+              <a:defRPr/>
+            </a:lvl1pPr>
+          </a:lstStyle>
+          <a:p>
+            <a:r>
+              <a:rPr kumimoji="0" lang="es-ES" smtClean="0"/>
               <a:t>Haga clic para modificar el estilo de título del patrón</a:t>
             </a:r>
+            <a:endParaRPr kumimoji="0" lang="en-US"/>
           </a:p>
         </p:txBody>
       </p:sp>
@@ -756,39 +976,40 @@
           <a:bodyPr/>
           <a:lstStyle/>
           <a:p>
-            <a:pPr lvl="0"/>
-            <a:r>
-              <a:rPr lang="es-ES"/>
+            <a:pPr lvl="0" eaLnBrk="1" latinLnBrk="0" hangingPunct="1"/>
+            <a:r>
+              <a:rPr lang="es-ES" smtClean="0"/>
               <a:t>Haga clic para modificar el estilo de texto del patrón</a:t>
             </a:r>
           </a:p>
           <a:p>
-            <a:pPr lvl="1"/>
-            <a:r>
-              <a:rPr lang="es-ES"/>
+            <a:pPr lvl="1" eaLnBrk="1" latinLnBrk="0" hangingPunct="1"/>
+            <a:r>
+              <a:rPr lang="es-ES" smtClean="0"/>
               <a:t>Segundo nivel</a:t>
             </a:r>
           </a:p>
           <a:p>
-            <a:pPr lvl="2"/>
-            <a:r>
-              <a:rPr lang="es-ES"/>
+            <a:pPr lvl="2" eaLnBrk="1" latinLnBrk="0" hangingPunct="1"/>
+            <a:r>
+              <a:rPr lang="es-ES" smtClean="0"/>
               <a:t>Tercer nivel</a:t>
             </a:r>
           </a:p>
           <a:p>
-            <a:pPr lvl="3"/>
-            <a:r>
-              <a:rPr lang="es-ES"/>
+            <a:pPr lvl="3" eaLnBrk="1" latinLnBrk="0" hangingPunct="1"/>
+            <a:r>
+              <a:rPr lang="es-ES" smtClean="0"/>
               <a:t>Cuarto nivel</a:t>
             </a:r>
           </a:p>
           <a:p>
-            <a:pPr lvl="4"/>
-            <a:r>
-              <a:rPr lang="es-ES"/>
+            <a:pPr lvl="4" eaLnBrk="1" latinLnBrk="0" hangingPunct="1"/>
+            <a:r>
+              <a:rPr lang="es-ES" smtClean="0"/>
               <a:t>Quinto nivel</a:t>
             </a:r>
+            <a:endParaRPr kumimoji="0" lang="en-US"/>
           </a:p>
         </p:txBody>
       </p:sp>
@@ -809,9 +1030,10 @@
           <a:p>
             <a:fld id="{65BA0D81-69BF-454E-8955-4E199060296A}" type="datetimeFigureOut">
               <a:rPr lang="es-ES" smtClean="0"/>
-              <a:t>27/01/2026</a:t>
+              <a:pPr/>
+              <a:t>27.01.26</a:t>
             </a:fld>
-            <a:endParaRPr lang="es-ES"/>
+            <a:endParaRPr lang="es-ES" dirty="0"/>
           </a:p>
         </p:txBody>
       </p:sp>
@@ -830,7 +1052,7 @@
           <a:bodyPr/>
           <a:lstStyle/>
           <a:p>
-            <a:endParaRPr lang="es-ES"/>
+            <a:endParaRPr lang="es-ES" dirty="0"/>
           </a:p>
         </p:txBody>
       </p:sp>
@@ -851,9 +1073,10 @@
           <a:p>
             <a:fld id="{C092B6FF-F6CF-491A-824C-28BADD94F553}" type="slidenum">
               <a:rPr lang="es-ES" smtClean="0"/>
+              <a:pPr/>
               <a:t>‹Nº›</a:t>
             </a:fld>
-            <a:endParaRPr lang="es-ES"/>
+            <a:endParaRPr lang="es-ES" dirty="0"/>
           </a:p>
         </p:txBody>
       </p:sp>
@@ -866,8 +1089,13 @@
 </file>
 
 <file path=ppt/slideLayouts/slideLayout3.xml><?xml version="1.0" encoding="utf-8"?>
-<p:sldLayout xmlns:a="http://schemas.openxmlformats.org/drawingml/2006/main" xmlns:r="http://schemas.openxmlformats.org/officeDocument/2006/relationships" xmlns:p="http://schemas.openxmlformats.org/presentationml/2006/main" type="secHead" preserve="1">
+<p:sldLayout xmlns:a="http://schemas.openxmlformats.org/drawingml/2006/main" xmlns:r="http://schemas.openxmlformats.org/officeDocument/2006/relationships" xmlns:p="http://schemas.openxmlformats.org/presentationml/2006/main" showMasterSp="0" type="secHead" preserve="1">
   <p:cSld name="Encabezado de sección">
+    <p:bg>
+      <p:bgRef idx="1002">
+        <a:schemeClr val="bg2"/>
+      </p:bgRef>
+    </p:bg>
     <p:spTree>
       <p:nvGrpSpPr>
         <p:cNvPr id="1" name=""/>
@@ -884,6 +1112,202 @@
       </p:grpSpPr>
       <p:sp>
         <p:nvSpPr>
+          <p:cNvPr id="7" name="6 Forma libre"/>
+          <p:cNvSpPr>
+            <a:spLocks/>
+          </p:cNvSpPr>
+          <p:nvPr/>
+        </p:nvSpPr>
+        <p:spPr bwMode="auto">
+          <a:xfrm>
+            <a:off x="0" y="4752126"/>
+            <a:ext cx="9144000" cy="2112962"/>
+          </a:xfrm>
+          <a:custGeom>
+            <a:avLst>
+              <a:gd name="A1" fmla="val 0"/>
+              <a:gd name="A2" fmla="val 0"/>
+              <a:gd name="A3" fmla="val 0"/>
+              <a:gd name="A4" fmla="val 0"/>
+              <a:gd name="A5" fmla="val 0"/>
+              <a:gd name="A6" fmla="val 0"/>
+              <a:gd name="A7" fmla="val 0"/>
+              <a:gd name="A8" fmla="val 0"/>
+            </a:avLst>
+            <a:gdLst/>
+            <a:ahLst/>
+            <a:cxnLst>
+              <a:cxn ang="0">
+                <a:pos x="0" y="1066"/>
+              </a:cxn>
+              <a:cxn ang="0">
+                <a:pos x="0" y="1331"/>
+              </a:cxn>
+              <a:cxn ang="0">
+                <a:pos x="5760" y="1331"/>
+              </a:cxn>
+              <a:cxn ang="0">
+                <a:pos x="5760" y="0"/>
+              </a:cxn>
+              <a:cxn ang="0">
+                <a:pos x="0" y="1066"/>
+              </a:cxn>
+            </a:cxnLst>
+            <a:rect l="0" t="0" r="0" b="0"/>
+            <a:pathLst>
+              <a:path w="5760" h="1331">
+                <a:moveTo>
+                  <a:pt x="0" y="1066"/>
+                </a:moveTo>
+                <a:lnTo>
+                  <a:pt x="0" y="1331"/>
+                </a:lnTo>
+                <a:lnTo>
+                  <a:pt x="5760" y="1331"/>
+                </a:lnTo>
+                <a:lnTo>
+                  <a:pt x="5760" y="0"/>
+                </a:lnTo>
+                <a:cubicBezTo>
+                  <a:pt x="3220" y="1206"/>
+                  <a:pt x="2250" y="1146"/>
+                  <a:pt x="0" y="1066"/>
+                </a:cubicBezTo>
+                <a:close/>
+              </a:path>
+            </a:pathLst>
+          </a:custGeom>
+          <a:solidFill>
+            <a:schemeClr val="bg1">
+              <a:tint val="80000"/>
+              <a:satMod val="200000"/>
+              <a:alpha val="45000"/>
+            </a:schemeClr>
+          </a:solidFill>
+          <a:ln w="9525" cap="flat" cmpd="sng" algn="ctr">
+            <a:noFill/>
+            <a:prstDash val="solid"/>
+            <a:round/>
+            <a:headEnd type="none" w="med" len="med"/>
+            <a:tailEnd type="none" w="med" len="med"/>
+          </a:ln>
+          <a:effectLst>
+            <a:outerShdw blurRad="50800" dist="44450" dir="16200000" algn="ctr" rotWithShape="0">
+              <a:prstClr val="black">
+                <a:alpha val="35000"/>
+              </a:prstClr>
+            </a:outerShdw>
+          </a:effectLst>
+        </p:spPr>
+        <p:txBody>
+          <a:bodyPr vert="horz" wrap="square" lIns="91440" tIns="45720" rIns="91440" bIns="45720" anchor="t" compatLnSpc="1"/>
+          <a:lstStyle/>
+          <a:p>
+            <a:endParaRPr kumimoji="0" lang="en-US" dirty="0"/>
+          </a:p>
+        </p:txBody>
+      </p:sp>
+      <p:sp>
+        <p:nvSpPr>
+          <p:cNvPr id="9" name="8 Forma libre"/>
+          <p:cNvSpPr>
+            <a:spLocks/>
+          </p:cNvSpPr>
+          <p:nvPr/>
+        </p:nvSpPr>
+        <p:spPr bwMode="auto">
+          <a:xfrm>
+            <a:off x="6105525" y="0"/>
+            <a:ext cx="3038475" cy="6858000"/>
+          </a:xfrm>
+          <a:custGeom>
+            <a:avLst/>
+            <a:gdLst>
+              <a:gd name="connsiteX0" fmla="*/ 1914 w 1914"/>
+              <a:gd name="connsiteY0" fmla="*/ 9 h 4329"/>
+              <a:gd name="connsiteX1" fmla="*/ 1914 w 1914"/>
+              <a:gd name="connsiteY1" fmla="*/ 4329 h 4329"/>
+              <a:gd name="connsiteX2" fmla="*/ 204 w 1914"/>
+              <a:gd name="connsiteY2" fmla="*/ 4327 h 4329"/>
+              <a:gd name="connsiteX3" fmla="*/ 0 w 1914"/>
+              <a:gd name="connsiteY3" fmla="*/ 0 h 4329"/>
+              <a:gd name="connsiteX4" fmla="*/ 1914 w 1914"/>
+              <a:gd name="connsiteY4" fmla="*/ 9 h 4329"/>
+            </a:gdLst>
+            <a:ahLst/>
+            <a:cxnLst>
+              <a:cxn ang="0">
+                <a:pos x="connsiteX0" y="connsiteY0"/>
+              </a:cxn>
+              <a:cxn ang="0">
+                <a:pos x="connsiteX1" y="connsiteY1"/>
+              </a:cxn>
+              <a:cxn ang="0">
+                <a:pos x="connsiteX2" y="connsiteY2"/>
+              </a:cxn>
+              <a:cxn ang="0">
+                <a:pos x="connsiteX3" y="connsiteY3"/>
+              </a:cxn>
+              <a:cxn ang="0">
+                <a:pos x="connsiteX4" y="connsiteY4"/>
+              </a:cxn>
+            </a:cxnLst>
+            <a:rect l="l" t="t" r="r" b="b"/>
+            <a:pathLst>
+              <a:path w="1914" h="4329">
+                <a:moveTo>
+                  <a:pt x="1914" y="9"/>
+                </a:moveTo>
+                <a:lnTo>
+                  <a:pt x="1914" y="4329"/>
+                </a:lnTo>
+                <a:lnTo>
+                  <a:pt x="204" y="4327"/>
+                </a:lnTo>
+                <a:cubicBezTo>
+                  <a:pt x="1288" y="3574"/>
+                  <a:pt x="1608" y="1590"/>
+                  <a:pt x="0" y="0"/>
+                </a:cubicBezTo>
+                <a:lnTo>
+                  <a:pt x="1914" y="9"/>
+                </a:lnTo>
+                <a:close/>
+              </a:path>
+            </a:pathLst>
+          </a:custGeom>
+          <a:solidFill>
+            <a:schemeClr val="bg1">
+              <a:tint val="90000"/>
+              <a:satMod val="350000"/>
+              <a:alpha val="40000"/>
+            </a:schemeClr>
+          </a:solidFill>
+          <a:ln w="9525" cap="flat" cmpd="sng" algn="ctr">
+            <a:noFill/>
+            <a:prstDash val="solid"/>
+            <a:round/>
+            <a:headEnd type="none" w="med" len="med"/>
+            <a:tailEnd type="none" w="med" len="med"/>
+          </a:ln>
+          <a:effectLst>
+            <a:outerShdw blurRad="50800" dist="50800" dir="10800000" algn="ctr" rotWithShape="0">
+              <a:prstClr val="black">
+                <a:alpha val="45000"/>
+              </a:prstClr>
+            </a:outerShdw>
+          </a:effectLst>
+        </p:spPr>
+        <p:txBody>
+          <a:bodyPr vert="horz" wrap="square" lIns="91440" tIns="45720" rIns="91440" bIns="45720" anchor="t" compatLnSpc="1"/>
+          <a:lstStyle/>
+          <a:p>
+            <a:endParaRPr kumimoji="0" lang="en-US" dirty="0"/>
+          </a:p>
+        </p:txBody>
+      </p:sp>
+      <p:sp>
+        <p:nvSpPr>
           <p:cNvPr id="2" name="1 Título"/>
           <p:cNvSpPr>
             <a:spLocks noGrp="1"/>
@@ -894,22 +1318,77 @@
         </p:nvSpPr>
         <p:spPr>
           <a:xfrm>
-            <a:off x="722313" y="4406900"/>
-            <a:ext cx="7772400" cy="1362075"/>
-          </a:xfrm>
-        </p:spPr>
-        <p:txBody>
-          <a:bodyPr anchor="t"/>
+            <a:off x="685800" y="3583837"/>
+            <a:ext cx="6629400" cy="1826363"/>
+          </a:xfrm>
+        </p:spPr>
+        <p:txBody>
+          <a:bodyPr tIns="0" bIns="0" anchor="t"/>
           <a:lstStyle>
             <a:lvl1pPr algn="l">
-              <a:defRPr sz="4000" b="1" cap="all"/>
+              <a:buNone/>
+              <a:defRPr sz="4200" b="1" cap="none" baseline="0">
+                <a:ln w="5000" cmpd="sng">
+                  <a:solidFill>
+                    <a:schemeClr val="accent1">
+                      <a:tint val="80000"/>
+                      <a:shade val="99000"/>
+                      <a:satMod val="500000"/>
+                    </a:schemeClr>
+                  </a:solidFill>
+                  <a:prstDash val="solid"/>
+                </a:ln>
+                <a:gradFill>
+                  <a:gsLst>
+                    <a:gs pos="0">
+                      <a:schemeClr val="accent1">
+                        <a:tint val="63000"/>
+                        <a:satMod val="255000"/>
+                      </a:schemeClr>
+                    </a:gs>
+                    <a:gs pos="9000">
+                      <a:schemeClr val="accent1">
+                        <a:tint val="63000"/>
+                        <a:satMod val="255000"/>
+                      </a:schemeClr>
+                    </a:gs>
+                    <a:gs pos="53000">
+                      <a:schemeClr val="accent1">
+                        <a:shade val="60000"/>
+                        <a:satMod val="100000"/>
+                      </a:schemeClr>
+                    </a:gs>
+                    <a:gs pos="90000">
+                      <a:schemeClr val="accent1">
+                        <a:tint val="63000"/>
+                        <a:satMod val="255000"/>
+                      </a:schemeClr>
+                    </a:gs>
+                    <a:gs pos="100000">
+                      <a:schemeClr val="accent1">
+                        <a:tint val="63000"/>
+                        <a:satMod val="255000"/>
+                      </a:schemeClr>
+                    </a:gs>
+                  </a:gsLst>
+                  <a:lin ang="5400000"/>
+                </a:gradFill>
+                <a:effectLst>
+                  <a:outerShdw blurRad="50800" dist="38100" dir="5400000" algn="t" rotWithShape="0">
+                    <a:prstClr val="black">
+                      <a:alpha val="50000"/>
+                    </a:prstClr>
+                  </a:outerShdw>
+                </a:effectLst>
+              </a:defRPr>
             </a:lvl1pPr>
           </a:lstStyle>
           <a:p>
             <a:r>
-              <a:rPr lang="es-ES"/>
+              <a:rPr kumimoji="0" lang="es-ES" smtClean="0"/>
               <a:t>Haga clic para modificar el estilo de título del patrón</a:t>
             </a:r>
+            <a:endParaRPr kumimoji="0" lang="en-US"/>
           </a:p>
         </p:txBody>
       </p:sp>
@@ -925,24 +1404,23 @@
         </p:nvSpPr>
         <p:spPr>
           <a:xfrm>
-            <a:off x="722313" y="2906713"/>
-            <a:ext cx="7772400" cy="1500187"/>
-          </a:xfrm>
-        </p:spPr>
-        <p:txBody>
-          <a:bodyPr anchor="b"/>
+            <a:off x="685800" y="2485800"/>
+            <a:ext cx="6629400" cy="1066688"/>
+          </a:xfrm>
+        </p:spPr>
+        <p:txBody>
+          <a:bodyPr lIns="45720" tIns="0" rIns="45720" bIns="0" anchor="b"/>
           <a:lstStyle>
-            <a:lvl1pPr marL="0" indent="0">
+            <a:lvl1pPr marL="0" indent="0" algn="l">
               <a:buNone/>
               <a:defRPr sz="2000">
                 <a:solidFill>
-                  <a:schemeClr val="tx1">
-                    <a:tint val="75000"/>
-                  </a:schemeClr>
+                  <a:schemeClr val="tx1"/>
                 </a:solidFill>
+                <a:effectLst/>
               </a:defRPr>
             </a:lvl1pPr>
-            <a:lvl2pPr marL="457200" indent="0">
+            <a:lvl2pPr>
               <a:buNone/>
               <a:defRPr sz="1800">
                 <a:solidFill>
@@ -952,7 +1430,7 @@
                 </a:solidFill>
               </a:defRPr>
             </a:lvl2pPr>
-            <a:lvl3pPr marL="914400" indent="0">
+            <a:lvl3pPr>
               <a:buNone/>
               <a:defRPr sz="1600">
                 <a:solidFill>
@@ -962,7 +1440,7 @@
                 </a:solidFill>
               </a:defRPr>
             </a:lvl3pPr>
-            <a:lvl4pPr marL="1371600" indent="0">
+            <a:lvl4pPr>
               <a:buNone/>
               <a:defRPr sz="1400">
                 <a:solidFill>
@@ -972,7 +1450,7 @@
                 </a:solidFill>
               </a:defRPr>
             </a:lvl4pPr>
-            <a:lvl5pPr marL="1828800" indent="0">
+            <a:lvl5pPr>
               <a:buNone/>
               <a:defRPr sz="1400">
                 <a:solidFill>
@@ -982,51 +1460,11 @@
                 </a:solidFill>
               </a:defRPr>
             </a:lvl5pPr>
-            <a:lvl6pPr marL="2286000" indent="0">
-              <a:buNone/>
-              <a:defRPr sz="1400">
-                <a:solidFill>
-                  <a:schemeClr val="tx1">
-                    <a:tint val="75000"/>
-                  </a:schemeClr>
-                </a:solidFill>
-              </a:defRPr>
-            </a:lvl6pPr>
-            <a:lvl7pPr marL="2743200" indent="0">
-              <a:buNone/>
-              <a:defRPr sz="1400">
-                <a:solidFill>
-                  <a:schemeClr val="tx1">
-                    <a:tint val="75000"/>
-                  </a:schemeClr>
-                </a:solidFill>
-              </a:defRPr>
-            </a:lvl7pPr>
-            <a:lvl8pPr marL="3200400" indent="0">
-              <a:buNone/>
-              <a:defRPr sz="1400">
-                <a:solidFill>
-                  <a:schemeClr val="tx1">
-                    <a:tint val="75000"/>
-                  </a:schemeClr>
-                </a:solidFill>
-              </a:defRPr>
-            </a:lvl8pPr>
-            <a:lvl9pPr marL="3657600" indent="0">
-              <a:buNone/>
-              <a:defRPr sz="1400">
-                <a:solidFill>
-                  <a:schemeClr val="tx1">
-                    <a:tint val="75000"/>
-                  </a:schemeClr>
-                </a:solidFill>
-              </a:defRPr>
-            </a:lvl9pPr>
           </a:lstStyle>
           <a:p>
-            <a:pPr lvl="0"/>
-            <a:r>
-              <a:rPr lang="es-ES"/>
+            <a:pPr lvl="0" eaLnBrk="1" latinLnBrk="0" hangingPunct="1"/>
+            <a:r>
+              <a:rPr kumimoji="0" lang="es-ES" smtClean="0"/>
               <a:t>Haga clic para modificar el estilo de texto del patrón</a:t>
             </a:r>
           </a:p>
@@ -1049,9 +1487,10 @@
           <a:p>
             <a:fld id="{65BA0D81-69BF-454E-8955-4E199060296A}" type="datetimeFigureOut">
               <a:rPr lang="es-ES" smtClean="0"/>
-              <a:t>27/01/2026</a:t>
+              <a:pPr/>
+              <a:t>27.01.26</a:t>
             </a:fld>
-            <a:endParaRPr lang="es-ES"/>
+            <a:endParaRPr lang="es-ES" dirty="0"/>
           </a:p>
         </p:txBody>
       </p:sp>
@@ -1070,7 +1509,7 @@
           <a:bodyPr/>
           <a:lstStyle/>
           <a:p>
-            <a:endParaRPr lang="es-ES"/>
+            <a:endParaRPr lang="es-ES" dirty="0"/>
           </a:p>
         </p:txBody>
       </p:sp>
@@ -1091,16 +1530,17 @@
           <a:p>
             <a:fld id="{C092B6FF-F6CF-491A-824C-28BADD94F553}" type="slidenum">
               <a:rPr lang="es-ES" smtClean="0"/>
+              <a:pPr/>
               <a:t>‹Nº›</a:t>
             </a:fld>
-            <a:endParaRPr lang="es-ES"/>
+            <a:endParaRPr lang="es-ES" dirty="0"/>
           </a:p>
         </p:txBody>
       </p:sp>
     </p:spTree>
   </p:cSld>
   <p:clrMapOvr>
-    <a:masterClrMapping/>
+    <a:overrideClrMapping bg1="dk1" tx1="lt1" bg2="dk2" tx2="lt2" accent1="accent1" accent2="accent2" accent3="accent3" accent4="accent4" accent5="accent5" accent6="accent6" hlink="hlink" folHlink="folHlink"/>
   </p:clrMapOvr>
 </p:sldLayout>
 </file>
@@ -1132,15 +1572,21 @@
             <p:ph type="title"/>
           </p:nvPr>
         </p:nvSpPr>
-        <p:spPr/>
+        <p:spPr>
+          <a:xfrm>
+            <a:off x="457200" y="274638"/>
+            <a:ext cx="7467600" cy="1143000"/>
+          </a:xfrm>
+        </p:spPr>
         <p:txBody>
           <a:bodyPr/>
           <a:lstStyle/>
           <a:p>
             <a:r>
-              <a:rPr lang="es-ES"/>
+              <a:rPr kumimoji="0" lang="es-ES" smtClean="0"/>
               <a:t>Haga clic para modificar el estilo de título del patrón</a:t>
             </a:r>
+            <a:endParaRPr kumimoji="0" lang="en-US"/>
           </a:p>
         </p:txBody>
       </p:sp>
@@ -1157,17 +1603,17 @@
         <p:spPr>
           <a:xfrm>
             <a:off x="457200" y="1600200"/>
-            <a:ext cx="4038600" cy="4525963"/>
+            <a:ext cx="3657600" cy="4525963"/>
           </a:xfrm>
         </p:spPr>
         <p:txBody>
           <a:bodyPr/>
           <a:lstStyle>
             <a:lvl1pPr>
-              <a:defRPr sz="2800"/>
+              <a:defRPr sz="2600"/>
             </a:lvl1pPr>
             <a:lvl2pPr>
-              <a:defRPr sz="2400"/>
+              <a:defRPr sz="2200"/>
             </a:lvl2pPr>
             <a:lvl3pPr>
               <a:defRPr sz="2000"/>
@@ -1178,53 +1624,42 @@
             <a:lvl5pPr>
               <a:defRPr sz="1800"/>
             </a:lvl5pPr>
-            <a:lvl6pPr>
-              <a:defRPr sz="1800"/>
-            </a:lvl6pPr>
-            <a:lvl7pPr>
-              <a:defRPr sz="1800"/>
-            </a:lvl7pPr>
-            <a:lvl8pPr>
-              <a:defRPr sz="1800"/>
-            </a:lvl8pPr>
-            <a:lvl9pPr>
-              <a:defRPr sz="1800"/>
-            </a:lvl9pPr>
           </a:lstStyle>
           <a:p>
-            <a:pPr lvl="0"/>
-            <a:r>
-              <a:rPr lang="es-ES"/>
+            <a:pPr lvl="0" eaLnBrk="1" latinLnBrk="0" hangingPunct="1"/>
+            <a:r>
+              <a:rPr lang="es-ES" smtClean="0"/>
               <a:t>Haga clic para modificar el estilo de texto del patrón</a:t>
             </a:r>
           </a:p>
           <a:p>
-            <a:pPr lvl="1"/>
-            <a:r>
-              <a:rPr lang="es-ES"/>
+            <a:pPr lvl="1" eaLnBrk="1" latinLnBrk="0" hangingPunct="1"/>
+            <a:r>
+              <a:rPr lang="es-ES" smtClean="0"/>
               <a:t>Segundo nivel</a:t>
             </a:r>
           </a:p>
           <a:p>
-            <a:pPr lvl="2"/>
-            <a:r>
-              <a:rPr lang="es-ES"/>
+            <a:pPr lvl="2" eaLnBrk="1" latinLnBrk="0" hangingPunct="1"/>
+            <a:r>
+              <a:rPr lang="es-ES" smtClean="0"/>
               <a:t>Tercer nivel</a:t>
             </a:r>
           </a:p>
           <a:p>
-            <a:pPr lvl="3"/>
-            <a:r>
-              <a:rPr lang="es-ES"/>
+            <a:pPr lvl="3" eaLnBrk="1" latinLnBrk="0" hangingPunct="1"/>
+            <a:r>
+              <a:rPr lang="es-ES" smtClean="0"/>
               <a:t>Cuarto nivel</a:t>
             </a:r>
           </a:p>
           <a:p>
-            <a:pPr lvl="4"/>
-            <a:r>
-              <a:rPr lang="es-ES"/>
+            <a:pPr lvl="4" eaLnBrk="1" latinLnBrk="0" hangingPunct="1"/>
+            <a:r>
+              <a:rPr lang="es-ES" smtClean="0"/>
               <a:t>Quinto nivel</a:t>
             </a:r>
+            <a:endParaRPr kumimoji="0" lang="en-US"/>
           </a:p>
         </p:txBody>
       </p:sp>
@@ -1240,18 +1675,18 @@
         </p:nvSpPr>
         <p:spPr>
           <a:xfrm>
-            <a:off x="4648200" y="1600200"/>
-            <a:ext cx="4038600" cy="4525963"/>
+            <a:off x="4267200" y="1600200"/>
+            <a:ext cx="3657600" cy="4525963"/>
           </a:xfrm>
         </p:spPr>
         <p:txBody>
           <a:bodyPr/>
           <a:lstStyle>
             <a:lvl1pPr>
-              <a:defRPr sz="2800"/>
+              <a:defRPr sz="2600"/>
             </a:lvl1pPr>
             <a:lvl2pPr>
-              <a:defRPr sz="2400"/>
+              <a:defRPr sz="2200"/>
             </a:lvl2pPr>
             <a:lvl3pPr>
               <a:defRPr sz="2000"/>
@@ -1262,53 +1697,42 @@
             <a:lvl5pPr>
               <a:defRPr sz="1800"/>
             </a:lvl5pPr>
-            <a:lvl6pPr>
-              <a:defRPr sz="1800"/>
-            </a:lvl6pPr>
-            <a:lvl7pPr>
-              <a:defRPr sz="1800"/>
-            </a:lvl7pPr>
-            <a:lvl8pPr>
-              <a:defRPr sz="1800"/>
-            </a:lvl8pPr>
-            <a:lvl9pPr>
-              <a:defRPr sz="1800"/>
-            </a:lvl9pPr>
           </a:lstStyle>
           <a:p>
-            <a:pPr lvl="0"/>
-            <a:r>
-              <a:rPr lang="es-ES"/>
+            <a:pPr lvl="0" eaLnBrk="1" latinLnBrk="0" hangingPunct="1"/>
+            <a:r>
+              <a:rPr lang="es-ES" smtClean="0"/>
               <a:t>Haga clic para modificar el estilo de texto del patrón</a:t>
             </a:r>
           </a:p>
           <a:p>
-            <a:pPr lvl="1"/>
-            <a:r>
-              <a:rPr lang="es-ES"/>
+            <a:pPr lvl="1" eaLnBrk="1" latinLnBrk="0" hangingPunct="1"/>
+            <a:r>
+              <a:rPr lang="es-ES" smtClean="0"/>
               <a:t>Segundo nivel</a:t>
             </a:r>
           </a:p>
           <a:p>
-            <a:pPr lvl="2"/>
-            <a:r>
-              <a:rPr lang="es-ES"/>
+            <a:pPr lvl="2" eaLnBrk="1" latinLnBrk="0" hangingPunct="1"/>
+            <a:r>
+              <a:rPr lang="es-ES" smtClean="0"/>
               <a:t>Tercer nivel</a:t>
             </a:r>
           </a:p>
           <a:p>
-            <a:pPr lvl="3"/>
-            <a:r>
-              <a:rPr lang="es-ES"/>
+            <a:pPr lvl="3" eaLnBrk="1" latinLnBrk="0" hangingPunct="1"/>
+            <a:r>
+              <a:rPr lang="es-ES" smtClean="0"/>
               <a:t>Cuarto nivel</a:t>
             </a:r>
           </a:p>
           <a:p>
-            <a:pPr lvl="4"/>
-            <a:r>
-              <a:rPr lang="es-ES"/>
+            <a:pPr lvl="4" eaLnBrk="1" latinLnBrk="0" hangingPunct="1"/>
+            <a:r>
+              <a:rPr lang="es-ES" smtClean="0"/>
               <a:t>Quinto nivel</a:t>
             </a:r>
+            <a:endParaRPr kumimoji="0" lang="en-US"/>
           </a:p>
         </p:txBody>
       </p:sp>
@@ -1329,9 +1753,10 @@
           <a:p>
             <a:fld id="{65BA0D81-69BF-454E-8955-4E199060296A}" type="datetimeFigureOut">
               <a:rPr lang="es-ES" smtClean="0"/>
-              <a:t>27/01/2026</a:t>
+              <a:pPr/>
+              <a:t>27.01.26</a:t>
             </a:fld>
-            <a:endParaRPr lang="es-ES"/>
+            <a:endParaRPr lang="es-ES" dirty="0"/>
           </a:p>
         </p:txBody>
       </p:sp>
@@ -1350,7 +1775,7 @@
           <a:bodyPr/>
           <a:lstStyle/>
           <a:p>
-            <a:endParaRPr lang="es-ES"/>
+            <a:endParaRPr lang="es-ES" dirty="0"/>
           </a:p>
         </p:txBody>
       </p:sp>
@@ -1371,9 +1796,10 @@
           <a:p>
             <a:fld id="{C092B6FF-F6CF-491A-824C-28BADD94F553}" type="slidenum">
               <a:rPr lang="es-ES" smtClean="0"/>
+              <a:pPr/>
               <a:t>‹Nº›</a:t>
             </a:fld>
-            <a:endParaRPr lang="es-ES"/>
+            <a:endParaRPr lang="es-ES" dirty="0"/>
           </a:p>
         </p:txBody>
       </p:sp>
@@ -1386,7 +1812,7 @@
 </file>
 
 <file path=ppt/slideLayouts/slideLayout5.xml><?xml version="1.0" encoding="utf-8"?>
-<p:sldLayout xmlns:a="http://schemas.openxmlformats.org/drawingml/2006/main" xmlns:r="http://schemas.openxmlformats.org/officeDocument/2006/relationships" xmlns:p="http://schemas.openxmlformats.org/presentationml/2006/main" type="twoTxTwoObj" preserve="1">
+<p:sldLayout xmlns:a="http://schemas.openxmlformats.org/drawingml/2006/main" xmlns:r="http://schemas.openxmlformats.org/officeDocument/2006/relationships" xmlns:p="http://schemas.openxmlformats.org/presentationml/2006/main" showMasterSp="0" type="twoTxTwoObj" preserve="1">
   <p:cSld name="Comparación">
     <p:spTree>
       <p:nvGrpSpPr>
@@ -1412,9 +1838,14 @@
             <p:ph type="title"/>
           </p:nvPr>
         </p:nvSpPr>
-        <p:spPr/>
-        <p:txBody>
-          <a:bodyPr/>
+        <p:spPr>
+          <a:xfrm>
+            <a:off x="457200" y="273050"/>
+            <a:ext cx="8229600" cy="1143000"/>
+          </a:xfrm>
+        </p:spPr>
+        <p:txBody>
+          <a:bodyPr anchor="ctr"/>
           <a:lstStyle>
             <a:lvl1pPr>
               <a:defRPr/>
@@ -1422,9 +1853,10 @@
           </a:lstStyle>
           <a:p>
             <a:r>
-              <a:rPr lang="es-ES"/>
+              <a:rPr kumimoji="0" lang="es-ES" smtClean="0"/>
               <a:t>Haga clic para modificar el estilo de título del patrón</a:t>
             </a:r>
+            <a:endParaRPr kumimoji="0" lang="en-US"/>
           </a:p>
         </p:txBody>
       </p:sp>
@@ -1440,54 +1872,95 @@
         </p:nvSpPr>
         <p:spPr>
           <a:xfrm>
-            <a:off x="457200" y="1535113"/>
-            <a:ext cx="4040188" cy="639762"/>
-          </a:xfrm>
-        </p:spPr>
-        <p:txBody>
-          <a:bodyPr anchor="b"/>
+            <a:off x="457200" y="5486400"/>
+            <a:ext cx="4040188" cy="838200"/>
+          </a:xfrm>
+        </p:spPr>
+        <p:txBody>
+          <a:bodyPr anchor="t"/>
           <a:lstStyle>
             <a:lvl1pPr marL="0" indent="0">
               <a:buNone/>
-              <a:defRPr sz="2400" b="1"/>
+              <a:defRPr sz="2400" b="1">
+                <a:solidFill>
+                  <a:schemeClr val="accent1"/>
+                </a:solidFill>
+              </a:defRPr>
             </a:lvl1pPr>
-            <a:lvl2pPr marL="457200" indent="0">
+            <a:lvl2pPr>
               <a:buNone/>
               <a:defRPr sz="2000" b="1"/>
             </a:lvl2pPr>
-            <a:lvl3pPr marL="914400" indent="0">
+            <a:lvl3pPr>
               <a:buNone/>
               <a:defRPr sz="1800" b="1"/>
             </a:lvl3pPr>
-            <a:lvl4pPr marL="1371600" indent="0">
+            <a:lvl4pPr>
               <a:buNone/>
               <a:defRPr sz="1600" b="1"/>
             </a:lvl4pPr>
-            <a:lvl5pPr marL="1828800" indent="0">
+            <a:lvl5pPr>
               <a:buNone/>
               <a:defRPr sz="1600" b="1"/>
             </a:lvl5pPr>
-            <a:lvl6pPr marL="2286000" indent="0">
+          </a:lstStyle>
+          <a:p>
+            <a:pPr lvl="0" eaLnBrk="1" latinLnBrk="0" hangingPunct="1"/>
+            <a:r>
+              <a:rPr kumimoji="0" lang="es-ES" smtClean="0"/>
+              <a:t>Haga clic para modificar el estilo de texto del patrón</a:t>
+            </a:r>
+          </a:p>
+        </p:txBody>
+      </p:sp>
+      <p:sp>
+        <p:nvSpPr>
+          <p:cNvPr id="4" name="3 Marcador de texto"/>
+          <p:cNvSpPr>
+            <a:spLocks noGrp="1"/>
+          </p:cNvSpPr>
+          <p:nvPr>
+            <p:ph type="body" sz="half" idx="3"/>
+          </p:nvPr>
+        </p:nvSpPr>
+        <p:spPr>
+          <a:xfrm>
+            <a:off x="4645025" y="5486400"/>
+            <a:ext cx="4041775" cy="838200"/>
+          </a:xfrm>
+        </p:spPr>
+        <p:txBody>
+          <a:bodyPr anchor="t"/>
+          <a:lstStyle>
+            <a:lvl1pPr marL="0" indent="0">
+              <a:buNone/>
+              <a:defRPr sz="2400" b="1">
+                <a:solidFill>
+                  <a:schemeClr val="accent1"/>
+                </a:solidFill>
+              </a:defRPr>
+            </a:lvl1pPr>
+            <a:lvl2pPr>
+              <a:buNone/>
+              <a:defRPr sz="2000" b="1"/>
+            </a:lvl2pPr>
+            <a:lvl3pPr>
+              <a:buNone/>
+              <a:defRPr sz="1800" b="1"/>
+            </a:lvl3pPr>
+            <a:lvl4pPr>
               <a:buNone/>
               <a:defRPr sz="1600" b="1"/>
-            </a:lvl6pPr>
-            <a:lvl7pPr marL="2743200" indent="0">
+            </a:lvl4pPr>
+            <a:lvl5pPr>
               <a:buNone/>
               <a:defRPr sz="1600" b="1"/>
-            </a:lvl7pPr>
-            <a:lvl8pPr marL="3200400" indent="0">
-              <a:buNone/>
-              <a:defRPr sz="1600" b="1"/>
-            </a:lvl8pPr>
-            <a:lvl9pPr marL="3657600" indent="0">
-              <a:buNone/>
-              <a:defRPr sz="1600" b="1"/>
-            </a:lvl9pPr>
+            </a:lvl5pPr>
           </a:lstStyle>
           <a:p>
-            <a:pPr lvl="0"/>
-            <a:r>
-              <a:rPr lang="es-ES"/>
+            <a:pPr lvl="0" eaLnBrk="1" latinLnBrk="0" hangingPunct="1"/>
+            <a:r>
+              <a:rPr kumimoji="0" lang="es-ES" smtClean="0"/>
               <a:t>Haga clic para modificar el estilo de texto del patrón</a:t>
             </a:r>
           </a:p>
@@ -1495,18 +1968,18 @@
       </p:sp>
       <p:sp>
         <p:nvSpPr>
-          <p:cNvPr id="4" name="3 Marcador de contenido"/>
-          <p:cNvSpPr>
-            <a:spLocks noGrp="1"/>
-          </p:cNvSpPr>
-          <p:nvPr>
-            <p:ph sz="half" idx="2"/>
+          <p:cNvPr id="5" name="4 Marcador de contenido"/>
+          <p:cNvSpPr>
+            <a:spLocks noGrp="1"/>
+          </p:cNvSpPr>
+          <p:nvPr>
+            <p:ph sz="quarter" idx="2"/>
           </p:nvPr>
         </p:nvSpPr>
         <p:spPr>
           <a:xfrm>
-            <a:off x="457200" y="2174875"/>
-            <a:ext cx="4040188" cy="3951288"/>
+            <a:off x="457200" y="1516912"/>
+            <a:ext cx="4040188" cy="3941763"/>
           </a:xfrm>
         </p:spPr>
         <p:txBody>
@@ -1527,135 +2000,59 @@
             <a:lvl5pPr>
               <a:defRPr sz="1600"/>
             </a:lvl5pPr>
-            <a:lvl6pPr>
-              <a:defRPr sz="1600"/>
-            </a:lvl6pPr>
-            <a:lvl7pPr>
-              <a:defRPr sz="1600"/>
-            </a:lvl7pPr>
-            <a:lvl8pPr>
-              <a:defRPr sz="1600"/>
-            </a:lvl8pPr>
-            <a:lvl9pPr>
-              <a:defRPr sz="1600"/>
-            </a:lvl9pPr>
           </a:lstStyle>
           <a:p>
-            <a:pPr lvl="0"/>
-            <a:r>
-              <a:rPr lang="es-ES"/>
+            <a:pPr lvl="0" eaLnBrk="1" latinLnBrk="0" hangingPunct="1"/>
+            <a:r>
+              <a:rPr lang="es-ES" smtClean="0"/>
               <a:t>Haga clic para modificar el estilo de texto del patrón</a:t>
             </a:r>
           </a:p>
           <a:p>
-            <a:pPr lvl="1"/>
-            <a:r>
-              <a:rPr lang="es-ES"/>
+            <a:pPr lvl="1" eaLnBrk="1" latinLnBrk="0" hangingPunct="1"/>
+            <a:r>
+              <a:rPr lang="es-ES" smtClean="0"/>
               <a:t>Segundo nivel</a:t>
             </a:r>
           </a:p>
           <a:p>
-            <a:pPr lvl="2"/>
-            <a:r>
-              <a:rPr lang="es-ES"/>
+            <a:pPr lvl="2" eaLnBrk="1" latinLnBrk="0" hangingPunct="1"/>
+            <a:r>
+              <a:rPr lang="es-ES" smtClean="0"/>
               <a:t>Tercer nivel</a:t>
             </a:r>
           </a:p>
           <a:p>
-            <a:pPr lvl="3"/>
-            <a:r>
-              <a:rPr lang="es-ES"/>
+            <a:pPr lvl="3" eaLnBrk="1" latinLnBrk="0" hangingPunct="1"/>
+            <a:r>
+              <a:rPr lang="es-ES" smtClean="0"/>
               <a:t>Cuarto nivel</a:t>
             </a:r>
           </a:p>
           <a:p>
-            <a:pPr lvl="4"/>
-            <a:r>
-              <a:rPr lang="es-ES"/>
+            <a:pPr lvl="4" eaLnBrk="1" latinLnBrk="0" hangingPunct="1"/>
+            <a:r>
+              <a:rPr lang="es-ES" smtClean="0"/>
               <a:t>Quinto nivel</a:t>
             </a:r>
-          </a:p>
-        </p:txBody>
-      </p:sp>
-      <p:sp>
-        <p:nvSpPr>
-          <p:cNvPr id="5" name="4 Marcador de texto"/>
-          <p:cNvSpPr>
-            <a:spLocks noGrp="1"/>
-          </p:cNvSpPr>
-          <p:nvPr>
-            <p:ph type="body" sz="quarter" idx="3"/>
+            <a:endParaRPr kumimoji="0" lang="en-US"/>
+          </a:p>
+        </p:txBody>
+      </p:sp>
+      <p:sp>
+        <p:nvSpPr>
+          <p:cNvPr id="6" name="5 Marcador de contenido"/>
+          <p:cNvSpPr>
+            <a:spLocks noGrp="1"/>
+          </p:cNvSpPr>
+          <p:nvPr>
+            <p:ph sz="quarter" idx="4"/>
           </p:nvPr>
         </p:nvSpPr>
         <p:spPr>
           <a:xfrm>
-            <a:off x="4645025" y="1535113"/>
-            <a:ext cx="4041775" cy="639762"/>
-          </a:xfrm>
-        </p:spPr>
-        <p:txBody>
-          <a:bodyPr anchor="b"/>
-          <a:lstStyle>
-            <a:lvl1pPr marL="0" indent="0">
-              <a:buNone/>
-              <a:defRPr sz="2400" b="1"/>
-            </a:lvl1pPr>
-            <a:lvl2pPr marL="457200" indent="0">
-              <a:buNone/>
-              <a:defRPr sz="2000" b="1"/>
-            </a:lvl2pPr>
-            <a:lvl3pPr marL="914400" indent="0">
-              <a:buNone/>
-              <a:defRPr sz="1800" b="1"/>
-            </a:lvl3pPr>
-            <a:lvl4pPr marL="1371600" indent="0">
-              <a:buNone/>
-              <a:defRPr sz="1600" b="1"/>
-            </a:lvl4pPr>
-            <a:lvl5pPr marL="1828800" indent="0">
-              <a:buNone/>
-              <a:defRPr sz="1600" b="1"/>
-            </a:lvl5pPr>
-            <a:lvl6pPr marL="2286000" indent="0">
-              <a:buNone/>
-              <a:defRPr sz="1600" b="1"/>
-            </a:lvl6pPr>
-            <a:lvl7pPr marL="2743200" indent="0">
-              <a:buNone/>
-              <a:defRPr sz="1600" b="1"/>
-            </a:lvl7pPr>
-            <a:lvl8pPr marL="3200400" indent="0">
-              <a:buNone/>
-              <a:defRPr sz="1600" b="1"/>
-            </a:lvl8pPr>
-            <a:lvl9pPr marL="3657600" indent="0">
-              <a:buNone/>
-              <a:defRPr sz="1600" b="1"/>
-            </a:lvl9pPr>
-          </a:lstStyle>
-          <a:p>
-            <a:pPr lvl="0"/>
-            <a:r>
-              <a:rPr lang="es-ES"/>
-              <a:t>Haga clic para modificar el estilo de texto del patrón</a:t>
-            </a:r>
-          </a:p>
-        </p:txBody>
-      </p:sp>
-      <p:sp>
-        <p:nvSpPr>
-          <p:cNvPr id="6" name="5 Marcador de contenido"/>
-          <p:cNvSpPr>
-            <a:spLocks noGrp="1"/>
-          </p:cNvSpPr>
-          <p:nvPr>
-            <p:ph sz="quarter" idx="4"/>
-          </p:nvPr>
-        </p:nvSpPr>
-        <p:spPr>
-          <a:xfrm>
-            <a:off x="4645025" y="2174875"/>
-            <a:ext cx="4041775" cy="3951288"/>
+            <a:off x="4645025" y="1516912"/>
+            <a:ext cx="4041775" cy="3941763"/>
           </a:xfrm>
         </p:spPr>
         <p:txBody>
@@ -1676,53 +2073,42 @@
             <a:lvl5pPr>
               <a:defRPr sz="1600"/>
             </a:lvl5pPr>
-            <a:lvl6pPr>
-              <a:defRPr sz="1600"/>
-            </a:lvl6pPr>
-            <a:lvl7pPr>
-              <a:defRPr sz="1600"/>
-            </a:lvl7pPr>
-            <a:lvl8pPr>
-              <a:defRPr sz="1600"/>
-            </a:lvl8pPr>
-            <a:lvl9pPr>
-              <a:defRPr sz="1600"/>
-            </a:lvl9pPr>
           </a:lstStyle>
           <a:p>
-            <a:pPr lvl="0"/>
-            <a:r>
-              <a:rPr lang="es-ES"/>
+            <a:pPr lvl="0" eaLnBrk="1" latinLnBrk="0" hangingPunct="1"/>
+            <a:r>
+              <a:rPr lang="es-ES" smtClean="0"/>
               <a:t>Haga clic para modificar el estilo de texto del patrón</a:t>
             </a:r>
           </a:p>
           <a:p>
-            <a:pPr lvl="1"/>
-            <a:r>
-              <a:rPr lang="es-ES"/>
+            <a:pPr lvl="1" eaLnBrk="1" latinLnBrk="0" hangingPunct="1"/>
+            <a:r>
+              <a:rPr lang="es-ES" smtClean="0"/>
               <a:t>Segundo nivel</a:t>
             </a:r>
           </a:p>
           <a:p>
-            <a:pPr lvl="2"/>
-            <a:r>
-              <a:rPr lang="es-ES"/>
+            <a:pPr lvl="2" eaLnBrk="1" latinLnBrk="0" hangingPunct="1"/>
+            <a:r>
+              <a:rPr lang="es-ES" smtClean="0"/>
               <a:t>Tercer nivel</a:t>
             </a:r>
           </a:p>
           <a:p>
-            <a:pPr lvl="3"/>
-            <a:r>
-              <a:rPr lang="es-ES"/>
+            <a:pPr lvl="3" eaLnBrk="1" latinLnBrk="0" hangingPunct="1"/>
+            <a:r>
+              <a:rPr lang="es-ES" smtClean="0"/>
               <a:t>Cuarto nivel</a:t>
             </a:r>
           </a:p>
           <a:p>
-            <a:pPr lvl="4"/>
-            <a:r>
-              <a:rPr lang="es-ES"/>
+            <a:pPr lvl="4" eaLnBrk="1" latinLnBrk="0" hangingPunct="1"/>
+            <a:r>
+              <a:rPr lang="es-ES" smtClean="0"/>
               <a:t>Quinto nivel</a:t>
             </a:r>
+            <a:endParaRPr kumimoji="0" lang="en-US"/>
           </a:p>
         </p:txBody>
       </p:sp>
@@ -1743,9 +2129,10 @@
           <a:p>
             <a:fld id="{65BA0D81-69BF-454E-8955-4E199060296A}" type="datetimeFigureOut">
               <a:rPr lang="es-ES" smtClean="0"/>
-              <a:t>27/01/2026</a:t>
+              <a:pPr/>
+              <a:t>27.01.26</a:t>
             </a:fld>
-            <a:endParaRPr lang="es-ES"/>
+            <a:endParaRPr lang="es-ES" dirty="0"/>
           </a:p>
         </p:txBody>
       </p:sp>
@@ -1764,7 +2151,7 @@
           <a:bodyPr/>
           <a:lstStyle/>
           <a:p>
-            <a:endParaRPr lang="es-ES"/>
+            <a:endParaRPr lang="es-ES" dirty="0"/>
           </a:p>
         </p:txBody>
       </p:sp>
@@ -1785,9 +2172,10 @@
           <a:p>
             <a:fld id="{C092B6FF-F6CF-491A-824C-28BADD94F553}" type="slidenum">
               <a:rPr lang="es-ES" smtClean="0"/>
+              <a:pPr/>
               <a:t>‹Nº›</a:t>
             </a:fld>
-            <a:endParaRPr lang="es-ES"/>
+            <a:endParaRPr lang="es-ES" dirty="0"/>
           </a:p>
         </p:txBody>
       </p:sp>
@@ -1826,26 +2214,60 @@
             <p:ph type="title"/>
           </p:nvPr>
         </p:nvSpPr>
+        <p:spPr>
+          <a:xfrm>
+            <a:off x="457200" y="274320"/>
+            <a:ext cx="7470648" cy="1143000"/>
+          </a:xfrm>
+        </p:spPr>
+        <p:txBody>
+          <a:bodyPr anchor="ctr"/>
+          <a:lstStyle>
+            <a:lvl1pPr algn="l">
+              <a:defRPr sz="4600"/>
+            </a:lvl1pPr>
+          </a:lstStyle>
+          <a:p>
+            <a:r>
+              <a:rPr kumimoji="0" lang="es-ES" smtClean="0"/>
+              <a:t>Haga clic para modificar el estilo de título del patrón</a:t>
+            </a:r>
+            <a:endParaRPr kumimoji="0" lang="en-US"/>
+          </a:p>
+        </p:txBody>
+      </p:sp>
+      <p:sp>
+        <p:nvSpPr>
+          <p:cNvPr id="7" name="6 Marcador de fecha"/>
+          <p:cNvSpPr>
+            <a:spLocks noGrp="1"/>
+          </p:cNvSpPr>
+          <p:nvPr>
+            <p:ph type="dt" sz="half" idx="10"/>
+          </p:nvPr>
+        </p:nvSpPr>
         <p:spPr/>
         <p:txBody>
           <a:bodyPr/>
           <a:lstStyle/>
           <a:p>
-            <a:r>
-              <a:rPr lang="es-ES"/>
-              <a:t>Haga clic para modificar el estilo de título del patrón</a:t>
-            </a:r>
-          </a:p>
-        </p:txBody>
-      </p:sp>
-      <p:sp>
-        <p:nvSpPr>
-          <p:cNvPr id="3" name="2 Marcador de fecha"/>
-          <p:cNvSpPr>
-            <a:spLocks noGrp="1"/>
-          </p:cNvSpPr>
-          <p:nvPr>
-            <p:ph type="dt" sz="half" idx="10"/>
+            <a:fld id="{65BA0D81-69BF-454E-8955-4E199060296A}" type="datetimeFigureOut">
+              <a:rPr lang="es-ES" smtClean="0"/>
+              <a:pPr/>
+              <a:t>27.01.26</a:t>
+            </a:fld>
+            <a:endParaRPr lang="es-ES" dirty="0"/>
+          </a:p>
+        </p:txBody>
+      </p:sp>
+      <p:sp>
+        <p:nvSpPr>
+          <p:cNvPr id="8" name="7 Marcador de número de diapositiva"/>
+          <p:cNvSpPr>
+            <a:spLocks noGrp="1"/>
+          </p:cNvSpPr>
+          <p:nvPr>
+            <p:ph type="sldNum" sz="quarter" idx="11"/>
           </p:nvPr>
         </p:nvSpPr>
         <p:spPr/>
@@ -1853,53 +2275,31 @@
           <a:bodyPr/>
           <a:lstStyle/>
           <a:p>
-            <a:fld id="{65BA0D81-69BF-454E-8955-4E199060296A}" type="datetimeFigureOut">
-              <a:rPr lang="es-ES" smtClean="0"/>
-              <a:t>27/01/2026</a:t>
-            </a:fld>
-            <a:endParaRPr lang="es-ES"/>
-          </a:p>
-        </p:txBody>
-      </p:sp>
-      <p:sp>
-        <p:nvSpPr>
-          <p:cNvPr id="4" name="3 Marcador de pie de página"/>
-          <p:cNvSpPr>
-            <a:spLocks noGrp="1"/>
-          </p:cNvSpPr>
-          <p:nvPr>
-            <p:ph type="ftr" sz="quarter" idx="11"/>
-          </p:nvPr>
-        </p:nvSpPr>
-        <p:spPr/>
-        <p:txBody>
-          <a:bodyPr/>
-          <a:lstStyle/>
-          <a:p>
-            <a:endParaRPr lang="es-ES"/>
-          </a:p>
-        </p:txBody>
-      </p:sp>
-      <p:sp>
-        <p:nvSpPr>
-          <p:cNvPr id="5" name="4 Marcador de número de diapositiva"/>
-          <p:cNvSpPr>
-            <a:spLocks noGrp="1"/>
-          </p:cNvSpPr>
-          <p:nvPr>
-            <p:ph type="sldNum" sz="quarter" idx="12"/>
-          </p:nvPr>
-        </p:nvSpPr>
-        <p:spPr/>
-        <p:txBody>
-          <a:bodyPr/>
-          <a:lstStyle/>
-          <a:p>
             <a:fld id="{C092B6FF-F6CF-491A-824C-28BADD94F553}" type="slidenum">
               <a:rPr lang="es-ES" smtClean="0"/>
+              <a:pPr/>
               <a:t>‹Nº›</a:t>
             </a:fld>
-            <a:endParaRPr lang="es-ES"/>
+            <a:endParaRPr lang="es-ES" dirty="0"/>
+          </a:p>
+        </p:txBody>
+      </p:sp>
+      <p:sp>
+        <p:nvSpPr>
+          <p:cNvPr id="9" name="8 Marcador de pie de página"/>
+          <p:cNvSpPr>
+            <a:spLocks noGrp="1"/>
+          </p:cNvSpPr>
+          <p:nvPr>
+            <p:ph type="ftr" sz="quarter" idx="12"/>
+          </p:nvPr>
+        </p:nvSpPr>
+        <p:spPr/>
+        <p:txBody>
+          <a:bodyPr/>
+          <a:lstStyle/>
+          <a:p>
+            <a:endParaRPr lang="es-ES" dirty="0"/>
           </a:p>
         </p:txBody>
       </p:sp>
@@ -1945,9 +2345,10 @@
           <a:p>
             <a:fld id="{65BA0D81-69BF-454E-8955-4E199060296A}" type="datetimeFigureOut">
               <a:rPr lang="es-ES" smtClean="0"/>
-              <a:t>27/01/2026</a:t>
+              <a:pPr/>
+              <a:t>27.01.26</a:t>
             </a:fld>
-            <a:endParaRPr lang="es-ES"/>
+            <a:endParaRPr lang="es-ES" dirty="0"/>
           </a:p>
         </p:txBody>
       </p:sp>
@@ -1966,7 +2367,7 @@
           <a:bodyPr/>
           <a:lstStyle/>
           <a:p>
-            <a:endParaRPr lang="es-ES"/>
+            <a:endParaRPr lang="es-ES" dirty="0"/>
           </a:p>
         </p:txBody>
       </p:sp>
@@ -1987,9 +2388,10 @@
           <a:p>
             <a:fld id="{C092B6FF-F6CF-491A-824C-28BADD94F553}" type="slidenum">
               <a:rPr lang="es-ES" smtClean="0"/>
+              <a:pPr/>
               <a:t>‹Nº›</a:t>
             </a:fld>
-            <a:endParaRPr lang="es-ES"/>
+            <a:endParaRPr lang="es-ES" dirty="0"/>
           </a:p>
         </p:txBody>
       </p:sp>
@@ -2030,52 +2432,107 @@
         </p:nvSpPr>
         <p:spPr>
           <a:xfrm>
-            <a:off x="457200" y="273050"/>
-            <a:ext cx="3008313" cy="1162050"/>
-          </a:xfrm>
-        </p:spPr>
-        <p:txBody>
-          <a:bodyPr anchor="b"/>
+            <a:off x="457200" y="1185528"/>
+            <a:ext cx="3200400" cy="730250"/>
+          </a:xfrm>
+        </p:spPr>
+        <p:txBody>
+          <a:bodyPr tIns="0" bIns="0" anchor="t"/>
           <a:lstStyle>
             <a:lvl1pPr algn="l">
-              <a:defRPr sz="2000" b="1"/>
+              <a:buNone/>
+              <a:defRPr sz="1800" b="1">
+                <a:solidFill>
+                  <a:schemeClr val="accent1"/>
+                </a:solidFill>
+              </a:defRPr>
             </a:lvl1pPr>
           </a:lstStyle>
           <a:p>
             <a:r>
-              <a:rPr lang="es-ES"/>
+              <a:rPr kumimoji="0" lang="es-ES" smtClean="0"/>
               <a:t>Haga clic para modificar el estilo de título del patrón</a:t>
             </a:r>
-          </a:p>
-        </p:txBody>
-      </p:sp>
-      <p:sp>
-        <p:nvSpPr>
-          <p:cNvPr id="3" name="2 Marcador de contenido"/>
-          <p:cNvSpPr>
-            <a:spLocks noGrp="1"/>
-          </p:cNvSpPr>
-          <p:nvPr>
-            <p:ph idx="1"/>
+            <a:endParaRPr kumimoji="0" lang="en-US"/>
+          </a:p>
+        </p:txBody>
+      </p:sp>
+      <p:sp>
+        <p:nvSpPr>
+          <p:cNvPr id="3" name="2 Marcador de texto"/>
+          <p:cNvSpPr>
+            <a:spLocks noGrp="1"/>
+          </p:cNvSpPr>
+          <p:nvPr>
+            <p:ph type="body" idx="2"/>
           </p:nvPr>
         </p:nvSpPr>
         <p:spPr>
           <a:xfrm>
-            <a:off x="3575050" y="273050"/>
-            <a:ext cx="5111750" cy="5853113"/>
+            <a:off x="457200" y="214424"/>
+            <a:ext cx="2743200" cy="914400"/>
+          </a:xfrm>
+        </p:spPr>
+        <p:txBody>
+          <a:bodyPr lIns="45720" tIns="0" rIns="45720" bIns="0" anchor="b"/>
+          <a:lstStyle>
+            <a:lvl1pPr marL="0" indent="0" algn="l">
+              <a:buNone/>
+              <a:defRPr sz="1400"/>
+            </a:lvl1pPr>
+            <a:lvl2pPr>
+              <a:buNone/>
+              <a:defRPr sz="1200"/>
+            </a:lvl2pPr>
+            <a:lvl3pPr>
+              <a:buNone/>
+              <a:defRPr sz="1000"/>
+            </a:lvl3pPr>
+            <a:lvl4pPr>
+              <a:buNone/>
+              <a:defRPr sz="900"/>
+            </a:lvl4pPr>
+            <a:lvl5pPr>
+              <a:buNone/>
+              <a:defRPr sz="900"/>
+            </a:lvl5pPr>
+          </a:lstStyle>
+          <a:p>
+            <a:pPr lvl="0" eaLnBrk="1" latinLnBrk="0" hangingPunct="1"/>
+            <a:r>
+              <a:rPr kumimoji="0" lang="es-ES" smtClean="0"/>
+              <a:t>Haga clic para modificar el estilo de texto del patrón</a:t>
+            </a:r>
+          </a:p>
+        </p:txBody>
+      </p:sp>
+      <p:sp>
+        <p:nvSpPr>
+          <p:cNvPr id="4" name="3 Marcador de contenido"/>
+          <p:cNvSpPr>
+            <a:spLocks noGrp="1"/>
+          </p:cNvSpPr>
+          <p:nvPr>
+            <p:ph sz="half" idx="1"/>
+          </p:nvPr>
+        </p:nvSpPr>
+        <p:spPr>
+          <a:xfrm>
+            <a:off x="457200" y="1981200"/>
+            <a:ext cx="7086600" cy="3810000"/>
           </a:xfrm>
         </p:spPr>
         <p:txBody>
           <a:bodyPr/>
           <a:lstStyle>
             <a:lvl1pPr>
-              <a:defRPr sz="3200"/>
+              <a:defRPr sz="2800"/>
             </a:lvl1pPr>
             <a:lvl2pPr>
-              <a:defRPr sz="2800"/>
+              <a:defRPr sz="2400"/>
             </a:lvl2pPr>
             <a:lvl3pPr>
-              <a:defRPr sz="2400"/>
+              <a:defRPr sz="2200"/>
             </a:lvl3pPr>
             <a:lvl4pPr>
               <a:defRPr sz="2000"/>
@@ -2083,183 +2540,114 @@
             <a:lvl5pPr>
               <a:defRPr sz="2000"/>
             </a:lvl5pPr>
-            <a:lvl6pPr>
-              <a:defRPr sz="2000"/>
-            </a:lvl6pPr>
-            <a:lvl7pPr>
-              <a:defRPr sz="2000"/>
-            </a:lvl7pPr>
-            <a:lvl8pPr>
-              <a:defRPr sz="2000"/>
-            </a:lvl8pPr>
-            <a:lvl9pPr>
-              <a:defRPr sz="2000"/>
-            </a:lvl9pPr>
           </a:lstStyle>
           <a:p>
-            <a:pPr lvl="0"/>
-            <a:r>
-              <a:rPr lang="es-ES"/>
+            <a:pPr lvl="0" eaLnBrk="1" latinLnBrk="0" hangingPunct="1"/>
+            <a:r>
+              <a:rPr lang="es-ES" smtClean="0"/>
               <a:t>Haga clic para modificar el estilo de texto del patrón</a:t>
             </a:r>
           </a:p>
           <a:p>
-            <a:pPr lvl="1"/>
-            <a:r>
-              <a:rPr lang="es-ES"/>
+            <a:pPr lvl="1" eaLnBrk="1" latinLnBrk="0" hangingPunct="1"/>
+            <a:r>
+              <a:rPr lang="es-ES" smtClean="0"/>
               <a:t>Segundo nivel</a:t>
             </a:r>
           </a:p>
           <a:p>
-            <a:pPr lvl="2"/>
-            <a:r>
-              <a:rPr lang="es-ES"/>
+            <a:pPr lvl="2" eaLnBrk="1" latinLnBrk="0" hangingPunct="1"/>
+            <a:r>
+              <a:rPr lang="es-ES" smtClean="0"/>
               <a:t>Tercer nivel</a:t>
             </a:r>
           </a:p>
           <a:p>
-            <a:pPr lvl="3"/>
-            <a:r>
-              <a:rPr lang="es-ES"/>
+            <a:pPr lvl="3" eaLnBrk="1" latinLnBrk="0" hangingPunct="1"/>
+            <a:r>
+              <a:rPr lang="es-ES" smtClean="0"/>
               <a:t>Cuarto nivel</a:t>
             </a:r>
           </a:p>
           <a:p>
-            <a:pPr lvl="4"/>
-            <a:r>
-              <a:rPr lang="es-ES"/>
+            <a:pPr lvl="4" eaLnBrk="1" latinLnBrk="0" hangingPunct="1"/>
+            <a:r>
+              <a:rPr lang="es-ES" smtClean="0"/>
               <a:t>Quinto nivel</a:t>
             </a:r>
-          </a:p>
-        </p:txBody>
-      </p:sp>
-      <p:sp>
-        <p:nvSpPr>
-          <p:cNvPr id="4" name="3 Marcador de texto"/>
-          <p:cNvSpPr>
-            <a:spLocks noGrp="1"/>
-          </p:cNvSpPr>
-          <p:nvPr>
-            <p:ph type="body" sz="half" idx="2"/>
+            <a:endParaRPr kumimoji="0" lang="en-US"/>
+          </a:p>
+        </p:txBody>
+      </p:sp>
+      <p:sp>
+        <p:nvSpPr>
+          <p:cNvPr id="5" name="4 Marcador de fecha"/>
+          <p:cNvSpPr>
+            <a:spLocks noGrp="1"/>
+          </p:cNvSpPr>
+          <p:nvPr>
+            <p:ph type="dt" sz="half" idx="10"/>
+          </p:nvPr>
+        </p:nvSpPr>
+        <p:spPr/>
+        <p:txBody>
+          <a:bodyPr/>
+          <a:lstStyle/>
+          <a:p>
+            <a:fld id="{65BA0D81-69BF-454E-8955-4E199060296A}" type="datetimeFigureOut">
+              <a:rPr lang="es-ES" smtClean="0"/>
+              <a:pPr/>
+              <a:t>27.01.26</a:t>
+            </a:fld>
+            <a:endParaRPr lang="es-ES" dirty="0"/>
+          </a:p>
+        </p:txBody>
+      </p:sp>
+      <p:sp>
+        <p:nvSpPr>
+          <p:cNvPr id="6" name="5 Marcador de pie de página"/>
+          <p:cNvSpPr>
+            <a:spLocks noGrp="1"/>
+          </p:cNvSpPr>
+          <p:nvPr>
+            <p:ph type="ftr" sz="quarter" idx="11"/>
+          </p:nvPr>
+        </p:nvSpPr>
+        <p:spPr/>
+        <p:txBody>
+          <a:bodyPr/>
+          <a:lstStyle/>
+          <a:p>
+            <a:endParaRPr lang="es-ES" dirty="0"/>
+          </a:p>
+        </p:txBody>
+      </p:sp>
+      <p:sp>
+        <p:nvSpPr>
+          <p:cNvPr id="7" name="6 Marcador de número de diapositiva"/>
+          <p:cNvSpPr>
+            <a:spLocks noGrp="1"/>
+          </p:cNvSpPr>
+          <p:nvPr>
+            <p:ph type="sldNum" sz="quarter" idx="12"/>
           </p:nvPr>
         </p:nvSpPr>
         <p:spPr>
           <a:xfrm>
-            <a:off x="457200" y="1435100"/>
-            <a:ext cx="3008313" cy="4691063"/>
+            <a:off x="8156448" y="6422064"/>
+            <a:ext cx="762000" cy="365125"/>
           </a:xfrm>
         </p:spPr>
         <p:txBody>
           <a:bodyPr/>
-          <a:lstStyle>
-            <a:lvl1pPr marL="0" indent="0">
-              <a:buNone/>
-              <a:defRPr sz="1400"/>
-            </a:lvl1pPr>
-            <a:lvl2pPr marL="457200" indent="0">
-              <a:buNone/>
-              <a:defRPr sz="1200"/>
-            </a:lvl2pPr>
-            <a:lvl3pPr marL="914400" indent="0">
-              <a:buNone/>
-              <a:defRPr sz="1000"/>
-            </a:lvl3pPr>
-            <a:lvl4pPr marL="1371600" indent="0">
-              <a:buNone/>
-              <a:defRPr sz="900"/>
-            </a:lvl4pPr>
-            <a:lvl5pPr marL="1828800" indent="0">
-              <a:buNone/>
-              <a:defRPr sz="900"/>
-            </a:lvl5pPr>
-            <a:lvl6pPr marL="2286000" indent="0">
-              <a:buNone/>
-              <a:defRPr sz="900"/>
-            </a:lvl6pPr>
-            <a:lvl7pPr marL="2743200" indent="0">
-              <a:buNone/>
-              <a:defRPr sz="900"/>
-            </a:lvl7pPr>
-            <a:lvl8pPr marL="3200400" indent="0">
-              <a:buNone/>
-              <a:defRPr sz="900"/>
-            </a:lvl8pPr>
-            <a:lvl9pPr marL="3657600" indent="0">
-              <a:buNone/>
-              <a:defRPr sz="900"/>
-            </a:lvl9pPr>
-          </a:lstStyle>
-          <a:p>
-            <a:pPr lvl="0"/>
-            <a:r>
-              <a:rPr lang="es-ES"/>
-              <a:t>Haga clic para modificar el estilo de texto del patrón</a:t>
-            </a:r>
-          </a:p>
-        </p:txBody>
-      </p:sp>
-      <p:sp>
-        <p:nvSpPr>
-          <p:cNvPr id="5" name="4 Marcador de fecha"/>
-          <p:cNvSpPr>
-            <a:spLocks noGrp="1"/>
-          </p:cNvSpPr>
-          <p:nvPr>
-            <p:ph type="dt" sz="half" idx="10"/>
-          </p:nvPr>
-        </p:nvSpPr>
-        <p:spPr/>
-        <p:txBody>
-          <a:bodyPr/>
-          <a:lstStyle/>
-          <a:p>
-            <a:fld id="{65BA0D81-69BF-454E-8955-4E199060296A}" type="datetimeFigureOut">
-              <a:rPr lang="es-ES" smtClean="0"/>
-              <a:t>27/01/2026</a:t>
-            </a:fld>
-            <a:endParaRPr lang="es-ES"/>
-          </a:p>
-        </p:txBody>
-      </p:sp>
-      <p:sp>
-        <p:nvSpPr>
-          <p:cNvPr id="6" name="5 Marcador de pie de página"/>
-          <p:cNvSpPr>
-            <a:spLocks noGrp="1"/>
-          </p:cNvSpPr>
-          <p:nvPr>
-            <p:ph type="ftr" sz="quarter" idx="11"/>
-          </p:nvPr>
-        </p:nvSpPr>
-        <p:spPr/>
-        <p:txBody>
-          <a:bodyPr/>
-          <a:lstStyle/>
-          <a:p>
-            <a:endParaRPr lang="es-ES"/>
-          </a:p>
-        </p:txBody>
-      </p:sp>
-      <p:sp>
-        <p:nvSpPr>
-          <p:cNvPr id="7" name="6 Marcador de número de diapositiva"/>
-          <p:cNvSpPr>
-            <a:spLocks noGrp="1"/>
-          </p:cNvSpPr>
-          <p:nvPr>
-            <p:ph type="sldNum" sz="quarter" idx="12"/>
-          </p:nvPr>
-        </p:nvSpPr>
-        <p:spPr/>
-        <p:txBody>
-          <a:bodyPr/>
           <a:lstStyle/>
           <a:p>
             <a:fld id="{C092B6FF-F6CF-491A-824C-28BADD94F553}" type="slidenum">
               <a:rPr lang="es-ES" smtClean="0"/>
+              <a:pPr/>
               <a:t>‹Nº›</a:t>
             </a:fld>
-            <a:endParaRPr lang="es-ES"/>
+            <a:endParaRPr lang="es-ES" dirty="0"/>
           </a:p>
         </p:txBody>
       </p:sp>
@@ -2272,7 +2660,7 @@
 </file>
 
 <file path=ppt/slideLayouts/slideLayout9.xml><?xml version="1.0" encoding="utf-8"?>
-<p:sldLayout xmlns:a="http://schemas.openxmlformats.org/drawingml/2006/main" xmlns:r="http://schemas.openxmlformats.org/officeDocument/2006/relationships" xmlns:p="http://schemas.openxmlformats.org/presentationml/2006/main" type="picTx" preserve="1">
+<p:sldLayout xmlns:a="http://schemas.openxmlformats.org/drawingml/2006/main" xmlns:r="http://schemas.openxmlformats.org/officeDocument/2006/relationships" xmlns:p="http://schemas.openxmlformats.org/presentationml/2006/main" showMasterSp="0" type="picTx" preserve="1">
   <p:cSld name="Imagen con título">
     <p:spTree>
       <p:nvGrpSpPr>
@@ -2300,22 +2688,28 @@
         </p:nvSpPr>
         <p:spPr>
           <a:xfrm>
-            <a:off x="1792288" y="4800600"/>
-            <a:ext cx="5486400" cy="566738"/>
+            <a:off x="5556732" y="1705709"/>
+            <a:ext cx="3053868" cy="1253808"/>
           </a:xfrm>
         </p:spPr>
         <p:txBody>
           <a:bodyPr anchor="b"/>
           <a:lstStyle>
             <a:lvl1pPr algn="l">
-              <a:defRPr sz="2000" b="1"/>
+              <a:buNone/>
+              <a:defRPr sz="2200" b="1">
+                <a:solidFill>
+                  <a:schemeClr val="accent1"/>
+                </a:solidFill>
+              </a:defRPr>
             </a:lvl1pPr>
           </a:lstStyle>
           <a:p>
             <a:r>
-              <a:rPr lang="es-ES"/>
+              <a:rPr kumimoji="0" lang="es-ES" smtClean="0"/>
               <a:t>Haga clic para modificar el estilo de título del patrón</a:t>
             </a:r>
+            <a:endParaRPr kumimoji="0" lang="en-US"/>
           </a:p>
         </p:txBody>
       </p:sp>
@@ -2331,9 +2725,44 @@
         </p:nvSpPr>
         <p:spPr>
           <a:xfrm>
-            <a:off x="1792288" y="612775"/>
-            <a:ext cx="5486400" cy="4114800"/>
-          </a:xfrm>
+            <a:off x="1065628" y="1019907"/>
+            <a:ext cx="4114800" cy="4114800"/>
+          </a:xfrm>
+          <a:prstGeom prst="ellipse">
+            <a:avLst/>
+          </a:prstGeom>
+          <a:solidFill>
+            <a:schemeClr val="bg2">
+              <a:shade val="50000"/>
+            </a:schemeClr>
+          </a:solidFill>
+          <a:ln w="50800" cap="flat">
+            <a:solidFill>
+              <a:schemeClr val="bg2"/>
+            </a:solidFill>
+            <a:miter lim="800000"/>
+          </a:ln>
+          <a:effectLst>
+            <a:outerShdw blurRad="152000" dist="345000" dir="5400000" sx="-80000" sy="-18000" rotWithShape="0">
+              <a:srgbClr val="000000">
+                <a:alpha val="25000"/>
+              </a:srgbClr>
+            </a:outerShdw>
+          </a:effectLst>
+          <a:scene3d>
+            <a:camera prst="orthographicFront"/>
+            <a:lightRig rig="contrasting" dir="t">
+              <a:rot lat="0" lon="0" rev="2400000"/>
+            </a:lightRig>
+          </a:scene3d>
+          <a:sp3d contourW="7620">
+            <a:bevelT w="63500" h="63500"/>
+            <a:contourClr>
+              <a:schemeClr val="bg2">
+                <a:shade val="50000"/>
+              </a:schemeClr>
+            </a:contourClr>
+          </a:sp3d>
         </p:spPr>
         <p:txBody>
           <a:bodyPr/>
@@ -2342,41 +2771,13 @@
               <a:buNone/>
               <a:defRPr sz="3200"/>
             </a:lvl1pPr>
-            <a:lvl2pPr marL="457200" indent="0">
-              <a:buNone/>
-              <a:defRPr sz="2800"/>
-            </a:lvl2pPr>
-            <a:lvl3pPr marL="914400" indent="0">
-              <a:buNone/>
-              <a:defRPr sz="2400"/>
-            </a:lvl3pPr>
-            <a:lvl4pPr marL="1371600" indent="0">
-              <a:buNone/>
-              <a:defRPr sz="2000"/>
-            </a:lvl4pPr>
-            <a:lvl5pPr marL="1828800" indent="0">
-              <a:buNone/>
-              <a:defRPr sz="2000"/>
-            </a:lvl5pPr>
-            <a:lvl6pPr marL="2286000" indent="0">
-              <a:buNone/>
-              <a:defRPr sz="2000"/>
-            </a:lvl6pPr>
-            <a:lvl7pPr marL="2743200" indent="0">
-              <a:buNone/>
-              <a:defRPr sz="2000"/>
-            </a:lvl7pPr>
-            <a:lvl8pPr marL="3200400" indent="0">
-              <a:buNone/>
-              <a:defRPr sz="2000"/>
-            </a:lvl8pPr>
-            <a:lvl9pPr marL="3657600" indent="0">
-              <a:buNone/>
-              <a:defRPr sz="2000"/>
-            </a:lvl9pPr>
           </a:lstStyle>
           <a:p>
-            <a:endParaRPr lang="es-ES"/>
+            <a:r>
+              <a:rPr kumimoji="0" lang="es-ES" dirty="0" smtClean="0"/>
+              <a:t>Haga clic en el icono para agregar una imagen</a:t>
+            </a:r>
+            <a:endParaRPr kumimoji="0" lang="en-US" dirty="0"/>
           </a:p>
         </p:txBody>
       </p:sp>
@@ -2392,54 +2793,43 @@
         </p:nvSpPr>
         <p:spPr>
           <a:xfrm>
-            <a:off x="1792288" y="5367338"/>
-            <a:ext cx="5486400" cy="804862"/>
-          </a:xfrm>
-        </p:spPr>
-        <p:txBody>
-          <a:bodyPr/>
+            <a:off x="5556734" y="2998765"/>
+            <a:ext cx="3053866" cy="2663482"/>
+          </a:xfrm>
+        </p:spPr>
+        <p:txBody>
+          <a:bodyPr lIns="45720" rIns="45720"/>
           <a:lstStyle>
             <a:lvl1pPr marL="0" indent="0">
+              <a:buFontTx/>
               <a:buNone/>
-              <a:defRPr sz="1400"/>
+              <a:defRPr sz="1200"/>
             </a:lvl1pPr>
-            <a:lvl2pPr marL="457200" indent="0">
+            <a:lvl2pPr>
+              <a:buFontTx/>
               <a:buNone/>
               <a:defRPr sz="1200"/>
             </a:lvl2pPr>
-            <a:lvl3pPr marL="914400" indent="0">
+            <a:lvl3pPr>
+              <a:buFontTx/>
               <a:buNone/>
               <a:defRPr sz="1000"/>
             </a:lvl3pPr>
-            <a:lvl4pPr marL="1371600" indent="0">
+            <a:lvl4pPr>
+              <a:buFontTx/>
               <a:buNone/>
               <a:defRPr sz="900"/>
             </a:lvl4pPr>
-            <a:lvl5pPr marL="1828800" indent="0">
+            <a:lvl5pPr>
+              <a:buFontTx/>
               <a:buNone/>
               <a:defRPr sz="900"/>
             </a:lvl5pPr>
-            <a:lvl6pPr marL="2286000" indent="0">
-              <a:buNone/>
-              <a:defRPr sz="900"/>
-            </a:lvl6pPr>
-            <a:lvl7pPr marL="2743200" indent="0">
-              <a:buNone/>
-              <a:defRPr sz="900"/>
-            </a:lvl7pPr>
-            <a:lvl8pPr marL="3200400" indent="0">
-              <a:buNone/>
-              <a:defRPr sz="900"/>
-            </a:lvl8pPr>
-            <a:lvl9pPr marL="3657600" indent="0">
-              <a:buNone/>
-              <a:defRPr sz="900"/>
-            </a:lvl9pPr>
           </a:lstStyle>
           <a:p>
-            <a:pPr lvl="0"/>
-            <a:r>
-              <a:rPr lang="es-ES"/>
+            <a:pPr lvl="0" eaLnBrk="1" latinLnBrk="0" hangingPunct="1"/>
+            <a:r>
+              <a:rPr kumimoji="0" lang="es-ES" smtClean="0"/>
               <a:t>Haga clic para modificar el estilo de texto del patrón</a:t>
             </a:r>
           </a:p>
@@ -2455,27 +2845,52 @@
             <p:ph type="dt" sz="half" idx="10"/>
           </p:nvPr>
         </p:nvSpPr>
+        <p:spPr>
+          <a:xfrm>
+            <a:off x="457200" y="6422064"/>
+            <a:ext cx="2133600" cy="365125"/>
+          </a:xfrm>
+        </p:spPr>
+        <p:txBody>
+          <a:bodyPr/>
+          <a:lstStyle/>
+          <a:p>
+            <a:fld id="{65BA0D81-69BF-454E-8955-4E199060296A}" type="datetimeFigureOut">
+              <a:rPr lang="es-ES" smtClean="0"/>
+              <a:pPr/>
+              <a:t>27.01.26</a:t>
+            </a:fld>
+            <a:endParaRPr lang="es-ES" dirty="0"/>
+          </a:p>
+        </p:txBody>
+      </p:sp>
+      <p:sp>
+        <p:nvSpPr>
+          <p:cNvPr id="6" name="5 Marcador de pie de página"/>
+          <p:cNvSpPr>
+            <a:spLocks noGrp="1"/>
+          </p:cNvSpPr>
+          <p:nvPr>
+            <p:ph type="ftr" sz="quarter" idx="11"/>
+          </p:nvPr>
+        </p:nvSpPr>
         <p:spPr/>
         <p:txBody>
           <a:bodyPr/>
           <a:lstStyle/>
           <a:p>
-            <a:fld id="{65BA0D81-69BF-454E-8955-4E199060296A}" type="datetimeFigureOut">
-              <a:rPr lang="es-ES" smtClean="0"/>
-              <a:t>27/01/2026</a:t>
-            </a:fld>
-            <a:endParaRPr lang="es-ES"/>
-          </a:p>
-        </p:txBody>
-      </p:sp>
-      <p:sp>
-        <p:nvSpPr>
-          <p:cNvPr id="6" name="5 Marcador de pie de página"/>
-          <p:cNvSpPr>
-            <a:spLocks noGrp="1"/>
-          </p:cNvSpPr>
-          <p:nvPr>
-            <p:ph type="ftr" sz="quarter" idx="11"/>
+            <a:endParaRPr lang="es-ES" dirty="0"/>
+          </a:p>
+        </p:txBody>
+      </p:sp>
+      <p:sp>
+        <p:nvSpPr>
+          <p:cNvPr id="7" name="6 Marcador de número de diapositiva"/>
+          <p:cNvSpPr>
+            <a:spLocks noGrp="1"/>
+          </p:cNvSpPr>
+          <p:nvPr>
+            <p:ph type="sldNum" sz="quarter" idx="12"/>
           </p:nvPr>
         </p:nvSpPr>
         <p:spPr/>
@@ -2483,30 +2898,12 @@
           <a:bodyPr/>
           <a:lstStyle/>
           <a:p>
-            <a:endParaRPr lang="es-ES"/>
-          </a:p>
-        </p:txBody>
-      </p:sp>
-      <p:sp>
-        <p:nvSpPr>
-          <p:cNvPr id="7" name="6 Marcador de número de diapositiva"/>
-          <p:cNvSpPr>
-            <a:spLocks noGrp="1"/>
-          </p:cNvSpPr>
-          <p:nvPr>
-            <p:ph type="sldNum" sz="quarter" idx="12"/>
-          </p:nvPr>
-        </p:nvSpPr>
-        <p:spPr/>
-        <p:txBody>
-          <a:bodyPr/>
-          <a:lstStyle/>
-          <a:p>
             <a:fld id="{C092B6FF-F6CF-491A-824C-28BADD94F553}" type="slidenum">
               <a:rPr lang="es-ES" smtClean="0"/>
+              <a:pPr/>
               <a:t>‹Nº›</a:t>
             </a:fld>
-            <a:endParaRPr lang="es-ES"/>
+            <a:endParaRPr lang="es-ES" dirty="0"/>
           </a:p>
         </p:txBody>
       </p:sp>
@@ -2523,7 +2920,7 @@
   <p:cSld>
     <p:bg>
       <p:bgRef idx="1001">
-        <a:schemeClr val="bg1"/>
+        <a:schemeClr val="bg2"/>
       </p:bgRef>
     </p:bg>
     <p:spTree>
@@ -2542,7 +2939,203 @@
       </p:grpSpPr>
       <p:sp>
         <p:nvSpPr>
-          <p:cNvPr id="2" name="1 Marcador de título"/>
+          <p:cNvPr id="12" name="11 Forma libre"/>
+          <p:cNvSpPr>
+            <a:spLocks/>
+          </p:cNvSpPr>
+          <p:nvPr/>
+        </p:nvSpPr>
+        <p:spPr bwMode="auto">
+          <a:xfrm>
+            <a:off x="0" y="4752126"/>
+            <a:ext cx="9144000" cy="2112962"/>
+          </a:xfrm>
+          <a:custGeom>
+            <a:avLst>
+              <a:gd name="A1" fmla="val 0"/>
+              <a:gd name="A2" fmla="val 0"/>
+              <a:gd name="A3" fmla="val 0"/>
+              <a:gd name="A4" fmla="val 0"/>
+              <a:gd name="A5" fmla="val 0"/>
+              <a:gd name="A6" fmla="val 0"/>
+              <a:gd name="A7" fmla="val 0"/>
+              <a:gd name="A8" fmla="val 0"/>
+            </a:avLst>
+            <a:gdLst/>
+            <a:ahLst/>
+            <a:cxnLst>
+              <a:cxn ang="0">
+                <a:pos x="0" y="1066"/>
+              </a:cxn>
+              <a:cxn ang="0">
+                <a:pos x="0" y="1331"/>
+              </a:cxn>
+              <a:cxn ang="0">
+                <a:pos x="5760" y="1331"/>
+              </a:cxn>
+              <a:cxn ang="0">
+                <a:pos x="5760" y="0"/>
+              </a:cxn>
+              <a:cxn ang="0">
+                <a:pos x="0" y="1066"/>
+              </a:cxn>
+            </a:cxnLst>
+            <a:rect l="0" t="0" r="0" b="0"/>
+            <a:pathLst>
+              <a:path w="5760" h="1331">
+                <a:moveTo>
+                  <a:pt x="0" y="1066"/>
+                </a:moveTo>
+                <a:lnTo>
+                  <a:pt x="0" y="1331"/>
+                </a:lnTo>
+                <a:lnTo>
+                  <a:pt x="5760" y="1331"/>
+                </a:lnTo>
+                <a:lnTo>
+                  <a:pt x="5760" y="0"/>
+                </a:lnTo>
+                <a:cubicBezTo>
+                  <a:pt x="3220" y="1206"/>
+                  <a:pt x="2250" y="1146"/>
+                  <a:pt x="0" y="1066"/>
+                </a:cubicBezTo>
+                <a:close/>
+              </a:path>
+            </a:pathLst>
+          </a:custGeom>
+          <a:solidFill>
+            <a:schemeClr val="bg1">
+              <a:tint val="80000"/>
+              <a:satMod val="200000"/>
+              <a:alpha val="45000"/>
+            </a:schemeClr>
+          </a:solidFill>
+          <a:ln w="9525" cap="flat" cmpd="sng" algn="ctr">
+            <a:noFill/>
+            <a:prstDash val="solid"/>
+            <a:round/>
+            <a:headEnd type="none" w="med" len="med"/>
+            <a:tailEnd type="none" w="med" len="med"/>
+          </a:ln>
+          <a:effectLst>
+            <a:outerShdw blurRad="50800" dist="44450" dir="16200000" algn="ctr" rotWithShape="0">
+              <a:prstClr val="black">
+                <a:alpha val="35000"/>
+              </a:prstClr>
+            </a:outerShdw>
+          </a:effectLst>
+        </p:spPr>
+        <p:txBody>
+          <a:bodyPr vert="horz" wrap="square" lIns="91440" tIns="45720" rIns="91440" bIns="45720" anchor="t" compatLnSpc="1"/>
+          <a:lstStyle/>
+          <a:p>
+            <a:endParaRPr kumimoji="0" lang="en-US" dirty="0"/>
+          </a:p>
+        </p:txBody>
+      </p:sp>
+      <p:sp>
+        <p:nvSpPr>
+          <p:cNvPr id="16" name="15 Forma libre"/>
+          <p:cNvSpPr>
+            <a:spLocks/>
+          </p:cNvSpPr>
+          <p:nvPr/>
+        </p:nvSpPr>
+        <p:spPr bwMode="auto">
+          <a:xfrm>
+            <a:off x="7315200" y="0"/>
+            <a:ext cx="1828800" cy="6858000"/>
+          </a:xfrm>
+          <a:custGeom>
+            <a:avLst/>
+            <a:gdLst>
+              <a:gd name="connsiteX0" fmla="*/ 1914 w 1914"/>
+              <a:gd name="connsiteY0" fmla="*/ 9 h 4329"/>
+              <a:gd name="connsiteX1" fmla="*/ 1914 w 1914"/>
+              <a:gd name="connsiteY1" fmla="*/ 4329 h 4329"/>
+              <a:gd name="connsiteX2" fmla="*/ 204 w 1914"/>
+              <a:gd name="connsiteY2" fmla="*/ 4327 h 4329"/>
+              <a:gd name="connsiteX3" fmla="*/ 0 w 1914"/>
+              <a:gd name="connsiteY3" fmla="*/ 0 h 4329"/>
+              <a:gd name="connsiteX4" fmla="*/ 1914 w 1914"/>
+              <a:gd name="connsiteY4" fmla="*/ 9 h 4329"/>
+            </a:gdLst>
+            <a:ahLst/>
+            <a:cxnLst>
+              <a:cxn ang="0">
+                <a:pos x="connsiteX0" y="connsiteY0"/>
+              </a:cxn>
+              <a:cxn ang="0">
+                <a:pos x="connsiteX1" y="connsiteY1"/>
+              </a:cxn>
+              <a:cxn ang="0">
+                <a:pos x="connsiteX2" y="connsiteY2"/>
+              </a:cxn>
+              <a:cxn ang="0">
+                <a:pos x="connsiteX3" y="connsiteY3"/>
+              </a:cxn>
+              <a:cxn ang="0">
+                <a:pos x="connsiteX4" y="connsiteY4"/>
+              </a:cxn>
+            </a:cxnLst>
+            <a:rect l="l" t="t" r="r" b="b"/>
+            <a:pathLst>
+              <a:path w="1914" h="4329">
+                <a:moveTo>
+                  <a:pt x="1914" y="9"/>
+                </a:moveTo>
+                <a:lnTo>
+                  <a:pt x="1914" y="4329"/>
+                </a:lnTo>
+                <a:lnTo>
+                  <a:pt x="204" y="4327"/>
+                </a:lnTo>
+                <a:cubicBezTo>
+                  <a:pt x="1288" y="3574"/>
+                  <a:pt x="2082" y="1734"/>
+                  <a:pt x="0" y="0"/>
+                </a:cubicBezTo>
+                <a:lnTo>
+                  <a:pt x="1914" y="9"/>
+                </a:lnTo>
+                <a:close/>
+              </a:path>
+            </a:pathLst>
+          </a:custGeom>
+          <a:solidFill>
+            <a:schemeClr val="bg1">
+              <a:tint val="90000"/>
+              <a:satMod val="350000"/>
+              <a:alpha val="40000"/>
+            </a:schemeClr>
+          </a:solidFill>
+          <a:ln w="9525" cap="flat" cmpd="sng" algn="ctr">
+            <a:noFill/>
+            <a:prstDash val="solid"/>
+            <a:round/>
+            <a:headEnd type="none" w="med" len="med"/>
+            <a:tailEnd type="none" w="med" len="med"/>
+          </a:ln>
+          <a:effectLst>
+            <a:outerShdw blurRad="50800" dist="50800" dir="10800000" algn="ctr" rotWithShape="0">
+              <a:prstClr val="black">
+                <a:alpha val="45000"/>
+              </a:prstClr>
+            </a:outerShdw>
+          </a:effectLst>
+        </p:spPr>
+        <p:txBody>
+          <a:bodyPr vert="horz" wrap="square" lIns="91440" tIns="45720" rIns="91440" bIns="45720" anchor="t" compatLnSpc="1"/>
+          <a:lstStyle/>
+          <a:p>
+            <a:endParaRPr kumimoji="0" lang="en-US" dirty="0"/>
+          </a:p>
+        </p:txBody>
+      </p:sp>
+      <p:sp>
+        <p:nvSpPr>
+          <p:cNvPr id="9" name="8 Marcador de título"/>
           <p:cNvSpPr>
             <a:spLocks noGrp="1"/>
           </p:cNvSpPr>
@@ -2553,28 +3146,29 @@
         <p:spPr>
           <a:xfrm>
             <a:off x="457200" y="274638"/>
-            <a:ext cx="8229600" cy="1143000"/>
+            <a:ext cx="7467600" cy="1143000"/>
           </a:xfrm>
           <a:prstGeom prst="rect">
             <a:avLst/>
           </a:prstGeom>
         </p:spPr>
         <p:txBody>
-          <a:bodyPr vert="horz" lIns="91440" tIns="45720" rIns="91440" bIns="45720" rtlCol="0" anchor="ctr">
+          <a:bodyPr vert="horz" lIns="45720" rIns="45720" anchor="ctr">
             <a:normAutofit/>
           </a:bodyPr>
           <a:lstStyle/>
           <a:p>
             <a:r>
-              <a:rPr lang="es-ES"/>
+              <a:rPr kumimoji="0" lang="es-ES" smtClean="0"/>
               <a:t>Haga clic para modificar el estilo de título del patrón</a:t>
             </a:r>
-          </a:p>
-        </p:txBody>
-      </p:sp>
-      <p:sp>
-        <p:nvSpPr>
-          <p:cNvPr id="3" name="2 Marcador de texto"/>
+            <a:endParaRPr kumimoji="0" lang="en-US"/>
+          </a:p>
+        </p:txBody>
+      </p:sp>
+      <p:sp>
+        <p:nvSpPr>
+          <p:cNvPr id="30" name="29 Marcador de texto"/>
           <p:cNvSpPr>
             <a:spLocks noGrp="1"/>
           </p:cNvSpPr>
@@ -2585,57 +3179,58 @@
         <p:spPr>
           <a:xfrm>
             <a:off x="457200" y="1600200"/>
-            <a:ext cx="8229600" cy="4525963"/>
+            <a:ext cx="7467600" cy="4525963"/>
           </a:xfrm>
           <a:prstGeom prst="rect">
             <a:avLst/>
           </a:prstGeom>
         </p:spPr>
         <p:txBody>
-          <a:bodyPr vert="horz" lIns="91440" tIns="45720" rIns="91440" bIns="45720" rtlCol="0">
+          <a:bodyPr vert="horz">
             <a:normAutofit/>
           </a:bodyPr>
           <a:lstStyle/>
           <a:p>
-            <a:pPr lvl="0"/>
-            <a:r>
-              <a:rPr lang="es-ES"/>
+            <a:pPr lvl="0" eaLnBrk="1" latinLnBrk="0" hangingPunct="1"/>
+            <a:r>
+              <a:rPr kumimoji="0" lang="es-ES" smtClean="0"/>
               <a:t>Haga clic para modificar el estilo de texto del patrón</a:t>
             </a:r>
           </a:p>
           <a:p>
-            <a:pPr lvl="1"/>
-            <a:r>
-              <a:rPr lang="es-ES"/>
+            <a:pPr lvl="1" eaLnBrk="1" latinLnBrk="0" hangingPunct="1"/>
+            <a:r>
+              <a:rPr kumimoji="0" lang="es-ES" smtClean="0"/>
               <a:t>Segundo nivel</a:t>
             </a:r>
           </a:p>
           <a:p>
-            <a:pPr lvl="2"/>
-            <a:r>
-              <a:rPr lang="es-ES"/>
+            <a:pPr lvl="2" eaLnBrk="1" latinLnBrk="0" hangingPunct="1"/>
+            <a:r>
+              <a:rPr kumimoji="0" lang="es-ES" smtClean="0"/>
               <a:t>Tercer nivel</a:t>
             </a:r>
           </a:p>
           <a:p>
-            <a:pPr lvl="3"/>
-            <a:r>
-              <a:rPr lang="es-ES"/>
+            <a:pPr lvl="3" eaLnBrk="1" latinLnBrk="0" hangingPunct="1"/>
+            <a:r>
+              <a:rPr kumimoji="0" lang="es-ES" smtClean="0"/>
               <a:t>Cuarto nivel</a:t>
             </a:r>
           </a:p>
           <a:p>
-            <a:pPr lvl="4"/>
-            <a:r>
-              <a:rPr lang="es-ES"/>
+            <a:pPr lvl="4" eaLnBrk="1" latinLnBrk="0" hangingPunct="1"/>
+            <a:r>
+              <a:rPr kumimoji="0" lang="es-ES" smtClean="0"/>
               <a:t>Quinto nivel</a:t>
             </a:r>
-          </a:p>
-        </p:txBody>
-      </p:sp>
-      <p:sp>
-        <p:nvSpPr>
-          <p:cNvPr id="4" name="3 Marcador de fecha"/>
+            <a:endParaRPr kumimoji="0" lang="en-US"/>
+          </a:p>
+        </p:txBody>
+      </p:sp>
+      <p:sp>
+        <p:nvSpPr>
+          <p:cNvPr id="10" name="9 Marcador de fecha"/>
           <p:cNvSpPr>
             <a:spLocks noGrp="1"/>
           </p:cNvSpPr>
@@ -2645,7 +3240,7 @@
         </p:nvSpPr>
         <p:spPr>
           <a:xfrm>
-            <a:off x="457200" y="6356350"/>
+            <a:off x="457200" y="6422064"/>
             <a:ext cx="2133600" cy="365125"/>
           </a:xfrm>
           <a:prstGeom prst="rect">
@@ -2653,13 +3248,13 @@
           </a:prstGeom>
         </p:spPr>
         <p:txBody>
-          <a:bodyPr vert="horz" lIns="91440" tIns="45720" rIns="91440" bIns="45720" rtlCol="0" anchor="ctr"/>
+          <a:bodyPr vert="horz" bIns="0" anchor="b"/>
           <a:lstStyle>
-            <a:lvl1pPr algn="l">
-              <a:defRPr sz="1200">
+            <a:lvl1pPr algn="l" eaLnBrk="1" latinLnBrk="0" hangingPunct="1">
+              <a:defRPr kumimoji="0" sz="1000">
                 <a:solidFill>
-                  <a:schemeClr val="tx1">
-                    <a:tint val="75000"/>
+                  <a:schemeClr val="tx2">
+                    <a:shade val="50000"/>
                   </a:schemeClr>
                 </a:solidFill>
               </a:defRPr>
@@ -2668,15 +3263,16 @@
           <a:p>
             <a:fld id="{65BA0D81-69BF-454E-8955-4E199060296A}" type="datetimeFigureOut">
               <a:rPr lang="es-ES" smtClean="0"/>
-              <a:t>27/01/2026</a:t>
+              <a:pPr/>
+              <a:t>27.01.26</a:t>
             </a:fld>
-            <a:endParaRPr lang="es-ES"/>
-          </a:p>
-        </p:txBody>
-      </p:sp>
-      <p:sp>
-        <p:nvSpPr>
-          <p:cNvPr id="5" name="4 Marcador de pie de página"/>
+            <a:endParaRPr lang="es-ES" dirty="0"/>
+          </a:p>
+        </p:txBody>
+      </p:sp>
+      <p:sp>
+        <p:nvSpPr>
+          <p:cNvPr id="22" name="21 Marcador de pie de página"/>
           <p:cNvSpPr>
             <a:spLocks noGrp="1"/>
           </p:cNvSpPr>
@@ -2686,7 +3282,7 @@
         </p:nvSpPr>
         <p:spPr>
           <a:xfrm>
-            <a:off x="3124200" y="6356350"/>
+            <a:off x="3124200" y="6422064"/>
             <a:ext cx="2895600" cy="365125"/>
           </a:xfrm>
           <a:prstGeom prst="rect">
@@ -2694,26 +3290,26 @@
           </a:prstGeom>
         </p:spPr>
         <p:txBody>
-          <a:bodyPr vert="horz" lIns="91440" tIns="45720" rIns="91440" bIns="45720" rtlCol="0" anchor="ctr"/>
+          <a:bodyPr vert="horz" lIns="0" rIns="0" bIns="0" anchor="b"/>
           <a:lstStyle>
-            <a:lvl1pPr algn="ctr">
-              <a:defRPr sz="1200">
+            <a:lvl1pPr algn="ctr" eaLnBrk="1" latinLnBrk="0" hangingPunct="1">
+              <a:defRPr kumimoji="0" sz="1000">
                 <a:solidFill>
-                  <a:schemeClr val="tx1">
-                    <a:tint val="75000"/>
+                  <a:schemeClr val="tx2">
+                    <a:shade val="50000"/>
                   </a:schemeClr>
                 </a:solidFill>
               </a:defRPr>
             </a:lvl1pPr>
           </a:lstStyle>
           <a:p>
-            <a:endParaRPr lang="es-ES"/>
-          </a:p>
-        </p:txBody>
-      </p:sp>
-      <p:sp>
-        <p:nvSpPr>
-          <p:cNvPr id="6" name="5 Marcador de número de diapositiva"/>
+            <a:endParaRPr lang="es-ES" dirty="0"/>
+          </a:p>
+        </p:txBody>
+      </p:sp>
+      <p:sp>
+        <p:nvSpPr>
+          <p:cNvPr id="18" name="17 Marcador de número de diapositiva"/>
           <p:cNvSpPr>
             <a:spLocks noGrp="1"/>
           </p:cNvSpPr>
@@ -2723,21 +3319,21 @@
         </p:nvSpPr>
         <p:spPr>
           <a:xfrm>
-            <a:off x="6553200" y="6356350"/>
-            <a:ext cx="2133600" cy="365125"/>
+            <a:off x="8153400" y="6422064"/>
+            <a:ext cx="762000" cy="365125"/>
           </a:xfrm>
           <a:prstGeom prst="rect">
             <a:avLst/>
           </a:prstGeom>
         </p:spPr>
         <p:txBody>
-          <a:bodyPr vert="horz" lIns="91440" tIns="45720" rIns="91440" bIns="45720" rtlCol="0" anchor="ctr"/>
+          <a:bodyPr vert="horz" lIns="0" tIns="0" rIns="0" bIns="0" anchor="b"/>
           <a:lstStyle>
-            <a:lvl1pPr algn="r">
-              <a:defRPr sz="1200">
+            <a:lvl1pPr algn="r" eaLnBrk="1" latinLnBrk="0" hangingPunct="1">
+              <a:defRPr kumimoji="0" sz="1000">
                 <a:solidFill>
-                  <a:schemeClr val="tx1">
-                    <a:tint val="75000"/>
+                  <a:schemeClr val="tx2">
+                    <a:shade val="50000"/>
                   </a:schemeClr>
                 </a:solidFill>
               </a:defRPr>
@@ -2746,36 +3342,37 @@
           <a:p>
             <a:fld id="{C092B6FF-F6CF-491A-824C-28BADD94F553}" type="slidenum">
               <a:rPr lang="es-ES" smtClean="0"/>
+              <a:pPr/>
               <a:t>‹Nº›</a:t>
             </a:fld>
-            <a:endParaRPr lang="es-ES"/>
+            <a:endParaRPr lang="es-ES" dirty="0"/>
           </a:p>
         </p:txBody>
       </p:sp>
     </p:spTree>
   </p:cSld>
-  <p:clrMap bg1="lt1" tx1="dk1" bg2="lt2" tx2="dk2" accent1="accent1" accent2="accent2" accent3="accent3" accent4="accent4" accent5="accent5" accent6="accent6" hlink="hlink" folHlink="folHlink"/>
+  <p:clrMap bg1="dk1" tx1="lt1" bg2="dk2" tx2="lt2" accent1="accent1" accent2="accent2" accent3="accent3" accent4="accent4" accent5="accent5" accent6="accent6" hlink="hlink" folHlink="folHlink"/>
   <p:sldLayoutIdLst>
-    <p:sldLayoutId id="2147483649" r:id="rId1"/>
-    <p:sldLayoutId id="2147483650" r:id="rId2"/>
-    <p:sldLayoutId id="2147483651" r:id="rId3"/>
-    <p:sldLayoutId id="2147483652" r:id="rId4"/>
-    <p:sldLayoutId id="2147483653" r:id="rId5"/>
-    <p:sldLayoutId id="2147483654" r:id="rId6"/>
-    <p:sldLayoutId id="2147483655" r:id="rId7"/>
-    <p:sldLayoutId id="2147483656" r:id="rId8"/>
-    <p:sldLayoutId id="2147483657" r:id="rId9"/>
-    <p:sldLayoutId id="2147483658" r:id="rId10"/>
-    <p:sldLayoutId id="2147483659" r:id="rId11"/>
+    <p:sldLayoutId id="2147483733" r:id="rId1"/>
+    <p:sldLayoutId id="2147483734" r:id="rId2"/>
+    <p:sldLayoutId id="2147483735" r:id="rId3"/>
+    <p:sldLayoutId id="2147483736" r:id="rId4"/>
+    <p:sldLayoutId id="2147483737" r:id="rId5"/>
+    <p:sldLayoutId id="2147483738" r:id="rId6"/>
+    <p:sldLayoutId id="2147483739" r:id="rId7"/>
+    <p:sldLayoutId id="2147483740" r:id="rId8"/>
+    <p:sldLayoutId id="2147483741" r:id="rId9"/>
+    <p:sldLayoutId id="2147483742" r:id="rId10"/>
+    <p:sldLayoutId id="2147483743" r:id="rId11"/>
   </p:sldLayoutIdLst>
   <p:txStyles>
     <p:titleStyle>
-      <a:lvl1pPr algn="ctr" defTabSz="914400" rtl="0" eaLnBrk="1" latinLnBrk="0" hangingPunct="1">
+      <a:lvl1pPr algn="l" rtl="0" eaLnBrk="1" latinLnBrk="0" hangingPunct="1">
         <a:spcBef>
           <a:spcPct val="0"/>
         </a:spcBef>
         <a:buNone/>
-        <a:defRPr sz="4400" kern="1200">
+        <a:defRPr kumimoji="0" sz="4600" kern="1200">
           <a:solidFill>
             <a:schemeClr val="tx1"/>
           </a:solidFill>
@@ -2786,13 +3383,17 @@
       </a:lvl1pPr>
     </p:titleStyle>
     <p:bodyStyle>
-      <a:lvl1pPr marL="342900" indent="-342900" algn="l" defTabSz="914400" rtl="0" eaLnBrk="1" latinLnBrk="0" hangingPunct="1">
+      <a:lvl1pPr marL="420624" indent="-384048" algn="l" rtl="0" eaLnBrk="1" latinLnBrk="0" hangingPunct="1">
         <a:spcBef>
           <a:spcPct val="20000"/>
         </a:spcBef>
-        <a:buFont typeface="Arial" pitchFamily="34" charset="0"/>
-        <a:buChar char="•"/>
-        <a:defRPr sz="3200" kern="1200">
+        <a:buClr>
+          <a:schemeClr val="accent1"/>
+        </a:buClr>
+        <a:buSzPct val="80000"/>
+        <a:buFont typeface="Wingdings 2"/>
+        <a:buChar char=""/>
+        <a:defRPr kumimoji="0" sz="3000" kern="1200">
           <a:solidFill>
             <a:schemeClr val="tx1"/>
           </a:solidFill>
@@ -2801,13 +3402,17 @@
           <a:cs typeface="+mn-cs"/>
         </a:defRPr>
       </a:lvl1pPr>
-      <a:lvl2pPr marL="742950" indent="-285750" algn="l" defTabSz="914400" rtl="0" eaLnBrk="1" latinLnBrk="0" hangingPunct="1">
+      <a:lvl2pPr marL="722376" indent="-274320" algn="l" rtl="0" eaLnBrk="1" latinLnBrk="0" hangingPunct="1">
         <a:spcBef>
           <a:spcPct val="20000"/>
         </a:spcBef>
-        <a:buFont typeface="Arial" pitchFamily="34" charset="0"/>
-        <a:buChar char="–"/>
-        <a:defRPr sz="2800" kern="1200">
+        <a:buClr>
+          <a:schemeClr val="accent1"/>
+        </a:buClr>
+        <a:buSzPct val="90000"/>
+        <a:buFont typeface="Wingdings 2"/>
+        <a:buChar char=""/>
+        <a:defRPr kumimoji="0" sz="2600" kern="1200">
           <a:solidFill>
             <a:schemeClr val="tx1"/>
           </a:solidFill>
@@ -2816,13 +3421,17 @@
           <a:cs typeface="+mn-cs"/>
         </a:defRPr>
       </a:lvl2pPr>
-      <a:lvl3pPr marL="1143000" indent="-228600" algn="l" defTabSz="914400" rtl="0" eaLnBrk="1" latinLnBrk="0" hangingPunct="1">
+      <a:lvl3pPr marL="1005840" indent="-256032" algn="l" rtl="0" eaLnBrk="1" latinLnBrk="0" hangingPunct="1">
         <a:spcBef>
           <a:spcPct val="20000"/>
         </a:spcBef>
-        <a:buFont typeface="Arial" pitchFamily="34" charset="0"/>
-        <a:buChar char="•"/>
-        <a:defRPr sz="2400" kern="1200">
+        <a:buClr>
+          <a:schemeClr val="accent2"/>
+        </a:buClr>
+        <a:buSzPct val="85000"/>
+        <a:buFont typeface="Arial"/>
+        <a:buChar char="○"/>
+        <a:defRPr kumimoji="0" sz="2400" kern="1200">
           <a:solidFill>
             <a:schemeClr val="tx1"/>
           </a:solidFill>
@@ -2831,13 +3440,17 @@
           <a:cs typeface="+mn-cs"/>
         </a:defRPr>
       </a:lvl3pPr>
-      <a:lvl4pPr marL="1600200" indent="-228600" algn="l" defTabSz="914400" rtl="0" eaLnBrk="1" latinLnBrk="0" hangingPunct="1">
+      <a:lvl4pPr marL="1280160" indent="-237744" algn="l" rtl="0" eaLnBrk="1" latinLnBrk="0" hangingPunct="1">
         <a:spcBef>
           <a:spcPct val="20000"/>
         </a:spcBef>
-        <a:buFont typeface="Arial" pitchFamily="34" charset="0"/>
-        <a:buChar char="–"/>
-        <a:defRPr sz="2000" kern="1200">
+        <a:buClr>
+          <a:schemeClr val="accent3"/>
+        </a:buClr>
+        <a:buSzPct val="90000"/>
+        <a:buFont typeface="Wingdings 2"/>
+        <a:buChar char=""/>
+        <a:defRPr kumimoji="0" sz="2000" kern="1200">
           <a:solidFill>
             <a:schemeClr val="tx1"/>
           </a:solidFill>
@@ -2846,13 +3459,17 @@
           <a:cs typeface="+mn-cs"/>
         </a:defRPr>
       </a:lvl4pPr>
-      <a:lvl5pPr marL="2057400" indent="-228600" algn="l" defTabSz="914400" rtl="0" eaLnBrk="1" latinLnBrk="0" hangingPunct="1">
+      <a:lvl5pPr marL="1490472" indent="-182880" algn="l" rtl="0" eaLnBrk="1" latinLnBrk="0" hangingPunct="1">
         <a:spcBef>
           <a:spcPct val="20000"/>
         </a:spcBef>
-        <a:buFont typeface="Arial" pitchFamily="34" charset="0"/>
-        <a:buChar char="»"/>
-        <a:defRPr sz="2000" kern="1200">
+        <a:buClr>
+          <a:schemeClr val="accent4"/>
+        </a:buClr>
+        <a:buSzPct val="100000"/>
+        <a:buFont typeface="Arial"/>
+        <a:buChar char="-"/>
+        <a:defRPr kumimoji="0" sz="2000" kern="1200">
           <a:solidFill>
             <a:schemeClr val="tx1"/>
           </a:solidFill>
@@ -2861,13 +3478,16 @@
           <a:cs typeface="+mn-cs"/>
         </a:defRPr>
       </a:lvl5pPr>
-      <a:lvl6pPr marL="2514600" indent="-228600" algn="l" defTabSz="914400" rtl="0" eaLnBrk="1" latinLnBrk="0" hangingPunct="1">
+      <a:lvl6pPr marL="1700784" indent="-182880" algn="l" rtl="0" eaLnBrk="1" latinLnBrk="0" hangingPunct="1">
         <a:spcBef>
           <a:spcPct val="20000"/>
         </a:spcBef>
-        <a:buFont typeface="Arial" pitchFamily="34" charset="0"/>
-        <a:buChar char="•"/>
-        <a:defRPr sz="2000" kern="1200">
+        <a:buClr>
+          <a:schemeClr val="accent5"/>
+        </a:buClr>
+        <a:buFont typeface="Arial"/>
+        <a:buChar char="-"/>
+        <a:defRPr kumimoji="0" sz="2000" kern="1200" baseline="0">
           <a:solidFill>
             <a:schemeClr val="tx1"/>
           </a:solidFill>
@@ -2876,13 +3496,17 @@
           <a:cs typeface="+mn-cs"/>
         </a:defRPr>
       </a:lvl6pPr>
-      <a:lvl7pPr marL="2971800" indent="-228600" algn="l" defTabSz="914400" rtl="0" eaLnBrk="1" latinLnBrk="0" hangingPunct="1">
+      <a:lvl7pPr marL="1920240" indent="-182880" algn="l" rtl="0" eaLnBrk="1" latinLnBrk="0" hangingPunct="1">
         <a:spcBef>
           <a:spcPct val="20000"/>
         </a:spcBef>
-        <a:buFont typeface="Arial" pitchFamily="34" charset="0"/>
+        <a:buClr>
+          <a:schemeClr val="accent6"/>
+        </a:buClr>
+        <a:buSzPct val="100000"/>
+        <a:buFont typeface="Arial"/>
         <a:buChar char="•"/>
-        <a:defRPr sz="2000" kern="1200">
+        <a:defRPr kumimoji="0" sz="1800" kern="1200" baseline="0">
           <a:solidFill>
             <a:schemeClr val="tx1"/>
           </a:solidFill>
@@ -2891,13 +3515,16 @@
           <a:cs typeface="+mn-cs"/>
         </a:defRPr>
       </a:lvl7pPr>
-      <a:lvl8pPr marL="3429000" indent="-228600" algn="l" defTabSz="914400" rtl="0" eaLnBrk="1" latinLnBrk="0" hangingPunct="1">
+      <a:lvl8pPr marL="2139696" indent="-182880" algn="l" rtl="0" eaLnBrk="1" latinLnBrk="0" hangingPunct="1">
         <a:spcBef>
           <a:spcPct val="20000"/>
         </a:spcBef>
-        <a:buFont typeface="Arial" pitchFamily="34" charset="0"/>
-        <a:buChar char="•"/>
-        <a:defRPr sz="2000" kern="1200">
+        <a:buClr>
+          <a:schemeClr val="accent6"/>
+        </a:buClr>
+        <a:buFont typeface="Arial"/>
+        <a:buChar char="▪"/>
+        <a:defRPr kumimoji="0" sz="1600" kern="1200">
           <a:solidFill>
             <a:schemeClr val="tx1"/>
           </a:solidFill>
@@ -2906,13 +3533,16 @@
           <a:cs typeface="+mn-cs"/>
         </a:defRPr>
       </a:lvl8pPr>
-      <a:lvl9pPr marL="3886200" indent="-228600" algn="l" defTabSz="914400" rtl="0" eaLnBrk="1" latinLnBrk="0" hangingPunct="1">
+      <a:lvl9pPr marL="2331720" indent="-182880" algn="l" rtl="0" eaLnBrk="1" latinLnBrk="0" hangingPunct="1">
         <a:spcBef>
           <a:spcPct val="20000"/>
         </a:spcBef>
-        <a:buFont typeface="Arial" pitchFamily="34" charset="0"/>
+        <a:buClr>
+          <a:schemeClr val="accent6"/>
+        </a:buClr>
+        <a:buFont typeface="Arial"/>
         <a:buChar char="•"/>
-        <a:defRPr sz="2000" kern="1200">
+        <a:defRPr kumimoji="0" sz="1600" kern="1200">
           <a:solidFill>
             <a:schemeClr val="tx1"/>
           </a:solidFill>
@@ -2923,11 +3553,8 @@
       </a:lvl9pPr>
     </p:bodyStyle>
     <p:otherStyle>
-      <a:defPPr>
-        <a:defRPr lang="es-ES"/>
-      </a:defPPr>
-      <a:lvl1pPr marL="0" algn="l" defTabSz="914400" rtl="0" eaLnBrk="1" latinLnBrk="0" hangingPunct="1">
-        <a:defRPr sz="1800" kern="1200">
+      <a:lvl1pPr marL="0" algn="l" rtl="0" eaLnBrk="1" latinLnBrk="0" hangingPunct="1">
+        <a:defRPr kumimoji="0" kern="1200">
           <a:solidFill>
             <a:schemeClr val="tx1"/>
           </a:solidFill>
@@ -2936,8 +3563,8 @@
           <a:cs typeface="+mn-cs"/>
         </a:defRPr>
       </a:lvl1pPr>
-      <a:lvl2pPr marL="457200" algn="l" defTabSz="914400" rtl="0" eaLnBrk="1" latinLnBrk="0" hangingPunct="1">
-        <a:defRPr sz="1800" kern="1200">
+      <a:lvl2pPr marL="457200" algn="l" rtl="0" eaLnBrk="1" latinLnBrk="0" hangingPunct="1">
+        <a:defRPr kumimoji="0" kern="1200">
           <a:solidFill>
             <a:schemeClr val="tx1"/>
           </a:solidFill>
@@ -2946,8 +3573,8 @@
           <a:cs typeface="+mn-cs"/>
         </a:defRPr>
       </a:lvl2pPr>
-      <a:lvl3pPr marL="914400" algn="l" defTabSz="914400" rtl="0" eaLnBrk="1" latinLnBrk="0" hangingPunct="1">
-        <a:defRPr sz="1800" kern="1200">
+      <a:lvl3pPr marL="914400" algn="l" rtl="0" eaLnBrk="1" latinLnBrk="0" hangingPunct="1">
+        <a:defRPr kumimoji="0" kern="1200">
           <a:solidFill>
             <a:schemeClr val="tx1"/>
           </a:solidFill>
@@ -2956,8 +3583,8 @@
           <a:cs typeface="+mn-cs"/>
         </a:defRPr>
       </a:lvl3pPr>
-      <a:lvl4pPr marL="1371600" algn="l" defTabSz="914400" rtl="0" eaLnBrk="1" latinLnBrk="0" hangingPunct="1">
-        <a:defRPr sz="1800" kern="1200">
+      <a:lvl4pPr marL="1371600" algn="l" rtl="0" eaLnBrk="1" latinLnBrk="0" hangingPunct="1">
+        <a:defRPr kumimoji="0" kern="1200">
           <a:solidFill>
             <a:schemeClr val="tx1"/>
           </a:solidFill>
@@ -2966,8 +3593,8 @@
           <a:cs typeface="+mn-cs"/>
         </a:defRPr>
       </a:lvl4pPr>
-      <a:lvl5pPr marL="1828800" algn="l" defTabSz="914400" rtl="0" eaLnBrk="1" latinLnBrk="0" hangingPunct="1">
-        <a:defRPr sz="1800" kern="1200">
+      <a:lvl5pPr marL="1828800" algn="l" rtl="0" eaLnBrk="1" latinLnBrk="0" hangingPunct="1">
+        <a:defRPr kumimoji="0" kern="1200">
           <a:solidFill>
             <a:schemeClr val="tx1"/>
           </a:solidFill>
@@ -2976,8 +3603,8 @@
           <a:cs typeface="+mn-cs"/>
         </a:defRPr>
       </a:lvl5pPr>
-      <a:lvl6pPr marL="2286000" algn="l" defTabSz="914400" rtl="0" eaLnBrk="1" latinLnBrk="0" hangingPunct="1">
-        <a:defRPr sz="1800" kern="1200">
+      <a:lvl6pPr marL="2286000" algn="l" rtl="0" eaLnBrk="1" latinLnBrk="0" hangingPunct="1">
+        <a:defRPr kumimoji="0" kern="1200">
           <a:solidFill>
             <a:schemeClr val="tx1"/>
           </a:solidFill>
@@ -2986,8 +3613,8 @@
           <a:cs typeface="+mn-cs"/>
         </a:defRPr>
       </a:lvl6pPr>
-      <a:lvl7pPr marL="2743200" algn="l" defTabSz="914400" rtl="0" eaLnBrk="1" latinLnBrk="0" hangingPunct="1">
-        <a:defRPr sz="1800" kern="1200">
+      <a:lvl7pPr marL="2743200" algn="l" rtl="0" eaLnBrk="1" latinLnBrk="0" hangingPunct="1">
+        <a:defRPr kumimoji="0" kern="1200">
           <a:solidFill>
             <a:schemeClr val="tx1"/>
           </a:solidFill>
@@ -2996,8 +3623,8 @@
           <a:cs typeface="+mn-cs"/>
         </a:defRPr>
       </a:lvl7pPr>
-      <a:lvl8pPr marL="3200400" algn="l" defTabSz="914400" rtl="0" eaLnBrk="1" latinLnBrk="0" hangingPunct="1">
-        <a:defRPr sz="1800" kern="1200">
+      <a:lvl8pPr marL="3200400" algn="l" rtl="0" eaLnBrk="1" latinLnBrk="0" hangingPunct="1">
+        <a:defRPr kumimoji="0" kern="1200">
           <a:solidFill>
             <a:schemeClr val="tx1"/>
           </a:solidFill>
@@ -3006,8 +3633,8 @@
           <a:cs typeface="+mn-cs"/>
         </a:defRPr>
       </a:lvl8pPr>
-      <a:lvl9pPr marL="3657600" algn="l" defTabSz="914400" rtl="0" eaLnBrk="1" latinLnBrk="0" hangingPunct="1">
-        <a:defRPr sz="1800" kern="1200">
+      <a:lvl9pPr marL="3657600" algn="l" rtl="0" eaLnBrk="1" latinLnBrk="0" hangingPunct="1">
+        <a:defRPr kumimoji="0" kern="1200">
           <a:solidFill>
             <a:schemeClr val="tx1"/>
           </a:solidFill>
@@ -3048,14 +3675,85 @@
             <p:ph type="title"/>
           </p:nvPr>
         </p:nvSpPr>
-        <p:spPr/>
-        <p:txBody>
-          <a:bodyPr/>
-          <a:lstStyle/>
-          <a:p>
-            <a:r>
-              <a:rPr lang="en-US" dirty="0" err="1"/>
-              <a:t>Portada</a:t>
+        <p:spPr>
+          <a:xfrm>
+            <a:off x="500034" y="285728"/>
+            <a:ext cx="8229600" cy="1143000"/>
+          </a:xfrm>
+        </p:spPr>
+        <p:txBody>
+          <a:bodyPr>
+            <a:noAutofit/>
+          </a:bodyPr>
+          <a:lstStyle/>
+          <a:p>
+            <a:r>
+              <a:rPr lang="en-US" sz="7200" dirty="0" smtClean="0"/>
+              <a:t>ToolBox</a:t>
+            </a:r>
+            <a:endParaRPr lang="es-ES" sz="7200" dirty="0"/>
+          </a:p>
+        </p:txBody>
+      </p:sp>
+      <p:sp>
+        <p:nvSpPr>
+          <p:cNvPr id="3" name="2 CuadroTexto"/>
+          <p:cNvSpPr txBox="1"/>
+          <p:nvPr/>
+        </p:nvSpPr>
+        <p:spPr>
+          <a:xfrm>
+            <a:off x="6286480" y="5657671"/>
+            <a:ext cx="2857520" cy="1200329"/>
+          </a:xfrm>
+          <a:prstGeom prst="rect">
+            <a:avLst/>
+          </a:prstGeom>
+          <a:noFill/>
+        </p:spPr>
+        <p:txBody>
+          <a:bodyPr wrap="square" rtlCol="0">
+            <a:spAutoFit/>
+          </a:bodyPr>
+          <a:lstStyle/>
+          <a:p>
+            <a:r>
+              <a:rPr lang="en-US" dirty="0" smtClean="0"/>
+              <a:t>Blanca Garcia </a:t>
+            </a:r>
+          </a:p>
+          <a:p>
+            <a:r>
+              <a:rPr lang="en-US" dirty="0" smtClean="0"/>
+              <a:t>Eric </a:t>
+            </a:r>
+            <a:r>
+              <a:rPr lang="en-US" dirty="0" err="1" smtClean="0"/>
+              <a:t>Calvo</a:t>
+            </a:r>
+            <a:r>
+              <a:rPr lang="en-US" dirty="0" smtClean="0"/>
+              <a:t> </a:t>
+            </a:r>
+          </a:p>
+          <a:p>
+            <a:r>
+              <a:rPr lang="en-US" dirty="0" smtClean="0"/>
+              <a:t>Iv</a:t>
+            </a:r>
+            <a:r>
+              <a:rPr lang="es-ES" dirty="0" err="1" smtClean="0"/>
+              <a:t>án</a:t>
+            </a:r>
+            <a:r>
+              <a:rPr lang="es-ES" dirty="0" smtClean="0"/>
+              <a:t> Gómez</a:t>
+            </a:r>
+          </a:p>
+          <a:p>
+            <a:r>
+              <a:rPr lang="es-ES" dirty="0" smtClean="0"/>
+              <a:t>Marcos Martínez</a:t>
             </a:r>
             <a:endParaRPr lang="es-ES" dirty="0"/>
           </a:p>
@@ -3066,6 +3764,13 @@
   <p:clrMapOvr>
     <a:masterClrMapping/>
   </p:clrMapOvr>
+  <p:timing>
+    <p:tnLst>
+      <p:par>
+        <p:cTn id="1" dur="indefinite" restart="never" nodeType="tmRoot"/>
+      </p:par>
+    </p:tnLst>
+  </p:timing>
 </p:sld>
 </file>
 
@@ -3103,7 +3808,7 @@
         </p:blipFill>
         <p:spPr bwMode="auto">
           <a:xfrm>
-            <a:off x="285720" y="1357298"/>
+            <a:off x="214282" y="1500174"/>
             <a:ext cx="8429684" cy="3746012"/>
           </a:xfrm>
           <a:prstGeom prst="rect">
@@ -3136,7 +3841,7 @@
         </p:blipFill>
         <p:spPr bwMode="auto">
           <a:xfrm>
-            <a:off x="714348" y="5357826"/>
+            <a:off x="642910" y="5357826"/>
             <a:ext cx="7631113" cy="1266825"/>
           </a:xfrm>
           <a:prstGeom prst="rect">
@@ -3160,8 +3865,8 @@
         </p:nvSpPr>
         <p:spPr>
           <a:xfrm>
-            <a:off x="928662" y="214290"/>
-            <a:ext cx="7072362" cy="1015663"/>
+            <a:off x="1428728" y="357166"/>
+            <a:ext cx="5715040" cy="769441"/>
           </a:xfrm>
           <a:prstGeom prst="rect">
             <a:avLst/>
@@ -3175,18 +3880,18 @@
           <a:lstStyle/>
           <a:p>
             <a:r>
-              <a:rPr lang="es-ES" sz="6000" b="1" dirty="0"/>
+              <a:rPr lang="es-ES" sz="4400" b="1" dirty="0"/>
               <a:t>Función describe</a:t>
             </a:r>
             <a:r>
-              <a:rPr lang="en-US" sz="6000" b="1" dirty="0"/>
+              <a:rPr lang="en-US" sz="4400" b="1" dirty="0" smtClean="0"/>
               <a:t>_</a:t>
             </a:r>
             <a:r>
-              <a:rPr lang="en-US" sz="6000" b="1" dirty="0" err="1"/>
+              <a:rPr lang="en-US" sz="4400" b="1" dirty="0" smtClean="0"/>
               <a:t>df</a:t>
             </a:r>
-            <a:endParaRPr lang="es-ES" sz="6000" b="1" dirty="0"/>
+            <a:endParaRPr lang="es-ES" sz="4400" b="1" dirty="0"/>
           </a:p>
         </p:txBody>
       </p:sp>
@@ -3195,6 +3900,13 @@
   <p:clrMapOvr>
     <a:masterClrMapping/>
   </p:clrMapOvr>
+  <p:timing>
+    <p:tnLst>
+      <p:par>
+        <p:cTn id="1" dur="indefinite" restart="never" nodeType="tmRoot"/>
+      </p:par>
+    </p:tnLst>
+  </p:timing>
 </p:sld>
 </file>
 
@@ -3304,14 +4016,14 @@
           <a:lstStyle/>
           <a:p>
             <a:r>
-              <a:rPr lang="es-ES" sz="5400" dirty="0"/>
+              <a:rPr lang="es-ES" sz="5400" b="1" dirty="0" smtClean="0"/>
               <a:t>Función tipifica</a:t>
             </a:r>
             <a:r>
-              <a:rPr lang="en-US" sz="5400" dirty="0"/>
+              <a:rPr lang="en-US" sz="5400" b="1" dirty="0" smtClean="0"/>
               <a:t>_variables</a:t>
             </a:r>
-            <a:endParaRPr lang="es-ES" sz="5400" dirty="0"/>
+            <a:endParaRPr lang="es-ES" sz="5400" b="1" dirty="0"/>
           </a:p>
         </p:txBody>
       </p:sp>
@@ -3320,6 +4032,13 @@
   <p:clrMapOvr>
     <a:masterClrMapping/>
   </p:clrMapOvr>
+  <p:timing>
+    <p:tnLst>
+      <p:par>
+        <p:cTn id="1" dur="indefinite" restart="never" nodeType="tmRoot"/>
+      </p:par>
+    </p:tnLst>
+  </p:timing>
 </p:sld>
 </file>
 
@@ -3340,35 +4059,6 @@
           <a:chExt cx="0" cy="0"/>
         </a:xfrm>
       </p:grpSpPr>
-      <p:sp>
-        <p:nvSpPr>
-          <p:cNvPr id="2" name="1 Título"/>
-          <p:cNvSpPr>
-            <a:spLocks noGrp="1"/>
-          </p:cNvSpPr>
-          <p:nvPr>
-            <p:ph type="title"/>
-          </p:nvPr>
-        </p:nvSpPr>
-        <p:spPr/>
-        <p:txBody>
-          <a:bodyPr>
-            <a:normAutofit fontScale="90000"/>
-          </a:bodyPr>
-          <a:lstStyle/>
-          <a:p>
-            <a:r>
-              <a:rPr lang="es-ES" dirty="0"/>
-              <a:t>Función </a:t>
-            </a:r>
-            <a:r>
-              <a:rPr lang="es-ES" dirty="0" err="1"/>
-              <a:t>get_features_num_regression</a:t>
-            </a:r>
-            <a:endParaRPr lang="es-ES" dirty="0"/>
-          </a:p>
-        </p:txBody>
-      </p:sp>
       <p:pic>
         <p:nvPicPr>
           <p:cNvPr id="3074" name="Picture 2"/>
@@ -3435,11 +4125,60 @@
           <a:effectLst/>
         </p:spPr>
       </p:pic>
+      <p:sp>
+        <p:nvSpPr>
+          <p:cNvPr id="5" name="4 Título"/>
+          <p:cNvSpPr>
+            <a:spLocks noGrp="1"/>
+          </p:cNvSpPr>
+          <p:nvPr>
+            <p:ph type="title"/>
+          </p:nvPr>
+        </p:nvSpPr>
+        <p:spPr>
+          <a:xfrm>
+            <a:off x="428596" y="214290"/>
+            <a:ext cx="8229600" cy="1143000"/>
+          </a:xfrm>
+        </p:spPr>
+        <p:txBody>
+          <a:bodyPr>
+            <a:normAutofit fontScale="90000"/>
+          </a:bodyPr>
+          <a:lstStyle/>
+          <a:p>
+            <a:r>
+              <a:rPr lang="es-ES" b="1" dirty="0" smtClean="0"/>
+              <a:t>Función </a:t>
+            </a:r>
+            <a:r>
+              <a:rPr lang="es-ES" b="1" dirty="0" smtClean="0"/>
+              <a:t>get</a:t>
+            </a:r>
+            <a:r>
+              <a:rPr lang="en-US" b="1" dirty="0" smtClean="0"/>
+              <a:t>_</a:t>
+            </a:r>
+            <a:r>
+              <a:rPr lang="en-US" b="1" dirty="0" smtClean="0"/>
+              <a:t>features_num_regression</a:t>
+            </a:r>
+            <a:endParaRPr lang="es-ES" b="1" dirty="0"/>
+          </a:p>
+        </p:txBody>
+      </p:sp>
     </p:spTree>
   </p:cSld>
   <p:clrMapOvr>
     <a:masterClrMapping/>
   </p:clrMapOvr>
+  <p:timing>
+    <p:tnLst>
+      <p:par>
+        <p:cTn id="1" dur="indefinite" restart="never" nodeType="tmRoot"/>
+      </p:par>
+    </p:tnLst>
+  </p:timing>
 </p:sld>
 </file>
 
@@ -3470,7 +4209,12 @@
             <p:ph type="title"/>
           </p:nvPr>
         </p:nvSpPr>
-        <p:spPr/>
+        <p:spPr>
+          <a:xfrm>
+            <a:off x="457200" y="274638"/>
+            <a:ext cx="7758138" cy="1511288"/>
+          </a:xfrm>
+        </p:spPr>
         <p:txBody>
           <a:bodyPr>
             <a:normAutofit fontScale="90000"/>
@@ -3478,30 +4222,30 @@
           <a:lstStyle/>
           <a:p>
             <a:r>
-              <a:rPr lang="en-US" dirty="0" err="1"/>
+              <a:rPr lang="en-US" b="1" dirty="0"/>
               <a:t>Funci</a:t>
             </a:r>
             <a:r>
-              <a:rPr lang="es-ES" dirty="0" err="1"/>
+              <a:rPr lang="es-ES" b="1" dirty="0"/>
               <a:t>ón</a:t>
             </a:r>
             <a:r>
-              <a:rPr lang="es-ES" dirty="0"/>
+              <a:rPr lang="es-ES" b="1" dirty="0"/>
               <a:t> </a:t>
             </a:r>
             <a:r>
-              <a:rPr lang="es-ES" dirty="0" err="1"/>
+              <a:rPr lang="es-ES" b="1" dirty="0"/>
               <a:t>plot</a:t>
             </a:r>
             <a:r>
-              <a:rPr lang="en-US" dirty="0"/>
+              <a:rPr lang="en-US" b="1" dirty="0"/>
               <a:t>_</a:t>
             </a:r>
             <a:r>
-              <a:rPr lang="en-US" dirty="0" err="1"/>
+              <a:rPr lang="en-US" b="1" dirty="0"/>
               <a:t>features_num_regression</a:t>
             </a:r>
-            <a:endParaRPr lang="es-ES" dirty="0"/>
+            <a:endParaRPr lang="es-ES" b="1" dirty="0"/>
           </a:p>
         </p:txBody>
       </p:sp>
@@ -3576,6 +4320,13 @@
   <p:clrMapOvr>
     <a:masterClrMapping/>
   </p:clrMapOvr>
+  <p:timing>
+    <p:tnLst>
+      <p:par>
+        <p:cTn id="1" dur="indefinite" restart="never" nodeType="tmRoot"/>
+      </p:par>
+    </p:tnLst>
+  </p:timing>
 </p:sld>
 </file>
 
@@ -3634,7 +4385,7 @@
           <p:cNvPr id="2" name="CuadroTexto 1">
             <a:extLst>
               <a:ext uri="{FF2B5EF4-FFF2-40B4-BE49-F238E27FC236}">
-                <a16:creationId xmlns:a16="http://schemas.microsoft.com/office/drawing/2014/main" id="{C88C3D14-64FD-31EE-B407-45F40E9BC2F2}"/>
+                <a16:creationId xmlns:a16="http://schemas.microsoft.com/office/drawing/2014/main" xmlns="" id="{C88C3D14-64FD-31EE-B407-45F40E9BC2F2}"/>
               </a:ext>
             </a:extLst>
           </p:cNvPr>
@@ -3658,7 +4409,7 @@
           <a:lstStyle/>
           <a:p>
             <a:r>
-              <a:rPr lang="es-ES" sz="4000" dirty="0"/>
+              <a:rPr lang="es-ES" sz="4000" b="1" dirty="0"/>
               <a:t>Output</a:t>
             </a:r>
           </a:p>
@@ -3669,6 +4420,13 @@
   <p:clrMapOvr>
     <a:masterClrMapping/>
   </p:clrMapOvr>
+  <p:timing>
+    <p:tnLst>
+      <p:par>
+        <p:cTn id="1" dur="indefinite" restart="never" nodeType="tmRoot"/>
+      </p:par>
+    </p:tnLst>
+  </p:timing>
 </p:sld>
 </file>
 
@@ -3699,7 +4457,12 @@
             <p:ph type="title"/>
           </p:nvPr>
         </p:nvSpPr>
-        <p:spPr/>
+        <p:spPr>
+          <a:xfrm>
+            <a:off x="457200" y="267494"/>
+            <a:ext cx="7972452" cy="1161242"/>
+          </a:xfrm>
+        </p:spPr>
         <p:txBody>
           <a:bodyPr>
             <a:normAutofit fontScale="90000"/>
@@ -3707,30 +4470,30 @@
           <a:lstStyle/>
           <a:p>
             <a:r>
-              <a:rPr lang="en-US" dirty="0" err="1"/>
+              <a:rPr lang="en-US" b="1" dirty="0"/>
               <a:t>Funci</a:t>
             </a:r>
             <a:r>
-              <a:rPr lang="es-ES" dirty="0" err="1"/>
+              <a:rPr lang="es-ES" b="1" dirty="0"/>
               <a:t>ón</a:t>
             </a:r>
             <a:r>
-              <a:rPr lang="es-ES" dirty="0"/>
+              <a:rPr lang="es-ES" b="1" dirty="0"/>
               <a:t> </a:t>
             </a:r>
             <a:r>
-              <a:rPr lang="es-ES" dirty="0" err="1"/>
+              <a:rPr lang="es-ES" b="1" dirty="0"/>
               <a:t>get</a:t>
             </a:r>
             <a:r>
-              <a:rPr lang="en-US" dirty="0"/>
+              <a:rPr lang="en-US" b="1" dirty="0"/>
               <a:t>_</a:t>
             </a:r>
             <a:r>
-              <a:rPr lang="en-US" dirty="0" err="1"/>
+              <a:rPr lang="en-US" b="1" dirty="0"/>
               <a:t>features_cat_regression</a:t>
             </a:r>
-            <a:endParaRPr lang="es-ES" dirty="0"/>
+            <a:endParaRPr lang="es-ES" b="1" dirty="0"/>
           </a:p>
         </p:txBody>
       </p:sp>
@@ -3876,30 +4639,30 @@
           <a:lstStyle/>
           <a:p>
             <a:r>
-              <a:rPr lang="en-US" dirty="0" err="1"/>
+              <a:rPr lang="en-US" b="1" dirty="0"/>
               <a:t>Funci</a:t>
             </a:r>
             <a:r>
-              <a:rPr lang="es-ES" dirty="0" err="1"/>
+              <a:rPr lang="es-ES" b="1" dirty="0"/>
               <a:t>ón</a:t>
             </a:r>
             <a:r>
-              <a:rPr lang="es-ES" dirty="0"/>
+              <a:rPr lang="es-ES" b="1" dirty="0"/>
               <a:t> </a:t>
             </a:r>
             <a:r>
-              <a:rPr lang="es-ES" dirty="0" err="1"/>
+              <a:rPr lang="es-ES" b="1" dirty="0"/>
               <a:t>plot</a:t>
             </a:r>
             <a:r>
-              <a:rPr lang="en-US" dirty="0"/>
+              <a:rPr lang="en-US" b="1" dirty="0"/>
               <a:t>_</a:t>
             </a:r>
             <a:r>
-              <a:rPr lang="en-US" dirty="0" err="1"/>
+              <a:rPr lang="en-US" b="1" dirty="0"/>
               <a:t>features_cat_regression</a:t>
             </a:r>
-            <a:endParaRPr lang="es-ES" dirty="0"/>
+            <a:endParaRPr lang="es-ES" b="1" dirty="0"/>
           </a:p>
         </p:txBody>
       </p:sp>
@@ -4065,7 +4828,7 @@
           <p:cNvPr id="2" name="CuadroTexto 1">
             <a:extLst>
               <a:ext uri="{FF2B5EF4-FFF2-40B4-BE49-F238E27FC236}">
-                <a16:creationId xmlns:a16="http://schemas.microsoft.com/office/drawing/2014/main" id="{DDBF56E2-0975-4F21-F7D4-C87B44784B56}"/>
+                <a16:creationId xmlns:a16="http://schemas.microsoft.com/office/drawing/2014/main" xmlns="" id="{DDBF56E2-0975-4F21-F7D4-C87B44784B56}"/>
               </a:ext>
             </a:extLst>
           </p:cNvPr>
@@ -4089,7 +4852,7 @@
           <a:lstStyle/>
           <a:p>
             <a:r>
-              <a:rPr lang="es-ES" sz="4000" dirty="0"/>
+              <a:rPr lang="es-ES" sz="4000" b="1" dirty="0"/>
               <a:t>Output</a:t>
             </a:r>
           </a:p>
@@ -4104,9 +4867,9 @@
 </file>
 
 <file path=ppt/theme/theme1.xml><?xml version="1.0" encoding="utf-8"?>
-<a:theme xmlns:a="http://schemas.openxmlformats.org/drawingml/2006/main" name="Tema de Office">
+<a:theme xmlns:a="http://schemas.openxmlformats.org/drawingml/2006/main" name="Técnico">
   <a:themeElements>
-    <a:clrScheme name="Office">
+    <a:clrScheme name="Técnico">
       <a:dk1>
         <a:sysClr val="windowText" lastClr="000000"/>
       </a:dk1>
@@ -4114,80 +4877,46 @@
         <a:sysClr val="window" lastClr="FFFFFF"/>
       </a:lt1>
       <a:dk2>
-        <a:srgbClr val="1F497D"/>
+        <a:srgbClr val="3B3B3B"/>
       </a:dk2>
       <a:lt2>
-        <a:srgbClr val="EEECE1"/>
+        <a:srgbClr val="D4D2D0"/>
       </a:lt2>
       <a:accent1>
-        <a:srgbClr val="4F81BD"/>
+        <a:srgbClr val="6EA0B0"/>
       </a:accent1>
       <a:accent2>
-        <a:srgbClr val="C0504D"/>
+        <a:srgbClr val="CCAF0A"/>
       </a:accent2>
       <a:accent3>
-        <a:srgbClr val="9BBB59"/>
+        <a:srgbClr val="8D89A4"/>
       </a:accent3>
       <a:accent4>
-        <a:srgbClr val="8064A2"/>
+        <a:srgbClr val="748560"/>
       </a:accent4>
       <a:accent5>
-        <a:srgbClr val="4BACC6"/>
+        <a:srgbClr val="9E9273"/>
       </a:accent5>
       <a:accent6>
-        <a:srgbClr val="F79646"/>
+        <a:srgbClr val="7E848D"/>
       </a:accent6>
       <a:hlink>
-        <a:srgbClr val="0000FF"/>
+        <a:srgbClr val="00C8C3"/>
       </a:hlink>
       <a:folHlink>
-        <a:srgbClr val="800080"/>
+        <a:srgbClr val="A116E0"/>
       </a:folHlink>
     </a:clrScheme>
-    <a:fontScheme name="Office">
+    <a:fontScheme name="Técnico">
       <a:majorFont>
-        <a:latin typeface="Calibri"/>
+        <a:latin typeface="Franklin Gothic Book"/>
         <a:ea typeface=""/>
         <a:cs typeface=""/>
         <a:font script="Jpan" typeface="ＭＳ Ｐゴシック"/>
-        <a:font script="Hang" typeface="맑은 고딕"/>
+        <a:font script="Hang" typeface="HY견고딕"/>
         <a:font script="Hans" typeface="宋体"/>
-        <a:font script="Hant" typeface="新細明體"/>
-        <a:font script="Arab" typeface="Times New Roman"/>
-        <a:font script="Hebr" typeface="Times New Roman"/>
-        <a:font script="Thai" typeface="Angsana New"/>
-        <a:font script="Ethi" typeface="Nyala"/>
-        <a:font script="Beng" typeface="Vrinda"/>
-        <a:font script="Gujr" typeface="Shruti"/>
-        <a:font script="Khmr" typeface="MoolBoran"/>
-        <a:font script="Knda" typeface="Tunga"/>
-        <a:font script="Guru" typeface="Raavi"/>
-        <a:font script="Cans" typeface="Euphemia"/>
-        <a:font script="Cher" typeface="Plantagenet Cherokee"/>
-        <a:font script="Yiii" typeface="Microsoft Yi Baiti"/>
-        <a:font script="Tibt" typeface="Microsoft Himalaya"/>
-        <a:font script="Thaa" typeface="MV Boli"/>
-        <a:font script="Deva" typeface="Mangal"/>
-        <a:font script="Telu" typeface="Gautami"/>
-        <a:font script="Taml" typeface="Latha"/>
-        <a:font script="Syrc" typeface="Estrangelo Edessa"/>
-        <a:font script="Orya" typeface="Kalinga"/>
-        <a:font script="Mlym" typeface="Kartika"/>
-        <a:font script="Laoo" typeface="DokChampa"/>
-        <a:font script="Sinh" typeface="Iskoola Pota"/>
-        <a:font script="Mong" typeface="Mongolian Baiti"/>
-        <a:font script="Viet" typeface="Times New Roman"/>
-        <a:font script="Uigh" typeface="Microsoft Uighur"/>
-      </a:majorFont>
-      <a:minorFont>
-        <a:latin typeface="Calibri"/>
-        <a:ea typeface=""/>
-        <a:cs typeface=""/>
-        <a:font script="Jpan" typeface="ＭＳ Ｐゴシック"/>
-        <a:font script="Hang" typeface="맑은 고딕"/>
-        <a:font script="Hans" typeface="宋体"/>
-        <a:font script="Hant" typeface="新細明體"/>
-        <a:font script="Arab" typeface="Arial"/>
+        <a:font script="Hant" typeface="微軟正黑體"/>
+        <a:font script="Arab" typeface="Tahoma"/>
         <a:font script="Hebr" typeface="Arial"/>
         <a:font script="Thai" typeface="Cordia New"/>
         <a:font script="Ethi" typeface="Nyala"/>
@@ -4212,9 +4941,43 @@
         <a:font script="Mong" typeface="Mongolian Baiti"/>
         <a:font script="Viet" typeface="Arial"/>
         <a:font script="Uigh" typeface="Microsoft Uighur"/>
+      </a:majorFont>
+      <a:minorFont>
+        <a:latin typeface="Arial"/>
+        <a:ea typeface=""/>
+        <a:cs typeface=""/>
+        <a:font script="Jpan" typeface="HGｺﾞｼｯｸM"/>
+        <a:font script="Hang" typeface="HY중고딕"/>
+        <a:font script="Hans" typeface="黑体"/>
+        <a:font script="Hant" typeface="微軟正黑體"/>
+        <a:font script="Arab" typeface="Tahoma"/>
+        <a:font script="Hebr" typeface="Levenim MT"/>
+        <a:font script="Thai" typeface="LilyUPC"/>
+        <a:font script="Ethi" typeface="Nyala"/>
+        <a:font script="Beng" typeface="Vrinda"/>
+        <a:font script="Gujr" typeface="Shruti"/>
+        <a:font script="Khmr" typeface="DaunPenh"/>
+        <a:font script="Knda" typeface="Tunga"/>
+        <a:font script="Guru" typeface="Raavi"/>
+        <a:font script="Cans" typeface="Euphemia"/>
+        <a:font script="Cher" typeface="Plantagenet Cherokee"/>
+        <a:font script="Yiii" typeface="Microsoft Yi Baiti"/>
+        <a:font script="Tibt" typeface="Microsoft Himalaya"/>
+        <a:font script="Thaa" typeface="MV Boli"/>
+        <a:font script="Deva" typeface="Mangal"/>
+        <a:font script="Telu" typeface="Gautami"/>
+        <a:font script="Taml" typeface="Latha"/>
+        <a:font script="Syrc" typeface="Estrangelo Edessa"/>
+        <a:font script="Orya" typeface="Kalinga"/>
+        <a:font script="Mlym" typeface="Kartika"/>
+        <a:font script="Laoo" typeface="DokChampa"/>
+        <a:font script="Sinh" typeface="Iskoola Pota"/>
+        <a:font script="Mong" typeface="Mongolian Baiti"/>
+        <a:font script="Viet" typeface="Arial"/>
+        <a:font script="Uigh" typeface="Microsoft Uighur"/>
       </a:minorFont>
     </a:fontScheme>
-    <a:fmtScheme name="Office">
+    <a:fmtScheme name="Técnico">
       <a:fillStyleLst>
         <a:solidFill>
           <a:schemeClr val="phClr"/>
@@ -4223,66 +4986,99 @@
           <a:gsLst>
             <a:gs pos="0">
               <a:schemeClr val="phClr">
-                <a:tint val="50000"/>
-                <a:satMod val="300000"/>
+                <a:tint val="1000"/>
               </a:schemeClr>
             </a:gs>
-            <a:gs pos="35000">
+            <a:gs pos="68000">
               <a:schemeClr val="phClr">
-                <a:tint val="37000"/>
-                <a:satMod val="300000"/>
+                <a:tint val="77000"/>
+              </a:schemeClr>
+            </a:gs>
+            <a:gs pos="81000">
+              <a:schemeClr val="phClr">
+                <a:tint val="79000"/>
+              </a:schemeClr>
+            </a:gs>
+            <a:gs pos="86000">
+              <a:schemeClr val="phClr">
+                <a:tint val="73000"/>
               </a:schemeClr>
             </a:gs>
             <a:gs pos="100000">
               <a:schemeClr val="phClr">
-                <a:tint val="15000"/>
-                <a:satMod val="350000"/>
+                <a:tint val="35000"/>
               </a:schemeClr>
             </a:gs>
           </a:gsLst>
-          <a:lin ang="16200000" scaled="1"/>
+          <a:lin ang="5400000" scaled="1"/>
         </a:gradFill>
         <a:gradFill rotWithShape="1">
           <a:gsLst>
             <a:gs pos="0">
               <a:schemeClr val="phClr">
-                <a:shade val="51000"/>
-                <a:satMod val="130000"/>
+                <a:tint val="73000"/>
+                <a:satMod val="150000"/>
+              </a:schemeClr>
+            </a:gs>
+            <a:gs pos="25000">
+              <a:schemeClr val="phClr">
+                <a:tint val="96000"/>
+                <a:shade val="80000"/>
+                <a:satMod val="105000"/>
+              </a:schemeClr>
+            </a:gs>
+            <a:gs pos="38000">
+              <a:schemeClr val="phClr">
+                <a:tint val="96000"/>
+                <a:shade val="59000"/>
+                <a:satMod val="120000"/>
+              </a:schemeClr>
+            </a:gs>
+            <a:gs pos="55000">
+              <a:schemeClr val="phClr">
+                <a:shade val="57000"/>
+                <a:satMod val="120000"/>
               </a:schemeClr>
             </a:gs>
             <a:gs pos="80000">
               <a:schemeClr val="phClr">
-                <a:shade val="93000"/>
-                <a:satMod val="130000"/>
+                <a:shade val="56000"/>
+                <a:satMod val="145000"/>
+              </a:schemeClr>
+            </a:gs>
+            <a:gs pos="88000">
+              <a:schemeClr val="phClr">
+                <a:shade val="63000"/>
+                <a:satMod val="160000"/>
               </a:schemeClr>
             </a:gs>
             <a:gs pos="100000">
               <a:schemeClr val="phClr">
-                <a:shade val="94000"/>
-                <a:satMod val="135000"/>
+                <a:tint val="99555"/>
+                <a:satMod val="155000"/>
               </a:schemeClr>
             </a:gs>
           </a:gsLst>
-          <a:lin ang="16200000" scaled="0"/>
+          <a:lin ang="5400000" scaled="1"/>
         </a:gradFill>
       </a:fillStyleLst>
       <a:lnStyleLst>
         <a:ln w="9525" cap="flat" cmpd="sng" algn="ctr">
           <a:solidFill>
             <a:schemeClr val="phClr">
-              <a:shade val="95000"/>
-              <a:satMod val="105000"/>
+              <a:shade val="60000"/>
+              <a:satMod val="300000"/>
             </a:schemeClr>
           </a:solidFill>
           <a:prstDash val="solid"/>
         </a:ln>
-        <a:ln w="25400" cap="flat" cmpd="sng" algn="ctr">
+        <a:ln w="19050" cap="flat" cmpd="sng" algn="ctr">
           <a:solidFill>
             <a:schemeClr val="phClr"/>
           </a:solidFill>
           <a:prstDash val="solid"/>
         </a:ln>
-        <a:ln w="38100" cap="flat" cmpd="sng" algn="ctr">
+        <a:ln w="19050" cap="flat" cmpd="sng" algn="ctr">
           <a:solidFill>
             <a:schemeClr val="phClr"/>
           </a:solidFill>
@@ -4292,40 +5088,55 @@
       <a:effectStyleLst>
         <a:effectStyle>
           <a:effectLst>
-            <a:outerShdw blurRad="40000" dist="20000" dir="5400000" rotWithShape="0">
-              <a:srgbClr val="000000">
-                <a:alpha val="38000"/>
-              </a:srgbClr>
-            </a:outerShdw>
+            <a:glow rad="63500">
+              <a:schemeClr val="phClr">
+                <a:tint val="30000"/>
+                <a:shade val="95000"/>
+                <a:satMod val="300000"/>
+                <a:alpha val="50000"/>
+              </a:schemeClr>
+            </a:glow>
           </a:effectLst>
         </a:effectStyle>
         <a:effectStyle>
           <a:effectLst>
-            <a:outerShdw blurRad="40000" dist="23000" dir="5400000" rotWithShape="0">
-              <a:srgbClr val="000000">
-                <a:alpha val="35000"/>
-              </a:srgbClr>
-            </a:outerShdw>
+            <a:glow rad="70000">
+              <a:schemeClr val="phClr">
+                <a:tint val="30000"/>
+                <a:shade val="95000"/>
+                <a:satMod val="300000"/>
+                <a:alpha val="50000"/>
+              </a:schemeClr>
+            </a:glow>
           </a:effectLst>
         </a:effectStyle>
         <a:effectStyle>
           <a:effectLst>
-            <a:outerShdw blurRad="40000" dist="23000" dir="5400000" rotWithShape="0">
-              <a:srgbClr val="000000">
-                <a:alpha val="35000"/>
-              </a:srgbClr>
-            </a:outerShdw>
+            <a:glow rad="76200">
+              <a:schemeClr val="phClr">
+                <a:tint val="30000"/>
+                <a:shade val="95000"/>
+                <a:satMod val="300000"/>
+                <a:alpha val="50000"/>
+              </a:schemeClr>
+            </a:glow>
           </a:effectLst>
           <a:scene3d>
-            <a:camera prst="orthographicFront">
+            <a:camera prst="orthographicFront" fov="0">
               <a:rot lat="0" lon="0" rev="0"/>
             </a:camera>
-            <a:lightRig rig="threePt" dir="t">
-              <a:rot lat="0" lon="0" rev="1200000"/>
+            <a:lightRig rig="harsh" dir="t">
+              <a:rot lat="6000000" lon="6000000" rev="0"/>
             </a:lightRig>
           </a:scene3d>
-          <a:sp3d>
-            <a:bevelT w="63500" h="25400"/>
+          <a:sp3d contourW="10000" prstMaterial="metal">
+            <a:bevelT w="20000" h="9000" prst="softRound"/>
+            <a:contourClr>
+              <a:schemeClr val="phClr">
+                <a:shade val="30000"/>
+                <a:satMod val="200000"/>
+              </a:schemeClr>
+            </a:contourClr>
           </a:sp3d>
         </a:effectStyle>
       </a:effectStyleLst>
@@ -4337,45 +5148,42 @@
           <a:gsLst>
             <a:gs pos="0">
               <a:schemeClr val="phClr">
-                <a:tint val="40000"/>
-                <a:satMod val="350000"/>
+                <a:shade val="40000"/>
+                <a:satMod val="150000"/>
               </a:schemeClr>
             </a:gs>
-            <a:gs pos="40000">
+            <a:gs pos="30000">
               <a:schemeClr val="phClr">
-                <a:tint val="45000"/>
-                <a:shade val="99000"/>
-                <a:satMod val="350000"/>
+                <a:shade val="60000"/>
+                <a:satMod val="150000"/>
               </a:schemeClr>
             </a:gs>
             <a:gs pos="100000">
               <a:schemeClr val="phClr">
-                <a:shade val="20000"/>
-                <a:satMod val="255000"/>
+                <a:tint val="83000"/>
+                <a:satMod val="200000"/>
               </a:schemeClr>
             </a:gs>
           </a:gsLst>
-          <a:path path="circle">
-            <a:fillToRect l="50000" t="-80000" r="50000" b="180000"/>
-          </a:path>
+          <a:lin ang="13000000" scaled="0"/>
         </a:gradFill>
         <a:gradFill rotWithShape="1">
           <a:gsLst>
             <a:gs pos="0">
               <a:schemeClr val="phClr">
-                <a:tint val="80000"/>
-                <a:satMod val="300000"/>
+                <a:tint val="78000"/>
+                <a:satMod val="220000"/>
               </a:schemeClr>
             </a:gs>
             <a:gs pos="100000">
               <a:schemeClr val="phClr">
-                <a:shade val="30000"/>
-                <a:satMod val="200000"/>
+                <a:shade val="35000"/>
+                <a:satMod val="155000"/>
               </a:schemeClr>
             </a:gs>
           </a:gsLst>
           <a:path path="circle">
-            <a:fillToRect l="50000" t="50000" r="50000" b="50000"/>
+            <a:fillToRect l="60000" t="50000" r="40000" b="50000"/>
           </a:path>
         </a:gradFill>
       </a:bgFillStyleLst>

--- a/Presentacion_team_challenge.pptx
+++ b/Presentacion_team_challenge.pptx
@@ -114,7 +114,7 @@
   </p:defaultTextStyle>
   <p:extLst>
     <p:ext uri="{EFAFB233-063F-42B5-8137-9DF3F51BA10A}">
-      <p15:sldGuideLst xmlns:p15="http://schemas.microsoft.com/office/powerpoint/2012/main" xmlns="">
+      <p15:sldGuideLst xmlns:p15="http://schemas.microsoft.com/office/powerpoint/2012/main">
         <p15:guide id="1" orient="horz" pos="2160">
           <p15:clr>
             <a:srgbClr val="A4A3A4"/>
@@ -427,7 +427,7 @@
           </a:lstStyle>
           <a:p>
             <a:r>
-              <a:rPr kumimoji="0" lang="es-ES" smtClean="0"/>
+              <a:rPr kumimoji="0" lang="es-ES"/>
               <a:t>Haga clic para modificar el estilo de título del patrón</a:t>
             </a:r>
             <a:endParaRPr kumimoji="0" lang="en-US"/>
@@ -491,7 +491,7 @@
           </a:lstStyle>
           <a:p>
             <a:r>
-              <a:rPr kumimoji="0" lang="es-ES" smtClean="0"/>
+              <a:rPr kumimoji="0" lang="es-ES"/>
               <a:t>Haga clic para modificar el estilo de subtítulo del patrón</a:t>
             </a:r>
             <a:endParaRPr kumimoji="0" lang="en-US"/>
@@ -516,7 +516,7 @@
             <a:fld id="{65BA0D81-69BF-454E-8955-4E199060296A}" type="datetimeFigureOut">
               <a:rPr lang="es-ES" smtClean="0"/>
               <a:pPr/>
-              <a:t>27.01.26</a:t>
+              <a:t>27/01/2026</a:t>
             </a:fld>
             <a:endParaRPr lang="es-ES" dirty="0"/>
           </a:p>
@@ -606,7 +606,7 @@
           <a:lstStyle/>
           <a:p>
             <a:r>
-              <a:rPr kumimoji="0" lang="es-ES" smtClean="0"/>
+              <a:rPr kumimoji="0" lang="es-ES"/>
               <a:t>Haga clic para modificar el estilo de título del patrón</a:t>
             </a:r>
             <a:endParaRPr kumimoji="0" lang="en-US"/>
@@ -630,35 +630,35 @@
           <a:p>
             <a:pPr lvl="0" eaLnBrk="1" latinLnBrk="0" hangingPunct="1"/>
             <a:r>
-              <a:rPr lang="es-ES" smtClean="0"/>
+              <a:rPr lang="es-ES"/>
               <a:t>Haga clic para modificar el estilo de texto del patrón</a:t>
             </a:r>
           </a:p>
           <a:p>
             <a:pPr lvl="1" eaLnBrk="1" latinLnBrk="0" hangingPunct="1"/>
             <a:r>
-              <a:rPr lang="es-ES" smtClean="0"/>
+              <a:rPr lang="es-ES"/>
               <a:t>Segundo nivel</a:t>
             </a:r>
           </a:p>
           <a:p>
             <a:pPr lvl="2" eaLnBrk="1" latinLnBrk="0" hangingPunct="1"/>
             <a:r>
-              <a:rPr lang="es-ES" smtClean="0"/>
+              <a:rPr lang="es-ES"/>
               <a:t>Tercer nivel</a:t>
             </a:r>
           </a:p>
           <a:p>
             <a:pPr lvl="3" eaLnBrk="1" latinLnBrk="0" hangingPunct="1"/>
             <a:r>
-              <a:rPr lang="es-ES" smtClean="0"/>
+              <a:rPr lang="es-ES"/>
               <a:t>Cuarto nivel</a:t>
             </a:r>
           </a:p>
           <a:p>
             <a:pPr lvl="4" eaLnBrk="1" latinLnBrk="0" hangingPunct="1"/>
             <a:r>
-              <a:rPr lang="es-ES" smtClean="0"/>
+              <a:rPr lang="es-ES"/>
               <a:t>Quinto nivel</a:t>
             </a:r>
             <a:endParaRPr kumimoji="0" lang="en-US"/>
@@ -683,7 +683,7 @@
             <a:fld id="{65BA0D81-69BF-454E-8955-4E199060296A}" type="datetimeFigureOut">
               <a:rPr lang="es-ES" smtClean="0"/>
               <a:pPr/>
-              <a:t>27.01.26</a:t>
+              <a:t>27/01/2026</a:t>
             </a:fld>
             <a:endParaRPr lang="es-ES" dirty="0"/>
           </a:p>
@@ -778,7 +778,7 @@
           <a:lstStyle/>
           <a:p>
             <a:r>
-              <a:rPr kumimoji="0" lang="es-ES" smtClean="0"/>
+              <a:rPr kumimoji="0" lang="es-ES"/>
               <a:t>Haga clic para modificar el estilo de título del patrón</a:t>
             </a:r>
             <a:endParaRPr kumimoji="0" lang="en-US"/>
@@ -807,35 +807,35 @@
           <a:p>
             <a:pPr lvl="0" eaLnBrk="1" latinLnBrk="0" hangingPunct="1"/>
             <a:r>
-              <a:rPr lang="es-ES" smtClean="0"/>
+              <a:rPr lang="es-ES"/>
               <a:t>Haga clic para modificar el estilo de texto del patrón</a:t>
             </a:r>
           </a:p>
           <a:p>
             <a:pPr lvl="1" eaLnBrk="1" latinLnBrk="0" hangingPunct="1"/>
             <a:r>
-              <a:rPr lang="es-ES" smtClean="0"/>
+              <a:rPr lang="es-ES"/>
               <a:t>Segundo nivel</a:t>
             </a:r>
           </a:p>
           <a:p>
             <a:pPr lvl="2" eaLnBrk="1" latinLnBrk="0" hangingPunct="1"/>
             <a:r>
-              <a:rPr lang="es-ES" smtClean="0"/>
+              <a:rPr lang="es-ES"/>
               <a:t>Tercer nivel</a:t>
             </a:r>
           </a:p>
           <a:p>
             <a:pPr lvl="3" eaLnBrk="1" latinLnBrk="0" hangingPunct="1"/>
             <a:r>
-              <a:rPr lang="es-ES" smtClean="0"/>
+              <a:rPr lang="es-ES"/>
               <a:t>Cuarto nivel</a:t>
             </a:r>
           </a:p>
           <a:p>
             <a:pPr lvl="4" eaLnBrk="1" latinLnBrk="0" hangingPunct="1"/>
             <a:r>
-              <a:rPr lang="es-ES" smtClean="0"/>
+              <a:rPr lang="es-ES"/>
               <a:t>Quinto nivel</a:t>
             </a:r>
             <a:endParaRPr kumimoji="0" lang="en-US"/>
@@ -860,7 +860,7 @@
             <a:fld id="{65BA0D81-69BF-454E-8955-4E199060296A}" type="datetimeFigureOut">
               <a:rPr lang="es-ES" smtClean="0"/>
               <a:pPr/>
-              <a:t>27.01.26</a:t>
+              <a:t>27/01/2026</a:t>
             </a:fld>
             <a:endParaRPr lang="es-ES" dirty="0"/>
           </a:p>
@@ -954,7 +954,7 @@
           </a:lstStyle>
           <a:p>
             <a:r>
-              <a:rPr kumimoji="0" lang="es-ES" smtClean="0"/>
+              <a:rPr kumimoji="0" lang="es-ES"/>
               <a:t>Haga clic para modificar el estilo de título del patrón</a:t>
             </a:r>
             <a:endParaRPr kumimoji="0" lang="en-US"/>
@@ -978,35 +978,35 @@
           <a:p>
             <a:pPr lvl="0" eaLnBrk="1" latinLnBrk="0" hangingPunct="1"/>
             <a:r>
-              <a:rPr lang="es-ES" smtClean="0"/>
+              <a:rPr lang="es-ES"/>
               <a:t>Haga clic para modificar el estilo de texto del patrón</a:t>
             </a:r>
           </a:p>
           <a:p>
             <a:pPr lvl="1" eaLnBrk="1" latinLnBrk="0" hangingPunct="1"/>
             <a:r>
-              <a:rPr lang="es-ES" smtClean="0"/>
+              <a:rPr lang="es-ES"/>
               <a:t>Segundo nivel</a:t>
             </a:r>
           </a:p>
           <a:p>
             <a:pPr lvl="2" eaLnBrk="1" latinLnBrk="0" hangingPunct="1"/>
             <a:r>
-              <a:rPr lang="es-ES" smtClean="0"/>
+              <a:rPr lang="es-ES"/>
               <a:t>Tercer nivel</a:t>
             </a:r>
           </a:p>
           <a:p>
             <a:pPr lvl="3" eaLnBrk="1" latinLnBrk="0" hangingPunct="1"/>
             <a:r>
-              <a:rPr lang="es-ES" smtClean="0"/>
+              <a:rPr lang="es-ES"/>
               <a:t>Cuarto nivel</a:t>
             </a:r>
           </a:p>
           <a:p>
             <a:pPr lvl="4" eaLnBrk="1" latinLnBrk="0" hangingPunct="1"/>
             <a:r>
-              <a:rPr lang="es-ES" smtClean="0"/>
+              <a:rPr lang="es-ES"/>
               <a:t>Quinto nivel</a:t>
             </a:r>
             <a:endParaRPr kumimoji="0" lang="en-US"/>
@@ -1031,7 +1031,7 @@
             <a:fld id="{65BA0D81-69BF-454E-8955-4E199060296A}" type="datetimeFigureOut">
               <a:rPr lang="es-ES" smtClean="0"/>
               <a:pPr/>
-              <a:t>27.01.26</a:t>
+              <a:t>27/01/2026</a:t>
             </a:fld>
             <a:endParaRPr lang="es-ES" dirty="0"/>
           </a:p>
@@ -1385,7 +1385,7 @@
           </a:lstStyle>
           <a:p>
             <a:r>
-              <a:rPr kumimoji="0" lang="es-ES" smtClean="0"/>
+              <a:rPr kumimoji="0" lang="es-ES"/>
               <a:t>Haga clic para modificar el estilo de título del patrón</a:t>
             </a:r>
             <a:endParaRPr kumimoji="0" lang="en-US"/>
@@ -1464,7 +1464,7 @@
           <a:p>
             <a:pPr lvl="0" eaLnBrk="1" latinLnBrk="0" hangingPunct="1"/>
             <a:r>
-              <a:rPr kumimoji="0" lang="es-ES" smtClean="0"/>
+              <a:rPr kumimoji="0" lang="es-ES"/>
               <a:t>Haga clic para modificar el estilo de texto del patrón</a:t>
             </a:r>
           </a:p>
@@ -1488,7 +1488,7 @@
             <a:fld id="{65BA0D81-69BF-454E-8955-4E199060296A}" type="datetimeFigureOut">
               <a:rPr lang="es-ES" smtClean="0"/>
               <a:pPr/>
-              <a:t>27.01.26</a:t>
+              <a:t>27/01/2026</a:t>
             </a:fld>
             <a:endParaRPr lang="es-ES" dirty="0"/>
           </a:p>
@@ -1583,7 +1583,7 @@
           <a:lstStyle/>
           <a:p>
             <a:r>
-              <a:rPr kumimoji="0" lang="es-ES" smtClean="0"/>
+              <a:rPr kumimoji="0" lang="es-ES"/>
               <a:t>Haga clic para modificar el estilo de título del patrón</a:t>
             </a:r>
             <a:endParaRPr kumimoji="0" lang="en-US"/>
@@ -1628,35 +1628,35 @@
           <a:p>
             <a:pPr lvl="0" eaLnBrk="1" latinLnBrk="0" hangingPunct="1"/>
             <a:r>
-              <a:rPr lang="es-ES" smtClean="0"/>
+              <a:rPr lang="es-ES"/>
               <a:t>Haga clic para modificar el estilo de texto del patrón</a:t>
             </a:r>
           </a:p>
           <a:p>
             <a:pPr lvl="1" eaLnBrk="1" latinLnBrk="0" hangingPunct="1"/>
             <a:r>
-              <a:rPr lang="es-ES" smtClean="0"/>
+              <a:rPr lang="es-ES"/>
               <a:t>Segundo nivel</a:t>
             </a:r>
           </a:p>
           <a:p>
             <a:pPr lvl="2" eaLnBrk="1" latinLnBrk="0" hangingPunct="1"/>
             <a:r>
-              <a:rPr lang="es-ES" smtClean="0"/>
+              <a:rPr lang="es-ES"/>
               <a:t>Tercer nivel</a:t>
             </a:r>
           </a:p>
           <a:p>
             <a:pPr lvl="3" eaLnBrk="1" latinLnBrk="0" hangingPunct="1"/>
             <a:r>
-              <a:rPr lang="es-ES" smtClean="0"/>
+              <a:rPr lang="es-ES"/>
               <a:t>Cuarto nivel</a:t>
             </a:r>
           </a:p>
           <a:p>
             <a:pPr lvl="4" eaLnBrk="1" latinLnBrk="0" hangingPunct="1"/>
             <a:r>
-              <a:rPr lang="es-ES" smtClean="0"/>
+              <a:rPr lang="es-ES"/>
               <a:t>Quinto nivel</a:t>
             </a:r>
             <a:endParaRPr kumimoji="0" lang="en-US"/>
@@ -1701,35 +1701,35 @@
           <a:p>
             <a:pPr lvl="0" eaLnBrk="1" latinLnBrk="0" hangingPunct="1"/>
             <a:r>
-              <a:rPr lang="es-ES" smtClean="0"/>
+              <a:rPr lang="es-ES"/>
               <a:t>Haga clic para modificar el estilo de texto del patrón</a:t>
             </a:r>
           </a:p>
           <a:p>
             <a:pPr lvl="1" eaLnBrk="1" latinLnBrk="0" hangingPunct="1"/>
             <a:r>
-              <a:rPr lang="es-ES" smtClean="0"/>
+              <a:rPr lang="es-ES"/>
               <a:t>Segundo nivel</a:t>
             </a:r>
           </a:p>
           <a:p>
             <a:pPr lvl="2" eaLnBrk="1" latinLnBrk="0" hangingPunct="1"/>
             <a:r>
-              <a:rPr lang="es-ES" smtClean="0"/>
+              <a:rPr lang="es-ES"/>
               <a:t>Tercer nivel</a:t>
             </a:r>
           </a:p>
           <a:p>
             <a:pPr lvl="3" eaLnBrk="1" latinLnBrk="0" hangingPunct="1"/>
             <a:r>
-              <a:rPr lang="es-ES" smtClean="0"/>
+              <a:rPr lang="es-ES"/>
               <a:t>Cuarto nivel</a:t>
             </a:r>
           </a:p>
           <a:p>
             <a:pPr lvl="4" eaLnBrk="1" latinLnBrk="0" hangingPunct="1"/>
             <a:r>
-              <a:rPr lang="es-ES" smtClean="0"/>
+              <a:rPr lang="es-ES"/>
               <a:t>Quinto nivel</a:t>
             </a:r>
             <a:endParaRPr kumimoji="0" lang="en-US"/>
@@ -1754,7 +1754,7 @@
             <a:fld id="{65BA0D81-69BF-454E-8955-4E199060296A}" type="datetimeFigureOut">
               <a:rPr lang="es-ES" smtClean="0"/>
               <a:pPr/>
-              <a:t>27.01.26</a:t>
+              <a:t>27/01/2026</a:t>
             </a:fld>
             <a:endParaRPr lang="es-ES" dirty="0"/>
           </a:p>
@@ -1853,7 +1853,7 @@
           </a:lstStyle>
           <a:p>
             <a:r>
-              <a:rPr kumimoji="0" lang="es-ES" smtClean="0"/>
+              <a:rPr kumimoji="0" lang="es-ES"/>
               <a:t>Haga clic para modificar el estilo de título del patrón</a:t>
             </a:r>
             <a:endParaRPr kumimoji="0" lang="en-US"/>
@@ -1907,7 +1907,7 @@
           <a:p>
             <a:pPr lvl="0" eaLnBrk="1" latinLnBrk="0" hangingPunct="1"/>
             <a:r>
-              <a:rPr kumimoji="0" lang="es-ES" smtClean="0"/>
+              <a:rPr kumimoji="0" lang="es-ES"/>
               <a:t>Haga clic para modificar el estilo de texto del patrón</a:t>
             </a:r>
           </a:p>
@@ -1960,7 +1960,7 @@
           <a:p>
             <a:pPr lvl="0" eaLnBrk="1" latinLnBrk="0" hangingPunct="1"/>
             <a:r>
-              <a:rPr kumimoji="0" lang="es-ES" smtClean="0"/>
+              <a:rPr kumimoji="0" lang="es-ES"/>
               <a:t>Haga clic para modificar el estilo de texto del patrón</a:t>
             </a:r>
           </a:p>
@@ -2004,35 +2004,35 @@
           <a:p>
             <a:pPr lvl="0" eaLnBrk="1" latinLnBrk="0" hangingPunct="1"/>
             <a:r>
-              <a:rPr lang="es-ES" smtClean="0"/>
+              <a:rPr lang="es-ES"/>
               <a:t>Haga clic para modificar el estilo de texto del patrón</a:t>
             </a:r>
           </a:p>
           <a:p>
             <a:pPr lvl="1" eaLnBrk="1" latinLnBrk="0" hangingPunct="1"/>
             <a:r>
-              <a:rPr lang="es-ES" smtClean="0"/>
+              <a:rPr lang="es-ES"/>
               <a:t>Segundo nivel</a:t>
             </a:r>
           </a:p>
           <a:p>
             <a:pPr lvl="2" eaLnBrk="1" latinLnBrk="0" hangingPunct="1"/>
             <a:r>
-              <a:rPr lang="es-ES" smtClean="0"/>
+              <a:rPr lang="es-ES"/>
               <a:t>Tercer nivel</a:t>
             </a:r>
           </a:p>
           <a:p>
             <a:pPr lvl="3" eaLnBrk="1" latinLnBrk="0" hangingPunct="1"/>
             <a:r>
-              <a:rPr lang="es-ES" smtClean="0"/>
+              <a:rPr lang="es-ES"/>
               <a:t>Cuarto nivel</a:t>
             </a:r>
           </a:p>
           <a:p>
             <a:pPr lvl="4" eaLnBrk="1" latinLnBrk="0" hangingPunct="1"/>
             <a:r>
-              <a:rPr lang="es-ES" smtClean="0"/>
+              <a:rPr lang="es-ES"/>
               <a:t>Quinto nivel</a:t>
             </a:r>
             <a:endParaRPr kumimoji="0" lang="en-US"/>
@@ -2077,35 +2077,35 @@
           <a:p>
             <a:pPr lvl="0" eaLnBrk="1" latinLnBrk="0" hangingPunct="1"/>
             <a:r>
-              <a:rPr lang="es-ES" smtClean="0"/>
+              <a:rPr lang="es-ES"/>
               <a:t>Haga clic para modificar el estilo de texto del patrón</a:t>
             </a:r>
           </a:p>
           <a:p>
             <a:pPr lvl="1" eaLnBrk="1" latinLnBrk="0" hangingPunct="1"/>
             <a:r>
-              <a:rPr lang="es-ES" smtClean="0"/>
+              <a:rPr lang="es-ES"/>
               <a:t>Segundo nivel</a:t>
             </a:r>
           </a:p>
           <a:p>
             <a:pPr lvl="2" eaLnBrk="1" latinLnBrk="0" hangingPunct="1"/>
             <a:r>
-              <a:rPr lang="es-ES" smtClean="0"/>
+              <a:rPr lang="es-ES"/>
               <a:t>Tercer nivel</a:t>
             </a:r>
           </a:p>
           <a:p>
             <a:pPr lvl="3" eaLnBrk="1" latinLnBrk="0" hangingPunct="1"/>
             <a:r>
-              <a:rPr lang="es-ES" smtClean="0"/>
+              <a:rPr lang="es-ES"/>
               <a:t>Cuarto nivel</a:t>
             </a:r>
           </a:p>
           <a:p>
             <a:pPr lvl="4" eaLnBrk="1" latinLnBrk="0" hangingPunct="1"/>
             <a:r>
-              <a:rPr lang="es-ES" smtClean="0"/>
+              <a:rPr lang="es-ES"/>
               <a:t>Quinto nivel</a:t>
             </a:r>
             <a:endParaRPr kumimoji="0" lang="en-US"/>
@@ -2130,7 +2130,7 @@
             <a:fld id="{65BA0D81-69BF-454E-8955-4E199060296A}" type="datetimeFigureOut">
               <a:rPr lang="es-ES" smtClean="0"/>
               <a:pPr/>
-              <a:t>27.01.26</a:t>
+              <a:t>27/01/2026</a:t>
             </a:fld>
             <a:endParaRPr lang="es-ES" dirty="0"/>
           </a:p>
@@ -2229,7 +2229,7 @@
           </a:lstStyle>
           <a:p>
             <a:r>
-              <a:rPr kumimoji="0" lang="es-ES" smtClean="0"/>
+              <a:rPr kumimoji="0" lang="es-ES"/>
               <a:t>Haga clic para modificar el estilo de título del patrón</a:t>
             </a:r>
             <a:endParaRPr kumimoji="0" lang="en-US"/>
@@ -2254,7 +2254,7 @@
             <a:fld id="{65BA0D81-69BF-454E-8955-4E199060296A}" type="datetimeFigureOut">
               <a:rPr lang="es-ES" smtClean="0"/>
               <a:pPr/>
-              <a:t>27.01.26</a:t>
+              <a:t>27/01/2026</a:t>
             </a:fld>
             <a:endParaRPr lang="es-ES" dirty="0"/>
           </a:p>
@@ -2346,7 +2346,7 @@
             <a:fld id="{65BA0D81-69BF-454E-8955-4E199060296A}" type="datetimeFigureOut">
               <a:rPr lang="es-ES" smtClean="0"/>
               <a:pPr/>
-              <a:t>27.01.26</a:t>
+              <a:t>27/01/2026</a:t>
             </a:fld>
             <a:endParaRPr lang="es-ES" dirty="0"/>
           </a:p>
@@ -2450,7 +2450,7 @@
           </a:lstStyle>
           <a:p>
             <a:r>
-              <a:rPr kumimoji="0" lang="es-ES" smtClean="0"/>
+              <a:rPr kumimoji="0" lang="es-ES"/>
               <a:t>Haga clic para modificar el estilo de título del patrón</a:t>
             </a:r>
             <a:endParaRPr kumimoji="0" lang="en-US"/>
@@ -2500,7 +2500,7 @@
           <a:p>
             <a:pPr lvl="0" eaLnBrk="1" latinLnBrk="0" hangingPunct="1"/>
             <a:r>
-              <a:rPr kumimoji="0" lang="es-ES" smtClean="0"/>
+              <a:rPr kumimoji="0" lang="es-ES"/>
               <a:t>Haga clic para modificar el estilo de texto del patrón</a:t>
             </a:r>
           </a:p>
@@ -2544,35 +2544,35 @@
           <a:p>
             <a:pPr lvl="0" eaLnBrk="1" latinLnBrk="0" hangingPunct="1"/>
             <a:r>
-              <a:rPr lang="es-ES" smtClean="0"/>
+              <a:rPr lang="es-ES"/>
               <a:t>Haga clic para modificar el estilo de texto del patrón</a:t>
             </a:r>
           </a:p>
           <a:p>
             <a:pPr lvl="1" eaLnBrk="1" latinLnBrk="0" hangingPunct="1"/>
             <a:r>
-              <a:rPr lang="es-ES" smtClean="0"/>
+              <a:rPr lang="es-ES"/>
               <a:t>Segundo nivel</a:t>
             </a:r>
           </a:p>
           <a:p>
             <a:pPr lvl="2" eaLnBrk="1" latinLnBrk="0" hangingPunct="1"/>
             <a:r>
-              <a:rPr lang="es-ES" smtClean="0"/>
+              <a:rPr lang="es-ES"/>
               <a:t>Tercer nivel</a:t>
             </a:r>
           </a:p>
           <a:p>
             <a:pPr lvl="3" eaLnBrk="1" latinLnBrk="0" hangingPunct="1"/>
             <a:r>
-              <a:rPr lang="es-ES" smtClean="0"/>
+              <a:rPr lang="es-ES"/>
               <a:t>Cuarto nivel</a:t>
             </a:r>
           </a:p>
           <a:p>
             <a:pPr lvl="4" eaLnBrk="1" latinLnBrk="0" hangingPunct="1"/>
             <a:r>
-              <a:rPr lang="es-ES" smtClean="0"/>
+              <a:rPr lang="es-ES"/>
               <a:t>Quinto nivel</a:t>
             </a:r>
             <a:endParaRPr kumimoji="0" lang="en-US"/>
@@ -2597,7 +2597,7 @@
             <a:fld id="{65BA0D81-69BF-454E-8955-4E199060296A}" type="datetimeFigureOut">
               <a:rPr lang="es-ES" smtClean="0"/>
               <a:pPr/>
-              <a:t>27.01.26</a:t>
+              <a:t>27/01/2026</a:t>
             </a:fld>
             <a:endParaRPr lang="es-ES" dirty="0"/>
           </a:p>
@@ -2706,7 +2706,7 @@
           </a:lstStyle>
           <a:p>
             <a:r>
-              <a:rPr kumimoji="0" lang="es-ES" smtClean="0"/>
+              <a:rPr kumimoji="0" lang="es-ES"/>
               <a:t>Haga clic para modificar el estilo de título del patrón</a:t>
             </a:r>
             <a:endParaRPr kumimoji="0" lang="en-US"/>
@@ -2774,7 +2774,7 @@
           </a:lstStyle>
           <a:p>
             <a:r>
-              <a:rPr kumimoji="0" lang="es-ES" dirty="0" smtClean="0"/>
+              <a:rPr kumimoji="0" lang="es-ES" dirty="0"/>
               <a:t>Haga clic en el icono para agregar una imagen</a:t>
             </a:r>
             <a:endParaRPr kumimoji="0" lang="en-US" dirty="0"/>
@@ -2829,7 +2829,7 @@
           <a:p>
             <a:pPr lvl="0" eaLnBrk="1" latinLnBrk="0" hangingPunct="1"/>
             <a:r>
-              <a:rPr kumimoji="0" lang="es-ES" smtClean="0"/>
+              <a:rPr kumimoji="0" lang="es-ES"/>
               <a:t>Haga clic para modificar el estilo de texto del patrón</a:t>
             </a:r>
           </a:p>
@@ -2858,7 +2858,7 @@
             <a:fld id="{65BA0D81-69BF-454E-8955-4E199060296A}" type="datetimeFigureOut">
               <a:rPr lang="es-ES" smtClean="0"/>
               <a:pPr/>
-              <a:t>27.01.26</a:t>
+              <a:t>27/01/2026</a:t>
             </a:fld>
             <a:endParaRPr lang="es-ES" dirty="0"/>
           </a:p>
@@ -3159,7 +3159,7 @@
           <a:lstStyle/>
           <a:p>
             <a:r>
-              <a:rPr kumimoji="0" lang="es-ES" smtClean="0"/>
+              <a:rPr kumimoji="0" lang="es-ES"/>
               <a:t>Haga clic para modificar el estilo de título del patrón</a:t>
             </a:r>
             <a:endParaRPr kumimoji="0" lang="en-US"/>
@@ -3193,35 +3193,35 @@
           <a:p>
             <a:pPr lvl="0" eaLnBrk="1" latinLnBrk="0" hangingPunct="1"/>
             <a:r>
-              <a:rPr kumimoji="0" lang="es-ES" smtClean="0"/>
+              <a:rPr kumimoji="0" lang="es-ES"/>
               <a:t>Haga clic para modificar el estilo de texto del patrón</a:t>
             </a:r>
           </a:p>
           <a:p>
             <a:pPr lvl="1" eaLnBrk="1" latinLnBrk="0" hangingPunct="1"/>
             <a:r>
-              <a:rPr kumimoji="0" lang="es-ES" smtClean="0"/>
+              <a:rPr kumimoji="0" lang="es-ES"/>
               <a:t>Segundo nivel</a:t>
             </a:r>
           </a:p>
           <a:p>
             <a:pPr lvl="2" eaLnBrk="1" latinLnBrk="0" hangingPunct="1"/>
             <a:r>
-              <a:rPr kumimoji="0" lang="es-ES" smtClean="0"/>
+              <a:rPr kumimoji="0" lang="es-ES"/>
               <a:t>Tercer nivel</a:t>
             </a:r>
           </a:p>
           <a:p>
             <a:pPr lvl="3" eaLnBrk="1" latinLnBrk="0" hangingPunct="1"/>
             <a:r>
-              <a:rPr kumimoji="0" lang="es-ES" smtClean="0"/>
+              <a:rPr kumimoji="0" lang="es-ES"/>
               <a:t>Cuarto nivel</a:t>
             </a:r>
           </a:p>
           <a:p>
             <a:pPr lvl="4" eaLnBrk="1" latinLnBrk="0" hangingPunct="1"/>
             <a:r>
-              <a:rPr kumimoji="0" lang="es-ES" smtClean="0"/>
+              <a:rPr kumimoji="0" lang="es-ES"/>
               <a:t>Quinto nivel</a:t>
             </a:r>
             <a:endParaRPr kumimoji="0" lang="en-US"/>
@@ -3264,7 +3264,7 @@
             <a:fld id="{65BA0D81-69BF-454E-8955-4E199060296A}" type="datetimeFigureOut">
               <a:rPr lang="es-ES" smtClean="0"/>
               <a:pPr/>
-              <a:t>27.01.26</a:t>
+              <a:t>27/01/2026</a:t>
             </a:fld>
             <a:endParaRPr lang="es-ES" dirty="0"/>
           </a:p>
@@ -3651,6 +3651,25 @@
 <file path=ppt/slides/slide1.xml><?xml version="1.0" encoding="utf-8"?>
 <p:sld xmlns:a="http://schemas.openxmlformats.org/drawingml/2006/main" xmlns:r="http://schemas.openxmlformats.org/officeDocument/2006/relationships" xmlns:p="http://schemas.openxmlformats.org/presentationml/2006/main">
   <p:cSld>
+    <p:bg>
+      <p:bgPr>
+        <a:blipFill dpi="0" rotWithShape="1">
+          <a:blip r:embed="rId2">
+            <a:lum/>
+            <a:extLst>
+              <a:ext uri="{837473B0-CC2E-450A-ABE3-18F120FF3D39}">
+                <a1611:picAttrSrcUrl xmlns:a1611="http://schemas.microsoft.com/office/drawing/2016/11/main" r:id="rId3"/>
+              </a:ext>
+            </a:extLst>
+          </a:blip>
+          <a:srcRect/>
+          <a:stretch>
+            <a:fillRect l="-6000" r="-6000"/>
+          </a:stretch>
+        </a:blipFill>
+        <a:effectLst/>
+      </p:bgPr>
+    </p:bg>
     <p:spTree>
       <p:nvGrpSpPr>
         <p:cNvPr id="1" name=""/>
@@ -3677,8 +3696,8 @@
         </p:nvSpPr>
         <p:spPr>
           <a:xfrm>
-            <a:off x="500034" y="285728"/>
-            <a:ext cx="8229600" cy="1143000"/>
+            <a:off x="467544" y="404664"/>
+            <a:ext cx="7467600" cy="1143000"/>
           </a:xfrm>
         </p:spPr>
         <p:txBody>
@@ -3688,10 +3707,17 @@
           <a:lstStyle/>
           <a:p>
             <a:r>
-              <a:rPr lang="en-US" sz="7200" dirty="0" smtClean="0"/>
+              <a:rPr lang="en-US" sz="5000" dirty="0"/>
+              <a:t>TEAM CHALLENGE:</a:t>
+            </a:r>
+            <a:br>
+              <a:rPr lang="en-US" sz="5000" dirty="0"/>
+            </a:br>
+            <a:r>
+              <a:rPr lang="en-US" sz="5000" dirty="0" err="1"/>
               <a:t>ToolBox</a:t>
             </a:r>
-            <a:endParaRPr lang="es-ES" sz="7200" dirty="0"/>
+            <a:endParaRPr lang="es-ES" sz="5000" dirty="0"/>
           </a:p>
         </p:txBody>
       </p:sp>
@@ -3703,7 +3729,7 @@
         </p:nvSpPr>
         <p:spPr>
           <a:xfrm>
-            <a:off x="6286480" y="5657671"/>
+            <a:off x="7020272" y="5589240"/>
             <a:ext cx="2857520" cy="1200329"/>
           </a:xfrm>
           <a:prstGeom prst="rect">
@@ -3718,44 +3744,43 @@
           <a:lstStyle/>
           <a:p>
             <a:r>
-              <a:rPr lang="en-US" dirty="0" smtClean="0"/>
+              <a:rPr lang="en-US" dirty="0"/>
               <a:t>Blanca Garcia </a:t>
             </a:r>
           </a:p>
           <a:p>
             <a:r>
-              <a:rPr lang="en-US" dirty="0" smtClean="0"/>
+              <a:rPr lang="en-US" dirty="0"/>
               <a:t>Eric </a:t>
             </a:r>
             <a:r>
-              <a:rPr lang="en-US" dirty="0" err="1" smtClean="0"/>
+              <a:rPr lang="en-US" dirty="0" err="1"/>
               <a:t>Calvo</a:t>
             </a:r>
             <a:r>
-              <a:rPr lang="en-US" dirty="0" smtClean="0"/>
+              <a:rPr lang="en-US" dirty="0"/>
               <a:t> </a:t>
             </a:r>
           </a:p>
           <a:p>
             <a:r>
-              <a:rPr lang="en-US" dirty="0" smtClean="0"/>
+              <a:rPr lang="en-US" dirty="0"/>
               <a:t>Iv</a:t>
             </a:r>
             <a:r>
-              <a:rPr lang="es-ES" dirty="0" err="1" smtClean="0"/>
+              <a:rPr lang="es-ES" dirty="0" err="1"/>
               <a:t>án</a:t>
             </a:r>
             <a:r>
-              <a:rPr lang="es-ES" dirty="0" smtClean="0"/>
+              <a:rPr lang="es-ES" dirty="0"/>
               <a:t> Gómez</a:t>
             </a:r>
           </a:p>
           <a:p>
             <a:r>
-              <a:rPr lang="es-ES" dirty="0" smtClean="0"/>
+              <a:rPr lang="es-ES" dirty="0"/>
               <a:t>Marcos Martínez</a:t>
             </a:r>
-            <a:endParaRPr lang="es-ES" dirty="0"/>
           </a:p>
         </p:txBody>
       </p:sp>
@@ -3764,13 +3789,6 @@
   <p:clrMapOvr>
     <a:masterClrMapping/>
   </p:clrMapOvr>
-  <p:timing>
-    <p:tnLst>
-      <p:par>
-        <p:cTn id="1" dur="indefinite" restart="never" nodeType="tmRoot"/>
-      </p:par>
-    </p:tnLst>
-  </p:timing>
 </p:sld>
 </file>
 
@@ -3884,12 +3902,8 @@
               <a:t>Función describe</a:t>
             </a:r>
             <a:r>
-              <a:rPr lang="en-US" sz="4400" b="1" dirty="0" smtClean="0"/>
-              <a:t>_</a:t>
-            </a:r>
-            <a:r>
-              <a:rPr lang="en-US" sz="4400" b="1" dirty="0" smtClean="0"/>
-              <a:t>df</a:t>
+              <a:rPr lang="en-US" sz="4400" b="1" dirty="0"/>
+              <a:t>_df</a:t>
             </a:r>
             <a:endParaRPr lang="es-ES" sz="4400" b="1" dirty="0"/>
           </a:p>
@@ -3900,13 +3914,6 @@
   <p:clrMapOvr>
     <a:masterClrMapping/>
   </p:clrMapOvr>
-  <p:timing>
-    <p:tnLst>
-      <p:par>
-        <p:cTn id="1" dur="indefinite" restart="never" nodeType="tmRoot"/>
-      </p:par>
-    </p:tnLst>
-  </p:timing>
 </p:sld>
 </file>
 
@@ -4001,8 +4008,8 @@
         </p:nvSpPr>
         <p:spPr>
           <a:xfrm>
-            <a:off x="642910" y="285728"/>
-            <a:ext cx="7715304" cy="923330"/>
+            <a:off x="714348" y="449311"/>
+            <a:ext cx="7715304" cy="769441"/>
           </a:xfrm>
           <a:prstGeom prst="rect">
             <a:avLst/>
@@ -4016,14 +4023,14 @@
           <a:lstStyle/>
           <a:p>
             <a:r>
-              <a:rPr lang="es-ES" sz="5400" b="1" dirty="0" smtClean="0"/>
+              <a:rPr lang="es-ES" sz="4400" b="1" dirty="0"/>
               <a:t>Función tipifica</a:t>
             </a:r>
             <a:r>
-              <a:rPr lang="en-US" sz="5400" b="1" dirty="0" smtClean="0"/>
+              <a:rPr lang="en-US" sz="4400" b="1" dirty="0"/>
               <a:t>_variables</a:t>
             </a:r>
-            <a:endParaRPr lang="es-ES" sz="5400" b="1" dirty="0"/>
+            <a:endParaRPr lang="es-ES" sz="4400" b="1" dirty="0"/>
           </a:p>
         </p:txBody>
       </p:sp>
@@ -4032,13 +4039,6 @@
   <p:clrMapOvr>
     <a:masterClrMapping/>
   </p:clrMapOvr>
-  <p:timing>
-    <p:tnLst>
-      <p:par>
-        <p:cTn id="1" dur="indefinite" restart="never" nodeType="tmRoot"/>
-      </p:par>
-    </p:tnLst>
-  </p:timing>
 </p:sld>
 </file>
 
@@ -4143,27 +4143,19 @@
         </p:spPr>
         <p:txBody>
           <a:bodyPr>
-            <a:normAutofit fontScale="90000"/>
+            <a:noAutofit/>
           </a:bodyPr>
           <a:lstStyle/>
           <a:p>
             <a:r>
-              <a:rPr lang="es-ES" b="1" dirty="0" smtClean="0"/>
-              <a:t>Función </a:t>
-            </a:r>
-            <a:r>
-              <a:rPr lang="es-ES" b="1" dirty="0" smtClean="0"/>
-              <a:t>get</a:t>
-            </a:r>
-            <a:r>
-              <a:rPr lang="en-US" b="1" dirty="0" smtClean="0"/>
-              <a:t>_</a:t>
-            </a:r>
-            <a:r>
-              <a:rPr lang="en-US" b="1" dirty="0" smtClean="0"/>
-              <a:t>features_num_regression</a:t>
-            </a:r>
-            <a:endParaRPr lang="es-ES" b="1" dirty="0"/>
+              <a:rPr lang="es-ES" sz="4400" b="1" dirty="0"/>
+              <a:t>Función get</a:t>
+            </a:r>
+            <a:r>
+              <a:rPr lang="en-US" sz="4400" b="1" dirty="0"/>
+              <a:t>_features_num_regression</a:t>
+            </a:r>
+            <a:endParaRPr lang="es-ES" sz="4400" b="1" dirty="0"/>
           </a:p>
         </p:txBody>
       </p:sp>
@@ -4172,13 +4164,6 @@
   <p:clrMapOvr>
     <a:masterClrMapping/>
   </p:clrMapOvr>
-  <p:timing>
-    <p:tnLst>
-      <p:par>
-        <p:cTn id="1" dur="indefinite" restart="never" nodeType="tmRoot"/>
-      </p:par>
-    </p:tnLst>
-  </p:timing>
 </p:sld>
 </file>
 
@@ -4217,35 +4202,23 @@
         </p:spPr>
         <p:txBody>
           <a:bodyPr>
-            <a:normAutofit fontScale="90000"/>
+            <a:normAutofit/>
           </a:bodyPr>
           <a:lstStyle/>
           <a:p>
             <a:r>
-              <a:rPr lang="en-US" b="1" dirty="0"/>
+              <a:rPr lang="en-US" sz="4400" b="1" dirty="0"/>
               <a:t>Funci</a:t>
             </a:r>
             <a:r>
-              <a:rPr lang="es-ES" b="1" dirty="0"/>
-              <a:t>ón</a:t>
-            </a:r>
-            <a:r>
-              <a:rPr lang="es-ES" b="1" dirty="0"/>
-              <a:t> </a:t>
-            </a:r>
-            <a:r>
-              <a:rPr lang="es-ES" b="1" dirty="0"/>
-              <a:t>plot</a:t>
-            </a:r>
-            <a:r>
-              <a:rPr lang="en-US" b="1" dirty="0"/>
-              <a:t>_</a:t>
-            </a:r>
-            <a:r>
-              <a:rPr lang="en-US" b="1" dirty="0"/>
-              <a:t>features_num_regression</a:t>
-            </a:r>
-            <a:endParaRPr lang="es-ES" b="1" dirty="0"/>
+              <a:rPr lang="es-ES" sz="4400" b="1" dirty="0"/>
+              <a:t>ón plot</a:t>
+            </a:r>
+            <a:r>
+              <a:rPr lang="en-US" sz="4400" b="1" dirty="0"/>
+              <a:t>_features_num_regression</a:t>
+            </a:r>
+            <a:endParaRPr lang="es-ES" sz="4400" b="1" dirty="0"/>
           </a:p>
         </p:txBody>
       </p:sp>
@@ -4320,13 +4293,6 @@
   <p:clrMapOvr>
     <a:masterClrMapping/>
   </p:clrMapOvr>
-  <p:timing>
-    <p:tnLst>
-      <p:par>
-        <p:cTn id="1" dur="indefinite" restart="never" nodeType="tmRoot"/>
-      </p:par>
-    </p:tnLst>
-  </p:timing>
 </p:sld>
 </file>
 
@@ -4385,7 +4351,7 @@
           <p:cNvPr id="2" name="CuadroTexto 1">
             <a:extLst>
               <a:ext uri="{FF2B5EF4-FFF2-40B4-BE49-F238E27FC236}">
-                <a16:creationId xmlns:a16="http://schemas.microsoft.com/office/drawing/2014/main" xmlns="" id="{C88C3D14-64FD-31EE-B407-45F40E9BC2F2}"/>
+                <a16:creationId xmlns:a16="http://schemas.microsoft.com/office/drawing/2014/main" id="{C88C3D14-64FD-31EE-B407-45F40E9BC2F2}"/>
               </a:ext>
             </a:extLst>
           </p:cNvPr>
@@ -4394,8 +4360,8 @@
         </p:nvSpPr>
         <p:spPr>
           <a:xfrm>
-            <a:off x="3761656" y="162019"/>
-            <a:ext cx="1944216" cy="707886"/>
+            <a:off x="3482752" y="162019"/>
+            <a:ext cx="2178496" cy="769441"/>
           </a:xfrm>
           <a:prstGeom prst="rect">
             <a:avLst/>
@@ -4409,7 +4375,7 @@
           <a:lstStyle/>
           <a:p>
             <a:r>
-              <a:rPr lang="es-ES" sz="4000" b="1" dirty="0"/>
+              <a:rPr lang="es-ES" sz="4400" b="1" dirty="0"/>
               <a:t>Output</a:t>
             </a:r>
           </a:p>
@@ -4420,13 +4386,6 @@
   <p:clrMapOvr>
     <a:masterClrMapping/>
   </p:clrMapOvr>
-  <p:timing>
-    <p:tnLst>
-      <p:par>
-        <p:cTn id="1" dur="indefinite" restart="never" nodeType="tmRoot"/>
-      </p:par>
-    </p:tnLst>
-  </p:timing>
 </p:sld>
 </file>
 
@@ -4465,35 +4424,23 @@
         </p:spPr>
         <p:txBody>
           <a:bodyPr>
-            <a:normAutofit fontScale="90000"/>
+            <a:noAutofit/>
           </a:bodyPr>
           <a:lstStyle/>
           <a:p>
             <a:r>
-              <a:rPr lang="en-US" b="1" dirty="0"/>
+              <a:rPr lang="en-US" sz="4400" b="1" dirty="0"/>
               <a:t>Funci</a:t>
             </a:r>
             <a:r>
-              <a:rPr lang="es-ES" b="1" dirty="0"/>
-              <a:t>ón</a:t>
-            </a:r>
-            <a:r>
-              <a:rPr lang="es-ES" b="1" dirty="0"/>
-              <a:t> </a:t>
-            </a:r>
-            <a:r>
-              <a:rPr lang="es-ES" b="1" dirty="0"/>
-              <a:t>get</a:t>
-            </a:r>
-            <a:r>
-              <a:rPr lang="en-US" b="1" dirty="0"/>
-              <a:t>_</a:t>
-            </a:r>
-            <a:r>
-              <a:rPr lang="en-US" b="1" dirty="0"/>
-              <a:t>features_cat_regression</a:t>
-            </a:r>
-            <a:endParaRPr lang="es-ES" b="1" dirty="0"/>
+              <a:rPr lang="es-ES" sz="4400" b="1" dirty="0"/>
+              <a:t>ón get</a:t>
+            </a:r>
+            <a:r>
+              <a:rPr lang="en-US" sz="4400" b="1" dirty="0"/>
+              <a:t>_features_cat_regression</a:t>
+            </a:r>
+            <a:endParaRPr lang="es-ES" sz="4400" b="1" dirty="0"/>
           </a:p>
         </p:txBody>
       </p:sp>
@@ -4547,7 +4494,7 @@
         </p:blipFill>
         <p:spPr bwMode="auto">
           <a:xfrm>
-            <a:off x="5023083" y="1428736"/>
+            <a:off x="5023083" y="1573531"/>
             <a:ext cx="4120917" cy="4127508"/>
           </a:xfrm>
           <a:prstGeom prst="rect">
@@ -4634,35 +4581,23 @@
         <p:spPr/>
         <p:txBody>
           <a:bodyPr>
-            <a:normAutofit fontScale="90000"/>
+            <a:noAutofit/>
           </a:bodyPr>
           <a:lstStyle/>
           <a:p>
             <a:r>
-              <a:rPr lang="en-US" b="1" dirty="0"/>
+              <a:rPr lang="en-US" sz="4400" b="1" dirty="0"/>
               <a:t>Funci</a:t>
             </a:r>
             <a:r>
-              <a:rPr lang="es-ES" b="1" dirty="0"/>
-              <a:t>ón</a:t>
-            </a:r>
-            <a:r>
-              <a:rPr lang="es-ES" b="1" dirty="0"/>
-              <a:t> </a:t>
-            </a:r>
-            <a:r>
-              <a:rPr lang="es-ES" b="1" dirty="0"/>
-              <a:t>plot</a:t>
-            </a:r>
-            <a:r>
-              <a:rPr lang="en-US" b="1" dirty="0"/>
-              <a:t>_</a:t>
-            </a:r>
-            <a:r>
-              <a:rPr lang="en-US" b="1" dirty="0"/>
-              <a:t>features_cat_regression</a:t>
-            </a:r>
-            <a:endParaRPr lang="es-ES" b="1" dirty="0"/>
+              <a:rPr lang="es-ES" sz="4400" b="1" dirty="0"/>
+              <a:t>ón plot</a:t>
+            </a:r>
+            <a:r>
+              <a:rPr lang="en-US" sz="4400" b="1" dirty="0"/>
+              <a:t>_features_cat_regression</a:t>
+            </a:r>
+            <a:endParaRPr lang="es-ES" sz="4400" b="1" dirty="0"/>
           </a:p>
         </p:txBody>
       </p:sp>
@@ -4828,7 +4763,7 @@
           <p:cNvPr id="2" name="CuadroTexto 1">
             <a:extLst>
               <a:ext uri="{FF2B5EF4-FFF2-40B4-BE49-F238E27FC236}">
-                <a16:creationId xmlns:a16="http://schemas.microsoft.com/office/drawing/2014/main" xmlns="" id="{DDBF56E2-0975-4F21-F7D4-C87B44784B56}"/>
+                <a16:creationId xmlns:a16="http://schemas.microsoft.com/office/drawing/2014/main" id="{DDBF56E2-0975-4F21-F7D4-C87B44784B56}"/>
               </a:ext>
             </a:extLst>
           </p:cNvPr>
@@ -4837,8 +4772,8 @@
         </p:nvSpPr>
         <p:spPr>
           <a:xfrm>
-            <a:off x="3683521" y="332656"/>
-            <a:ext cx="1872208" cy="707886"/>
+            <a:off x="3599321" y="332656"/>
+            <a:ext cx="2040607" cy="769441"/>
           </a:xfrm>
           <a:prstGeom prst="rect">
             <a:avLst/>
@@ -4852,7 +4787,7 @@
           <a:lstStyle/>
           <a:p>
             <a:r>
-              <a:rPr lang="es-ES" sz="4000" b="1" dirty="0"/>
+              <a:rPr lang="es-ES" sz="4400" b="1" dirty="0"/>
               <a:t>Output</a:t>
             </a:r>
           </a:p>
